--- a/document/QG汇报.pptx
+++ b/document/QG汇报.pptx
@@ -5,7 +5,7 @@
     <p:sldMasterId id="2147483648" r:id="rId1"/>
   </p:sldMasterIdLst>
   <p:notesMasterIdLst>
-    <p:notesMasterId r:id="rId16"/>
+    <p:notesMasterId r:id="rId22"/>
   </p:notesMasterIdLst>
   <p:sldIdLst>
     <p:sldId id="275" r:id="rId2"/>
@@ -17,44 +17,50 @@
     <p:sldId id="324" r:id="rId8"/>
     <p:sldId id="330" r:id="rId9"/>
     <p:sldId id="331" r:id="rId10"/>
-    <p:sldId id="333" r:id="rId11"/>
-    <p:sldId id="325" r:id="rId12"/>
-    <p:sldId id="326" r:id="rId13"/>
-    <p:sldId id="334" r:id="rId14"/>
-    <p:sldId id="322" r:id="rId15"/>
+    <p:sldId id="335" r:id="rId11"/>
+    <p:sldId id="333" r:id="rId12"/>
+    <p:sldId id="336" r:id="rId13"/>
+    <p:sldId id="338" r:id="rId14"/>
+    <p:sldId id="337" r:id="rId15"/>
+    <p:sldId id="325" r:id="rId16"/>
+    <p:sldId id="340" r:id="rId17"/>
+    <p:sldId id="339" r:id="rId18"/>
+    <p:sldId id="326" r:id="rId19"/>
+    <p:sldId id="334" r:id="rId20"/>
+    <p:sldId id="322" r:id="rId21"/>
   </p:sldIdLst>
   <p:sldSz cx="12192000" cy="6858000"/>
   <p:notesSz cx="6858000" cy="9144000"/>
   <p:embeddedFontLst>
     <p:embeddedFont>
       <p:font typeface="Montserrat Light" panose="00000400000000000000" pitchFamily="2" charset="0"/>
-      <p:regular r:id="rId17"/>
-      <p:italic r:id="rId18"/>
+      <p:regular r:id="rId23"/>
+      <p:italic r:id="rId24"/>
     </p:embeddedFont>
     <p:embeddedFont>
       <p:font typeface="Novecento wide Bold" panose="00000805000000000000" charset="0"/>
-      <p:bold r:id="rId19"/>
+      <p:bold r:id="rId25"/>
     </p:embeddedFont>
     <p:embeddedFont>
       <p:font typeface="Sitka Text" panose="02000505000000020004" pitchFamily="2" charset="0"/>
-      <p:regular r:id="rId20"/>
-      <p:bold r:id="rId21"/>
-      <p:italic r:id="rId22"/>
-      <p:boldItalic r:id="rId23"/>
+      <p:regular r:id="rId26"/>
+      <p:bold r:id="rId27"/>
+      <p:italic r:id="rId28"/>
+      <p:boldItalic r:id="rId29"/>
     </p:embeddedFont>
     <p:embeddedFont>
       <p:font typeface="等线" panose="02010600030101010101" pitchFamily="2" charset="-122"/>
-      <p:regular r:id="rId24"/>
-      <p:bold r:id="rId25"/>
+      <p:regular r:id="rId30"/>
+      <p:bold r:id="rId31"/>
     </p:embeddedFont>
     <p:embeddedFont>
       <p:font typeface="等线 Light" panose="02010600030101010101" pitchFamily="2" charset="-122"/>
-      <p:regular r:id="rId26"/>
+      <p:regular r:id="rId32"/>
     </p:embeddedFont>
     <p:embeddedFont>
       <p:font typeface="微软雅黑" panose="020B0503020204020204" pitchFamily="34" charset="-122"/>
-      <p:regular r:id="rId27"/>
-      <p:bold r:id="rId28"/>
+      <p:regular r:id="rId33"/>
+      <p:bold r:id="rId34"/>
     </p:embeddedFont>
   </p:embeddedFontLst>
   <p:defaultTextStyle>
@@ -253,7 +259,7 @@
           <a:p>
             <a:fld id="{175026EB-4058-4BC7-8426-D7194AF02EC7}" type="datetimeFigureOut">
               <a:rPr lang="zh-CN" altLang="en-US" smtClean="0"/>
-              <a:t>2024/4/25</a:t>
+              <a:t>2024/4/28</a:t>
             </a:fld>
             <a:endParaRPr lang="zh-CN" altLang="en-US"/>
           </a:p>
@@ -669,7 +675,7 @@
           <a:p>
             <a:fld id="{58310FD2-7342-4681-882A-4B6560D700F0}" type="slidenum">
               <a:rPr lang="zh-CN" altLang="en-US" smtClean="0"/>
-              <a:t>14</a:t>
+              <a:t>20</a:t>
             </a:fld>
             <a:endParaRPr lang="zh-CN" altLang="en-US"/>
           </a:p>
@@ -835,7 +841,7 @@
           <a:p>
             <a:fld id="{2DE362B0-12AC-4085-87E0-7E16945EABF7}" type="datetimeFigureOut">
               <a:rPr lang="zh-CN" altLang="en-US" smtClean="0"/>
-              <a:t>2024/4/25</a:t>
+              <a:t>2024/4/28</a:t>
             </a:fld>
             <a:endParaRPr lang="zh-CN" altLang="en-US"/>
           </a:p>
@@ -1033,7 +1039,7 @@
           <a:p>
             <a:fld id="{2DE362B0-12AC-4085-87E0-7E16945EABF7}" type="datetimeFigureOut">
               <a:rPr lang="zh-CN" altLang="en-US" smtClean="0"/>
-              <a:t>2024/4/25</a:t>
+              <a:t>2024/4/28</a:t>
             </a:fld>
             <a:endParaRPr lang="zh-CN" altLang="en-US"/>
           </a:p>
@@ -1241,7 +1247,7 @@
           <a:p>
             <a:fld id="{2DE362B0-12AC-4085-87E0-7E16945EABF7}" type="datetimeFigureOut">
               <a:rPr lang="zh-CN" altLang="en-US" smtClean="0"/>
-              <a:t>2024/4/25</a:t>
+              <a:t>2024/4/28</a:t>
             </a:fld>
             <a:endParaRPr lang="zh-CN" altLang="en-US"/>
           </a:p>
@@ -1439,7 +1445,7 @@
           <a:p>
             <a:fld id="{2DE362B0-12AC-4085-87E0-7E16945EABF7}" type="datetimeFigureOut">
               <a:rPr lang="zh-CN" altLang="en-US" smtClean="0"/>
-              <a:t>2024/4/25</a:t>
+              <a:t>2024/4/28</a:t>
             </a:fld>
             <a:endParaRPr lang="zh-CN" altLang="en-US"/>
           </a:p>
@@ -1714,7 +1720,7 @@
           <a:p>
             <a:fld id="{2DE362B0-12AC-4085-87E0-7E16945EABF7}" type="datetimeFigureOut">
               <a:rPr lang="zh-CN" altLang="en-US" smtClean="0"/>
-              <a:t>2024/4/25</a:t>
+              <a:t>2024/4/28</a:t>
             </a:fld>
             <a:endParaRPr lang="zh-CN" altLang="en-US"/>
           </a:p>
@@ -1979,7 +1985,7 @@
           <a:p>
             <a:fld id="{2DE362B0-12AC-4085-87E0-7E16945EABF7}" type="datetimeFigureOut">
               <a:rPr lang="zh-CN" altLang="en-US" smtClean="0"/>
-              <a:t>2024/4/25</a:t>
+              <a:t>2024/4/28</a:t>
             </a:fld>
             <a:endParaRPr lang="zh-CN" altLang="en-US"/>
           </a:p>
@@ -2391,7 +2397,7 @@
           <a:p>
             <a:fld id="{2DE362B0-12AC-4085-87E0-7E16945EABF7}" type="datetimeFigureOut">
               <a:rPr lang="zh-CN" altLang="en-US" smtClean="0"/>
-              <a:t>2024/4/25</a:t>
+              <a:t>2024/4/28</a:t>
             </a:fld>
             <a:endParaRPr lang="zh-CN" altLang="en-US"/>
           </a:p>
@@ -2532,7 +2538,7 @@
           <a:p>
             <a:fld id="{2DE362B0-12AC-4085-87E0-7E16945EABF7}" type="datetimeFigureOut">
               <a:rPr lang="zh-CN" altLang="en-US" smtClean="0"/>
-              <a:t>2024/4/25</a:t>
+              <a:t>2024/4/28</a:t>
             </a:fld>
             <a:endParaRPr lang="zh-CN" altLang="en-US"/>
           </a:p>
@@ -2645,7 +2651,7 @@
           <a:p>
             <a:fld id="{2DE362B0-12AC-4085-87E0-7E16945EABF7}" type="datetimeFigureOut">
               <a:rPr lang="zh-CN" altLang="en-US" smtClean="0"/>
-              <a:t>2024/4/25</a:t>
+              <a:t>2024/4/28</a:t>
             </a:fld>
             <a:endParaRPr lang="zh-CN" altLang="en-US"/>
           </a:p>
@@ -2956,7 +2962,7 @@
           <a:p>
             <a:fld id="{2DE362B0-12AC-4085-87E0-7E16945EABF7}" type="datetimeFigureOut">
               <a:rPr lang="zh-CN" altLang="en-US" smtClean="0"/>
-              <a:t>2024/4/25</a:t>
+              <a:t>2024/4/28</a:t>
             </a:fld>
             <a:endParaRPr lang="zh-CN" altLang="en-US"/>
           </a:p>
@@ -3244,7 +3250,7 @@
           <a:p>
             <a:fld id="{2DE362B0-12AC-4085-87E0-7E16945EABF7}" type="datetimeFigureOut">
               <a:rPr lang="zh-CN" altLang="en-US" smtClean="0"/>
-              <a:t>2024/4/25</a:t>
+              <a:t>2024/4/28</a:t>
             </a:fld>
             <a:endParaRPr lang="zh-CN" altLang="en-US"/>
           </a:p>
@@ -3485,7 +3491,7 @@
           <a:p>
             <a:fld id="{2DE362B0-12AC-4085-87E0-7E16945EABF7}" type="datetimeFigureOut">
               <a:rPr lang="zh-CN" altLang="en-US" smtClean="0"/>
-              <a:t>2024/4/25</a:t>
+              <a:t>2024/4/28</a:t>
             </a:fld>
             <a:endParaRPr lang="zh-CN" altLang="en-US"/>
           </a:p>
@@ -4227,7 +4233,7 @@
                 <a:latin typeface="微软雅黑" panose="020B0503020204020204" pitchFamily="34" charset="-122"/>
                 <a:ea typeface="微软雅黑" panose="020B0503020204020204" pitchFamily="34" charset="-122"/>
               </a:rPr>
-              <a:t>xx</a:t>
+              <a:t>29</a:t>
             </a:r>
             <a:r>
               <a:rPr lang="zh-CN" altLang="en-US" sz="2400" dirty="0">
@@ -4804,7 +4810,7 @@
                 <a:latin typeface="微软雅黑" panose="020B0503020204020204" pitchFamily="34" charset="-122"/>
                 <a:ea typeface="微软雅黑" panose="020B0503020204020204" pitchFamily="34" charset="-122"/>
               </a:rPr>
-              <a:t>程序测试</a:t>
+              <a:t>项目亮点</a:t>
             </a:r>
           </a:p>
         </p:txBody>
@@ -4866,8 +4872,664 @@
         </p:nvSpPr>
         <p:spPr>
           <a:xfrm>
-            <a:off x="968457" y="1522622"/>
-            <a:ext cx="8308676" cy="4401205"/>
+            <a:off x="526859" y="1454492"/>
+            <a:ext cx="3477110" cy="4524315"/>
+          </a:xfrm>
+          <a:prstGeom prst="rect">
+            <a:avLst/>
+          </a:prstGeom>
+          <a:noFill/>
+        </p:spPr>
+        <p:txBody>
+          <a:bodyPr wrap="square" rtlCol="0">
+            <a:spAutoFit/>
+          </a:bodyPr>
+          <a:lstStyle/>
+          <a:p>
+            <a:r>
+              <a:rPr lang="en-US" altLang="zh-CN" sz="2400" kern="100" dirty="0">
+                <a:effectLst/>
+                <a:latin typeface="等线" panose="02010600030101010101" pitchFamily="2" charset="-122"/>
+                <a:ea typeface="等线" panose="02010600030101010101" pitchFamily="2" charset="-122"/>
+                <a:cs typeface="Times New Roman" panose="02020603050405020304" pitchFamily="18" charset="0"/>
+              </a:rPr>
+              <a:t>3. </a:t>
+            </a:r>
+            <a:r>
+              <a:rPr lang="zh-CN" altLang="en-US" sz="2400" kern="100" dirty="0">
+                <a:effectLst/>
+                <a:latin typeface="等线" panose="02010600030101010101" pitchFamily="2" charset="-122"/>
+                <a:ea typeface="等线" panose="02010600030101010101" pitchFamily="2" charset="-122"/>
+                <a:cs typeface="Times New Roman" panose="02020603050405020304" pitchFamily="18" charset="0"/>
+              </a:rPr>
+              <a:t>查看学习情况：查看课程的报名名单、小节内容的完成学习名单，以及题目的完成名单和正确率。</a:t>
+            </a:r>
+          </a:p>
+          <a:p>
+            <a:endParaRPr lang="en-US" altLang="zh-CN" sz="2400" kern="100" dirty="0">
+              <a:effectLst/>
+              <a:latin typeface="等线" panose="02010600030101010101" pitchFamily="2" charset="-122"/>
+              <a:ea typeface="等线" panose="02010600030101010101" pitchFamily="2" charset="-122"/>
+              <a:cs typeface="Times New Roman" panose="02020603050405020304" pitchFamily="18" charset="0"/>
+            </a:endParaRPr>
+          </a:p>
+          <a:p>
+            <a:endParaRPr lang="en-US" altLang="zh-CN" sz="2400" kern="100" dirty="0">
+              <a:effectLst/>
+              <a:latin typeface="等线" panose="02010600030101010101" pitchFamily="2" charset="-122"/>
+              <a:ea typeface="等线" panose="02010600030101010101" pitchFamily="2" charset="-122"/>
+              <a:cs typeface="Times New Roman" panose="02020603050405020304" pitchFamily="18" charset="0"/>
+            </a:endParaRPr>
+          </a:p>
+          <a:p>
+            <a:r>
+              <a:rPr lang="en-US" altLang="zh-CN" sz="2400" kern="100" dirty="0">
+                <a:effectLst/>
+                <a:latin typeface="等线" panose="02010600030101010101" pitchFamily="2" charset="-122"/>
+                <a:ea typeface="等线" panose="02010600030101010101" pitchFamily="2" charset="-122"/>
+                <a:cs typeface="Times New Roman" panose="02020603050405020304" pitchFamily="18" charset="0"/>
+              </a:rPr>
+              <a:t>4. </a:t>
+            </a:r>
+            <a:r>
+              <a:rPr lang="zh-CN" altLang="en-US" sz="2400" kern="100" dirty="0">
+                <a:effectLst/>
+                <a:latin typeface="等线" panose="02010600030101010101" pitchFamily="2" charset="-122"/>
+                <a:ea typeface="等线" panose="02010600030101010101" pitchFamily="2" charset="-122"/>
+                <a:cs typeface="Times New Roman" panose="02020603050405020304" pitchFamily="18" charset="0"/>
+              </a:rPr>
+              <a:t>修改个人信息：修改资料中的姓名、介绍、邮箱、</a:t>
+            </a:r>
+            <a:r>
+              <a:rPr lang="en-US" altLang="zh-CN" sz="2400" kern="100" dirty="0">
+                <a:effectLst/>
+                <a:latin typeface="等线" panose="02010600030101010101" pitchFamily="2" charset="-122"/>
+                <a:ea typeface="等线" panose="02010600030101010101" pitchFamily="2" charset="-122"/>
+                <a:cs typeface="Times New Roman" panose="02020603050405020304" pitchFamily="18" charset="0"/>
+              </a:rPr>
+              <a:t>QQ</a:t>
+            </a:r>
+            <a:r>
+              <a:rPr lang="zh-CN" altLang="en-US" sz="2400" kern="100" dirty="0">
+                <a:effectLst/>
+                <a:latin typeface="等线" panose="02010600030101010101" pitchFamily="2" charset="-122"/>
+                <a:ea typeface="等线" panose="02010600030101010101" pitchFamily="2" charset="-122"/>
+                <a:cs typeface="Times New Roman" panose="02020603050405020304" pitchFamily="18" charset="0"/>
+              </a:rPr>
+              <a:t>等个人信息，便于提供学术概况、联系方式等。</a:t>
+            </a:r>
+          </a:p>
+        </p:txBody>
+      </p:sp>
+      <p:pic>
+        <p:nvPicPr>
+          <p:cNvPr id="14" name="图片 13">
+            <a:extLst>
+              <a:ext uri="{FF2B5EF4-FFF2-40B4-BE49-F238E27FC236}">
+                <a16:creationId xmlns:a16="http://schemas.microsoft.com/office/drawing/2014/main" id="{4EAA7643-B88A-E43A-7810-4317AA0843B6}"/>
+              </a:ext>
+            </a:extLst>
+          </p:cNvPr>
+          <p:cNvPicPr>
+            <a:picLocks noChangeAspect="1"/>
+          </p:cNvPicPr>
+          <p:nvPr/>
+        </p:nvPicPr>
+        <p:blipFill>
+          <a:blip r:embed="rId4"/>
+          <a:stretch>
+            <a:fillRect/>
+          </a:stretch>
+        </p:blipFill>
+        <p:spPr>
+          <a:xfrm>
+            <a:off x="4923755" y="3716595"/>
+            <a:ext cx="3477110" cy="2581635"/>
+          </a:xfrm>
+          <a:prstGeom prst="rect">
+            <a:avLst/>
+          </a:prstGeom>
+          <a:effectLst>
+            <a:outerShdw blurRad="50800" dist="38100" dir="2700000" sx="105000" sy="105000" algn="tl" rotWithShape="0">
+              <a:prstClr val="black">
+                <a:alpha val="40000"/>
+              </a:prstClr>
+            </a:outerShdw>
+          </a:effectLst>
+        </p:spPr>
+      </p:pic>
+      <p:pic>
+        <p:nvPicPr>
+          <p:cNvPr id="17" name="图片 16">
+            <a:extLst>
+              <a:ext uri="{FF2B5EF4-FFF2-40B4-BE49-F238E27FC236}">
+                <a16:creationId xmlns:a16="http://schemas.microsoft.com/office/drawing/2014/main" id="{5166BDD2-9B26-0158-47E9-37EFB27F9835}"/>
+              </a:ext>
+            </a:extLst>
+          </p:cNvPr>
+          <p:cNvPicPr>
+            <a:picLocks noChangeAspect="1"/>
+          </p:cNvPicPr>
+          <p:nvPr/>
+        </p:nvPicPr>
+        <p:blipFill>
+          <a:blip r:embed="rId5"/>
+          <a:stretch>
+            <a:fillRect/>
+          </a:stretch>
+        </p:blipFill>
+        <p:spPr>
+          <a:xfrm>
+            <a:off x="4212909" y="1130851"/>
+            <a:ext cx="5403657" cy="2066585"/>
+          </a:xfrm>
+          <a:prstGeom prst="rect">
+            <a:avLst/>
+          </a:prstGeom>
+          <a:effectLst>
+            <a:outerShdw blurRad="50800" dist="38100" dir="2700000" sx="105000" sy="105000" algn="tl" rotWithShape="0">
+              <a:prstClr val="black">
+                <a:alpha val="40000"/>
+              </a:prstClr>
+            </a:outerShdw>
+          </a:effectLst>
+        </p:spPr>
+      </p:pic>
+      <p:sp>
+        <p:nvSpPr>
+          <p:cNvPr id="18" name="文本框 17">
+            <a:extLst>
+              <a:ext uri="{FF2B5EF4-FFF2-40B4-BE49-F238E27FC236}">
+                <a16:creationId xmlns:a16="http://schemas.microsoft.com/office/drawing/2014/main" id="{C1BB3F55-7BD8-6236-B14E-2D0E2DEECD8A}"/>
+              </a:ext>
+            </a:extLst>
+          </p:cNvPr>
+          <p:cNvSpPr txBox="1"/>
+          <p:nvPr/>
+        </p:nvSpPr>
+        <p:spPr>
+          <a:xfrm>
+            <a:off x="2845400" y="559770"/>
+            <a:ext cx="2656459" cy="369332"/>
+          </a:xfrm>
+          <a:prstGeom prst="rect">
+            <a:avLst/>
+          </a:prstGeom>
+          <a:noFill/>
+        </p:spPr>
+        <p:txBody>
+          <a:bodyPr wrap="square" rtlCol="0">
+            <a:spAutoFit/>
+          </a:bodyPr>
+          <a:lstStyle/>
+          <a:p>
+            <a:r>
+              <a:rPr lang="zh-CN" altLang="en-US" b="1" dirty="0">
+                <a:solidFill>
+                  <a:schemeClr val="tx1">
+                    <a:lumMod val="65000"/>
+                    <a:lumOff val="35000"/>
+                  </a:schemeClr>
+                </a:solidFill>
+                <a:latin typeface="微软雅黑" panose="020B0503020204020204" pitchFamily="34" charset="-122"/>
+                <a:ea typeface="微软雅黑" panose="020B0503020204020204" pitchFamily="34" charset="-122"/>
+              </a:rPr>
+              <a:t>教师</a:t>
+            </a:r>
+          </a:p>
+        </p:txBody>
+      </p:sp>
+    </p:spTree>
+    <p:extLst>
+      <p:ext uri="{BB962C8B-B14F-4D97-AF65-F5344CB8AC3E}">
+        <p14:creationId xmlns:p14="http://schemas.microsoft.com/office/powerpoint/2010/main" val="1723620705"/>
+      </p:ext>
+    </p:extLst>
+  </p:cSld>
+  <p:clrMapOvr>
+    <a:masterClrMapping/>
+  </p:clrMapOvr>
+</p:sld>
+</file>
+
+<file path=ppt/slides/slide11.xml><?xml version="1.0" encoding="utf-8"?>
+<p:sld xmlns:a="http://schemas.openxmlformats.org/drawingml/2006/main" xmlns:r="http://schemas.openxmlformats.org/officeDocument/2006/relationships" xmlns:p="http://schemas.openxmlformats.org/presentationml/2006/main">
+  <p:cSld>
+    <p:spTree>
+      <p:nvGrpSpPr>
+        <p:cNvPr id="1" name=""/>
+        <p:cNvGrpSpPr/>
+        <p:nvPr/>
+      </p:nvGrpSpPr>
+      <p:grpSpPr>
+        <a:xfrm>
+          <a:off x="0" y="0"/>
+          <a:ext cx="0" cy="0"/>
+          <a:chOff x="0" y="0"/>
+          <a:chExt cx="0" cy="0"/>
+        </a:xfrm>
+      </p:grpSpPr>
+      <p:sp>
+        <p:nvSpPr>
+          <p:cNvPr id="2" name="矩形 1">
+            <a:extLst>
+              <a:ext uri="{FF2B5EF4-FFF2-40B4-BE49-F238E27FC236}">
+                <a16:creationId xmlns:a16="http://schemas.microsoft.com/office/drawing/2014/main" id="{23E6E998-EE6C-47CD-BCE8-8475FA4366EA}"/>
+              </a:ext>
+            </a:extLst>
+          </p:cNvPr>
+          <p:cNvSpPr/>
+          <p:nvPr/>
+        </p:nvSpPr>
+        <p:spPr>
+          <a:xfrm>
+            <a:off x="9942286" y="0"/>
+            <a:ext cx="2249715" cy="6858000"/>
+          </a:xfrm>
+          <a:prstGeom prst="rect">
+            <a:avLst/>
+          </a:prstGeom>
+          <a:solidFill>
+            <a:srgbClr val="3843B3"/>
+          </a:solidFill>
+          <a:ln>
+            <a:noFill/>
+          </a:ln>
+        </p:spPr>
+        <p:style>
+          <a:lnRef idx="2">
+            <a:schemeClr val="accent1">
+              <a:shade val="50000"/>
+            </a:schemeClr>
+          </a:lnRef>
+          <a:fillRef idx="1">
+            <a:schemeClr val="accent1"/>
+          </a:fillRef>
+          <a:effectRef idx="0">
+            <a:schemeClr val="accent1"/>
+          </a:effectRef>
+          <a:fontRef idx="minor">
+            <a:schemeClr val="lt1"/>
+          </a:fontRef>
+        </p:style>
+        <p:txBody>
+          <a:bodyPr rtlCol="0" anchor="ctr"/>
+          <a:lstStyle/>
+          <a:p>
+            <a:pPr algn="ctr"/>
+            <a:endParaRPr lang="zh-CN" altLang="en-US" dirty="0">
+              <a:latin typeface="微软雅黑" panose="020B0503020204020204" pitchFamily="34" charset="-122"/>
+              <a:ea typeface="微软雅黑" panose="020B0503020204020204" pitchFamily="34" charset="-122"/>
+            </a:endParaRPr>
+          </a:p>
+        </p:txBody>
+      </p:sp>
+      <p:sp>
+        <p:nvSpPr>
+          <p:cNvPr id="3" name="文本框 2">
+            <a:extLst>
+              <a:ext uri="{FF2B5EF4-FFF2-40B4-BE49-F238E27FC236}">
+                <a16:creationId xmlns:a16="http://schemas.microsoft.com/office/drawing/2014/main" id="{2AA5B233-E157-4FDA-8A18-12B9A3EF6AE8}"/>
+              </a:ext>
+            </a:extLst>
+          </p:cNvPr>
+          <p:cNvSpPr txBox="1"/>
+          <p:nvPr/>
+        </p:nvSpPr>
+        <p:spPr>
+          <a:xfrm>
+            <a:off x="1425004" y="509861"/>
+            <a:ext cx="2656459" cy="461665"/>
+          </a:xfrm>
+          <a:prstGeom prst="rect">
+            <a:avLst/>
+          </a:prstGeom>
+          <a:noFill/>
+        </p:spPr>
+        <p:txBody>
+          <a:bodyPr wrap="square" rtlCol="0">
+            <a:spAutoFit/>
+          </a:bodyPr>
+          <a:lstStyle/>
+          <a:p>
+            <a:r>
+              <a:rPr lang="zh-CN" altLang="en-US" sz="2400" b="1" dirty="0">
+                <a:solidFill>
+                  <a:schemeClr val="bg2">
+                    <a:lumMod val="25000"/>
+                  </a:schemeClr>
+                </a:solidFill>
+                <a:latin typeface="微软雅黑" panose="020B0503020204020204" pitchFamily="34" charset="-122"/>
+                <a:ea typeface="微软雅黑" panose="020B0503020204020204" pitchFamily="34" charset="-122"/>
+              </a:rPr>
+              <a:t>详细功能</a:t>
+            </a:r>
+          </a:p>
+        </p:txBody>
+      </p:sp>
+      <p:pic>
+        <p:nvPicPr>
+          <p:cNvPr id="4" name="图形 3">
+            <a:extLst>
+              <a:ext uri="{FF2B5EF4-FFF2-40B4-BE49-F238E27FC236}">
+                <a16:creationId xmlns:a16="http://schemas.microsoft.com/office/drawing/2014/main" id="{D7375C23-E8C2-463F-85AA-6C2990B3E0A9}"/>
+              </a:ext>
+            </a:extLst>
+          </p:cNvPr>
+          <p:cNvPicPr>
+            <a:picLocks noChangeAspect="1"/>
+          </p:cNvPicPr>
+          <p:nvPr/>
+        </p:nvPicPr>
+        <p:blipFill>
+          <a:blip r:embed="rId2">
+            <a:extLst>
+              <a:ext uri="{28A0092B-C50C-407E-A947-70E740481C1C}">
+                <a14:useLocalDpi xmlns:a14="http://schemas.microsoft.com/office/drawing/2010/main" val="0"/>
+              </a:ext>
+              <a:ext uri="{96DAC541-7B7A-43D3-8B79-37D633B846F1}">
+                <asvg:svgBlip xmlns:asvg="http://schemas.microsoft.com/office/drawing/2016/SVG/main" r:embed="rId3"/>
+              </a:ext>
+            </a:extLst>
+          </a:blip>
+          <a:stretch>
+            <a:fillRect/>
+          </a:stretch>
+        </p:blipFill>
+        <p:spPr>
+          <a:xfrm>
+            <a:off x="10516998" y="420430"/>
+            <a:ext cx="1068278" cy="1102192"/>
+          </a:xfrm>
+          <a:prstGeom prst="rect">
+            <a:avLst/>
+          </a:prstGeom>
+        </p:spPr>
+      </p:pic>
+      <p:sp>
+        <p:nvSpPr>
+          <p:cNvPr id="6" name="椭圆 5">
+            <a:extLst>
+              <a:ext uri="{FF2B5EF4-FFF2-40B4-BE49-F238E27FC236}">
+                <a16:creationId xmlns:a16="http://schemas.microsoft.com/office/drawing/2014/main" id="{026480C1-9805-45D8-AF4C-D85340C0FD43}"/>
+              </a:ext>
+            </a:extLst>
+          </p:cNvPr>
+          <p:cNvSpPr/>
+          <p:nvPr/>
+        </p:nvSpPr>
+        <p:spPr>
+          <a:xfrm>
+            <a:off x="968457" y="577043"/>
+            <a:ext cx="327299" cy="327299"/>
+          </a:xfrm>
+          <a:prstGeom prst="ellipse">
+            <a:avLst/>
+          </a:prstGeom>
+          <a:solidFill>
+            <a:srgbClr val="3843B3"/>
+          </a:solidFill>
+          <a:ln w="53975">
+            <a:noFill/>
+          </a:ln>
+        </p:spPr>
+        <p:style>
+          <a:lnRef idx="2">
+            <a:schemeClr val="accent1">
+              <a:shade val="50000"/>
+            </a:schemeClr>
+          </a:lnRef>
+          <a:fillRef idx="1">
+            <a:schemeClr val="accent1"/>
+          </a:fillRef>
+          <a:effectRef idx="0">
+            <a:schemeClr val="accent1"/>
+          </a:effectRef>
+          <a:fontRef idx="minor">
+            <a:schemeClr val="lt1"/>
+          </a:fontRef>
+        </p:style>
+        <p:txBody>
+          <a:bodyPr rtlCol="0" anchor="ctr"/>
+          <a:lstStyle/>
+          <a:p>
+            <a:pPr algn="ctr"/>
+            <a:endParaRPr lang="zh-CN" altLang="en-US" sz="1400" b="1" dirty="0">
+              <a:latin typeface="微软雅黑" panose="020B0503020204020204" pitchFamily="34" charset="-122"/>
+              <a:ea typeface="微软雅黑" panose="020B0503020204020204" pitchFamily="34" charset="-122"/>
+            </a:endParaRPr>
+          </a:p>
+        </p:txBody>
+      </p:sp>
+      <p:sp>
+        <p:nvSpPr>
+          <p:cNvPr id="8" name="文本框 7">
+            <a:extLst>
+              <a:ext uri="{FF2B5EF4-FFF2-40B4-BE49-F238E27FC236}">
+                <a16:creationId xmlns:a16="http://schemas.microsoft.com/office/drawing/2014/main" id="{D0206158-DF7B-4715-9D35-EED15C62A64D}"/>
+              </a:ext>
+            </a:extLst>
+          </p:cNvPr>
+          <p:cNvSpPr txBox="1"/>
+          <p:nvPr/>
+        </p:nvSpPr>
+        <p:spPr>
+          <a:xfrm>
+            <a:off x="10152185" y="2001483"/>
+            <a:ext cx="1787029" cy="461665"/>
+          </a:xfrm>
+          <a:prstGeom prst="rect">
+            <a:avLst/>
+          </a:prstGeom>
+          <a:noFill/>
+        </p:spPr>
+        <p:txBody>
+          <a:bodyPr wrap="square" rtlCol="0">
+            <a:spAutoFit/>
+          </a:bodyPr>
+          <a:lstStyle/>
+          <a:p>
+            <a:r>
+              <a:rPr lang="zh-CN" altLang="en-US" sz="2400" dirty="0">
+                <a:solidFill>
+                  <a:schemeClr val="bg1">
+                    <a:lumMod val="65000"/>
+                  </a:schemeClr>
+                </a:solidFill>
+                <a:latin typeface="微软雅黑" panose="020B0503020204020204" pitchFamily="34" charset="-122"/>
+                <a:ea typeface="微软雅黑" panose="020B0503020204020204" pitchFamily="34" charset="-122"/>
+              </a:rPr>
+              <a:t>项目简介</a:t>
+            </a:r>
+          </a:p>
+        </p:txBody>
+      </p:sp>
+      <p:sp>
+        <p:nvSpPr>
+          <p:cNvPr id="9" name="文本框 8">
+            <a:extLst>
+              <a:ext uri="{FF2B5EF4-FFF2-40B4-BE49-F238E27FC236}">
+                <a16:creationId xmlns:a16="http://schemas.microsoft.com/office/drawing/2014/main" id="{BE8761C5-C3E5-48FD-9297-C7CE14A1FE79}"/>
+              </a:ext>
+            </a:extLst>
+          </p:cNvPr>
+          <p:cNvSpPr txBox="1"/>
+          <p:nvPr/>
+        </p:nvSpPr>
+        <p:spPr>
+          <a:xfrm>
+            <a:off x="10152184" y="3093063"/>
+            <a:ext cx="1787029" cy="461665"/>
+          </a:xfrm>
+          <a:prstGeom prst="rect">
+            <a:avLst/>
+          </a:prstGeom>
+          <a:noFill/>
+        </p:spPr>
+        <p:txBody>
+          <a:bodyPr wrap="square" rtlCol="0">
+            <a:spAutoFit/>
+          </a:bodyPr>
+          <a:lstStyle/>
+          <a:p>
+            <a:r>
+              <a:rPr lang="zh-CN" altLang="en-US" sz="2400" dirty="0">
+                <a:solidFill>
+                  <a:schemeClr val="bg1"/>
+                </a:solidFill>
+                <a:latin typeface="微软雅黑" panose="020B0503020204020204" pitchFamily="34" charset="-122"/>
+                <a:ea typeface="微软雅黑" panose="020B0503020204020204" pitchFamily="34" charset="-122"/>
+              </a:rPr>
+              <a:t>详细功能</a:t>
+            </a:r>
+          </a:p>
+        </p:txBody>
+      </p:sp>
+      <p:sp>
+        <p:nvSpPr>
+          <p:cNvPr id="10" name="文本框 9">
+            <a:extLst>
+              <a:ext uri="{FF2B5EF4-FFF2-40B4-BE49-F238E27FC236}">
+                <a16:creationId xmlns:a16="http://schemas.microsoft.com/office/drawing/2014/main" id="{27A0E5DB-D422-4E12-B8EB-7BB0D3CACBDE}"/>
+              </a:ext>
+            </a:extLst>
+          </p:cNvPr>
+          <p:cNvSpPr txBox="1"/>
+          <p:nvPr/>
+        </p:nvSpPr>
+        <p:spPr>
+          <a:xfrm>
+            <a:off x="10173628" y="2512197"/>
+            <a:ext cx="1787029" cy="461665"/>
+          </a:xfrm>
+          <a:prstGeom prst="rect">
+            <a:avLst/>
+          </a:prstGeom>
+          <a:noFill/>
+        </p:spPr>
+        <p:txBody>
+          <a:bodyPr wrap="square" rtlCol="0">
+            <a:spAutoFit/>
+          </a:bodyPr>
+          <a:lstStyle/>
+          <a:p>
+            <a:r>
+              <a:rPr lang="zh-CN" altLang="en-US" sz="2400" dirty="0">
+                <a:solidFill>
+                  <a:schemeClr val="bg1">
+                    <a:lumMod val="65000"/>
+                  </a:schemeClr>
+                </a:solidFill>
+                <a:latin typeface="微软雅黑" panose="020B0503020204020204" pitchFamily="34" charset="-122"/>
+                <a:ea typeface="微软雅黑" panose="020B0503020204020204" pitchFamily="34" charset="-122"/>
+              </a:rPr>
+              <a:t>设计思路</a:t>
+            </a:r>
+          </a:p>
+        </p:txBody>
+      </p:sp>
+      <p:sp>
+        <p:nvSpPr>
+          <p:cNvPr id="11" name="文本框 10">
+            <a:extLst>
+              <a:ext uri="{FF2B5EF4-FFF2-40B4-BE49-F238E27FC236}">
+                <a16:creationId xmlns:a16="http://schemas.microsoft.com/office/drawing/2014/main" id="{AB75D0CA-4431-4528-AF82-1AA4696E8E8B}"/>
+              </a:ext>
+            </a:extLst>
+          </p:cNvPr>
+          <p:cNvSpPr txBox="1"/>
+          <p:nvPr/>
+        </p:nvSpPr>
+        <p:spPr>
+          <a:xfrm>
+            <a:off x="10173628" y="3744081"/>
+            <a:ext cx="1787029" cy="461665"/>
+          </a:xfrm>
+          <a:prstGeom prst="rect">
+            <a:avLst/>
+          </a:prstGeom>
+          <a:noFill/>
+        </p:spPr>
+        <p:txBody>
+          <a:bodyPr wrap="square" rtlCol="0">
+            <a:spAutoFit/>
+          </a:bodyPr>
+          <a:lstStyle/>
+          <a:p>
+            <a:r>
+              <a:rPr lang="zh-CN" altLang="en-US" sz="2400" dirty="0">
+                <a:solidFill>
+                  <a:schemeClr val="bg1">
+                    <a:lumMod val="65000"/>
+                  </a:schemeClr>
+                </a:solidFill>
+                <a:latin typeface="微软雅黑" panose="020B0503020204020204" pitchFamily="34" charset="-122"/>
+                <a:ea typeface="微软雅黑" panose="020B0503020204020204" pitchFamily="34" charset="-122"/>
+              </a:rPr>
+              <a:t>项目亮点</a:t>
+            </a:r>
+          </a:p>
+        </p:txBody>
+      </p:sp>
+      <p:sp>
+        <p:nvSpPr>
+          <p:cNvPr id="12" name="文本框 11">
+            <a:extLst>
+              <a:ext uri="{FF2B5EF4-FFF2-40B4-BE49-F238E27FC236}">
+                <a16:creationId xmlns:a16="http://schemas.microsoft.com/office/drawing/2014/main" id="{80DF9AC0-A883-4B1E-B9D8-8FD4B7760045}"/>
+              </a:ext>
+            </a:extLst>
+          </p:cNvPr>
+          <p:cNvSpPr txBox="1"/>
+          <p:nvPr/>
+        </p:nvSpPr>
+        <p:spPr>
+          <a:xfrm>
+            <a:off x="10173628" y="4324947"/>
+            <a:ext cx="1787029" cy="461665"/>
+          </a:xfrm>
+          <a:prstGeom prst="rect">
+            <a:avLst/>
+          </a:prstGeom>
+          <a:noFill/>
+        </p:spPr>
+        <p:txBody>
+          <a:bodyPr wrap="square" rtlCol="0">
+            <a:spAutoFit/>
+          </a:bodyPr>
+          <a:lstStyle/>
+          <a:p>
+            <a:r>
+              <a:rPr lang="zh-CN" altLang="en-US" sz="2400" dirty="0">
+                <a:solidFill>
+                  <a:schemeClr val="bg1">
+                    <a:lumMod val="65000"/>
+                  </a:schemeClr>
+                </a:solidFill>
+                <a:latin typeface="微软雅黑" panose="020B0503020204020204" pitchFamily="34" charset="-122"/>
+                <a:ea typeface="微软雅黑" panose="020B0503020204020204" pitchFamily="34" charset="-122"/>
+              </a:rPr>
+              <a:t>心得体会</a:t>
+            </a:r>
+          </a:p>
+        </p:txBody>
+      </p:sp>
+      <p:sp>
+        <p:nvSpPr>
+          <p:cNvPr id="5" name="文本框 4">
+            <a:extLst>
+              <a:ext uri="{FF2B5EF4-FFF2-40B4-BE49-F238E27FC236}">
+                <a16:creationId xmlns:a16="http://schemas.microsoft.com/office/drawing/2014/main" id="{45D93B7D-8A09-EA2B-3D30-EBBEF7901A8D}"/>
+              </a:ext>
+            </a:extLst>
+          </p:cNvPr>
+          <p:cNvSpPr txBox="1"/>
+          <p:nvPr/>
+        </p:nvSpPr>
+        <p:spPr>
+          <a:xfrm>
+            <a:off x="1243607" y="5430634"/>
+            <a:ext cx="7428234" cy="523220"/>
           </a:xfrm>
           <a:prstGeom prst="rect">
             <a:avLst/>
@@ -4887,27 +5549,7 @@
                 <a:ea typeface="等线" panose="02010600030101010101" pitchFamily="2" charset="-122"/>
                 <a:cs typeface="Times New Roman" panose="02020603050405020304" pitchFamily="18" charset="0"/>
               </a:rPr>
-              <a:t>4.	</a:t>
-            </a:r>
-            <a:r>
-              <a:rPr lang="zh-CN" altLang="en-US" sz="2800" kern="100" dirty="0">
-                <a:effectLst/>
-                <a:latin typeface="等线" panose="02010600030101010101" pitchFamily="2" charset="-122"/>
-                <a:ea typeface="等线" panose="02010600030101010101" pitchFamily="2" charset="-122"/>
-                <a:cs typeface="Times New Roman" panose="02020603050405020304" pitchFamily="18" charset="0"/>
-              </a:rPr>
-              <a:t>学生</a:t>
-            </a:r>
-          </a:p>
-          <a:p>
-            <a:r>
-              <a:rPr lang="en-US" altLang="zh-CN" sz="2800" kern="100" dirty="0">
-                <a:effectLst/>
-                <a:latin typeface="等线" panose="02010600030101010101" pitchFamily="2" charset="-122"/>
-                <a:ea typeface="等线" panose="02010600030101010101" pitchFamily="2" charset="-122"/>
-                <a:cs typeface="Times New Roman" panose="02020603050405020304" pitchFamily="18" charset="0"/>
-              </a:rPr>
-              <a:t>4.1.	</a:t>
+              <a:t>1. </a:t>
             </a:r>
             <a:r>
               <a:rPr lang="zh-CN" altLang="en-US" sz="2800" kern="100" dirty="0">
@@ -4919,98 +5561,122 @@
               <a:t>加入课程：学生可以选择课程加入并学习。</a:t>
             </a:r>
           </a:p>
-          <a:p>
-            <a:r>
-              <a:rPr lang="en-US" altLang="zh-CN" sz="2800" kern="100" dirty="0">
-                <a:effectLst/>
-                <a:latin typeface="等线" panose="02010600030101010101" pitchFamily="2" charset="-122"/>
-                <a:ea typeface="等线" panose="02010600030101010101" pitchFamily="2" charset="-122"/>
-                <a:cs typeface="Times New Roman" panose="02020603050405020304" pitchFamily="18" charset="0"/>
+        </p:txBody>
+      </p:sp>
+      <p:pic>
+        <p:nvPicPr>
+          <p:cNvPr id="13" name="图片 12">
+            <a:extLst>
+              <a:ext uri="{FF2B5EF4-FFF2-40B4-BE49-F238E27FC236}">
+                <a16:creationId xmlns:a16="http://schemas.microsoft.com/office/drawing/2014/main" id="{7EB58FC8-BABD-71A2-FF83-2333371E59AF}"/>
+              </a:ext>
+            </a:extLst>
+          </p:cNvPr>
+          <p:cNvPicPr>
+            <a:picLocks noChangeAspect="1"/>
+          </p:cNvPicPr>
+          <p:nvPr/>
+        </p:nvPicPr>
+        <p:blipFill>
+          <a:blip r:embed="rId4"/>
+          <a:stretch>
+            <a:fillRect/>
+          </a:stretch>
+        </p:blipFill>
+        <p:spPr>
+          <a:xfrm>
+            <a:off x="1243607" y="2658079"/>
+            <a:ext cx="2734057" cy="1086002"/>
+          </a:xfrm>
+          <a:prstGeom prst="rect">
+            <a:avLst/>
+          </a:prstGeom>
+          <a:effectLst>
+            <a:outerShdw blurRad="50800" dist="38100" dir="2700000" sx="105000" sy="105000" algn="tl" rotWithShape="0">
+              <a:prstClr val="black">
+                <a:alpha val="40000"/>
+              </a:prstClr>
+            </a:outerShdw>
+          </a:effectLst>
+        </p:spPr>
+      </p:pic>
+      <p:pic>
+        <p:nvPicPr>
+          <p:cNvPr id="20" name="图片 19">
+            <a:extLst>
+              <a:ext uri="{FF2B5EF4-FFF2-40B4-BE49-F238E27FC236}">
+                <a16:creationId xmlns:a16="http://schemas.microsoft.com/office/drawing/2014/main" id="{EE7BDB34-76F7-D875-9AEB-F8A37219755C}"/>
+              </a:ext>
+            </a:extLst>
+          </p:cNvPr>
+          <p:cNvPicPr>
+            <a:picLocks noChangeAspect="1"/>
+          </p:cNvPicPr>
+          <p:nvPr/>
+        </p:nvPicPr>
+        <p:blipFill>
+          <a:blip r:embed="rId5"/>
+          <a:stretch>
+            <a:fillRect/>
+          </a:stretch>
+        </p:blipFill>
+        <p:spPr>
+          <a:xfrm>
+            <a:off x="5749636" y="1120991"/>
+            <a:ext cx="2524477" cy="3705742"/>
+          </a:xfrm>
+          <a:prstGeom prst="rect">
+            <a:avLst/>
+          </a:prstGeom>
+          <a:effectLst>
+            <a:outerShdw blurRad="50800" dist="38100" dir="2700000" sx="105000" sy="105000" algn="tl" rotWithShape="0">
+              <a:prstClr val="black">
+                <a:alpha val="40000"/>
+              </a:prstClr>
+            </a:outerShdw>
+          </a:effectLst>
+        </p:spPr>
+      </p:pic>
+      <p:sp>
+        <p:nvSpPr>
+          <p:cNvPr id="21" name="文本框 20">
+            <a:extLst>
+              <a:ext uri="{FF2B5EF4-FFF2-40B4-BE49-F238E27FC236}">
+                <a16:creationId xmlns:a16="http://schemas.microsoft.com/office/drawing/2014/main" id="{93F5BCD4-943A-3904-AC2C-60CC571B166E}"/>
+              </a:ext>
+            </a:extLst>
+          </p:cNvPr>
+          <p:cNvSpPr txBox="1"/>
+          <p:nvPr/>
+        </p:nvSpPr>
+        <p:spPr>
+          <a:xfrm>
+            <a:off x="2845400" y="559770"/>
+            <a:ext cx="2656459" cy="369332"/>
+          </a:xfrm>
+          <a:prstGeom prst="rect">
+            <a:avLst/>
+          </a:prstGeom>
+          <a:noFill/>
+        </p:spPr>
+        <p:txBody>
+          <a:bodyPr wrap="square" rtlCol="0">
+            <a:spAutoFit/>
+          </a:bodyPr>
+          <a:lstStyle/>
+          <a:p>
+            <a:r>
+              <a:rPr lang="zh-CN" altLang="en-US" b="1" dirty="0">
+                <a:solidFill>
+                  <a:schemeClr val="tx1">
+                    <a:lumMod val="65000"/>
+                    <a:lumOff val="35000"/>
+                  </a:schemeClr>
+                </a:solidFill>
+                <a:latin typeface="微软雅黑" panose="020B0503020204020204" pitchFamily="34" charset="-122"/>
+                <a:ea typeface="微软雅黑" panose="020B0503020204020204" pitchFamily="34" charset="-122"/>
               </a:rPr>
-              <a:t>4.2.	</a:t>
-            </a:r>
-            <a:r>
-              <a:rPr lang="zh-CN" altLang="en-US" sz="2800" kern="100" dirty="0">
-                <a:effectLst/>
-                <a:latin typeface="等线" panose="02010600030101010101" pitchFamily="2" charset="-122"/>
-                <a:ea typeface="等线" panose="02010600030101010101" pitchFamily="2" charset="-122"/>
-                <a:cs typeface="Times New Roman" panose="02020603050405020304" pitchFamily="18" charset="0"/>
-              </a:rPr>
-              <a:t>小节练习：通过预留题目对已学习的知识进行巩固。</a:t>
-            </a:r>
-          </a:p>
-          <a:p>
-            <a:r>
-              <a:rPr lang="en-US" altLang="zh-CN" sz="2800" kern="100" dirty="0">
-                <a:effectLst/>
-                <a:latin typeface="等线" panose="02010600030101010101" pitchFamily="2" charset="-122"/>
-                <a:ea typeface="等线" panose="02010600030101010101" pitchFamily="2" charset="-122"/>
-                <a:cs typeface="Times New Roman" panose="02020603050405020304" pitchFamily="18" charset="0"/>
-              </a:rPr>
-              <a:t>4.3.	</a:t>
-            </a:r>
-            <a:r>
-              <a:rPr lang="zh-CN" altLang="en-US" sz="2800" kern="100" dirty="0">
-                <a:effectLst/>
-                <a:latin typeface="等线" panose="02010600030101010101" pitchFamily="2" charset="-122"/>
-                <a:ea typeface="等线" panose="02010600030101010101" pitchFamily="2" charset="-122"/>
-                <a:cs typeface="Times New Roman" panose="02020603050405020304" pitchFamily="18" charset="0"/>
-              </a:rPr>
-              <a:t>修改个人信息：便于提供联系方式和快速了解。</a:t>
-            </a:r>
-          </a:p>
-          <a:p>
-            <a:r>
-              <a:rPr lang="en-US" altLang="zh-CN" sz="2800" kern="100" dirty="0">
-                <a:effectLst/>
-                <a:latin typeface="等线" panose="02010600030101010101" pitchFamily="2" charset="-122"/>
-                <a:ea typeface="等线" panose="02010600030101010101" pitchFamily="2" charset="-122"/>
-                <a:cs typeface="Times New Roman" panose="02020603050405020304" pitchFamily="18" charset="0"/>
-              </a:rPr>
-              <a:t>4.4.	</a:t>
-            </a:r>
-            <a:r>
-              <a:rPr lang="zh-CN" altLang="en-US" sz="2800" kern="100" dirty="0">
-                <a:effectLst/>
-                <a:latin typeface="等线" panose="02010600030101010101" pitchFamily="2" charset="-122"/>
-                <a:ea typeface="等线" panose="02010600030101010101" pitchFamily="2" charset="-122"/>
-                <a:cs typeface="Times New Roman" panose="02020603050405020304" pitchFamily="18" charset="0"/>
-              </a:rPr>
-              <a:t>查看学习轨迹：回顾学习记录，包括课程内容学习、答题记录及正确率，便于复习。</a:t>
-            </a:r>
-            <a:endParaRPr lang="en-US" altLang="zh-CN" sz="2800" kern="100" dirty="0">
-              <a:effectLst/>
-              <a:latin typeface="等线" panose="02010600030101010101" pitchFamily="2" charset="-122"/>
-              <a:ea typeface="等线" panose="02010600030101010101" pitchFamily="2" charset="-122"/>
-              <a:cs typeface="Times New Roman" panose="02020603050405020304" pitchFamily="18" charset="0"/>
-            </a:endParaRPr>
-          </a:p>
-          <a:p>
-            <a:endParaRPr lang="en-US" altLang="zh-CN" sz="2800" kern="100" dirty="0">
-              <a:effectLst/>
-              <a:latin typeface="等线" panose="02010600030101010101" pitchFamily="2" charset="-122"/>
-              <a:ea typeface="等线" panose="02010600030101010101" pitchFamily="2" charset="-122"/>
-              <a:cs typeface="Times New Roman" panose="02020603050405020304" pitchFamily="18" charset="0"/>
-            </a:endParaRPr>
-          </a:p>
-          <a:p>
-            <a:r>
-              <a:rPr lang="en-US" altLang="zh-CN" sz="2800" kern="100" dirty="0">
-                <a:effectLst/>
-                <a:latin typeface="等线" panose="02010600030101010101" pitchFamily="2" charset="-122"/>
-                <a:ea typeface="等线" panose="02010600030101010101" pitchFamily="2" charset="-122"/>
-                <a:cs typeface="Times New Roman" panose="02020603050405020304" pitchFamily="18" charset="0"/>
-              </a:rPr>
-              <a:t>5.	</a:t>
-            </a:r>
-            <a:r>
-              <a:rPr lang="zh-CN" altLang="en-US" sz="2800" kern="100" dirty="0">
-                <a:effectLst/>
-                <a:latin typeface="等线" panose="02010600030101010101" pitchFamily="2" charset="-122"/>
-                <a:ea typeface="等线" panose="02010600030101010101" pitchFamily="2" charset="-122"/>
-                <a:cs typeface="Times New Roman" panose="02020603050405020304" pitchFamily="18" charset="0"/>
-              </a:rPr>
-              <a:t>课程讨论区：学生和教师可以在课程讨论区留言交流，解决原有课程内同可能带来的疑惑。</a:t>
+              <a:t>学生</a:t>
             </a:r>
           </a:p>
         </p:txBody>
@@ -5028,7 +5694,1855 @@
 </p:sld>
 </file>
 
-<file path=ppt/slides/slide11.xml><?xml version="1.0" encoding="utf-8"?>
+<file path=ppt/slides/slide12.xml><?xml version="1.0" encoding="utf-8"?>
+<p:sld xmlns:a="http://schemas.openxmlformats.org/drawingml/2006/main" xmlns:r="http://schemas.openxmlformats.org/officeDocument/2006/relationships" xmlns:p="http://schemas.openxmlformats.org/presentationml/2006/main">
+  <p:cSld>
+    <p:spTree>
+      <p:nvGrpSpPr>
+        <p:cNvPr id="1" name=""/>
+        <p:cNvGrpSpPr/>
+        <p:nvPr/>
+      </p:nvGrpSpPr>
+      <p:grpSpPr>
+        <a:xfrm>
+          <a:off x="0" y="0"/>
+          <a:ext cx="0" cy="0"/>
+          <a:chOff x="0" y="0"/>
+          <a:chExt cx="0" cy="0"/>
+        </a:xfrm>
+      </p:grpSpPr>
+      <p:sp>
+        <p:nvSpPr>
+          <p:cNvPr id="2" name="矩形 1">
+            <a:extLst>
+              <a:ext uri="{FF2B5EF4-FFF2-40B4-BE49-F238E27FC236}">
+                <a16:creationId xmlns:a16="http://schemas.microsoft.com/office/drawing/2014/main" id="{23E6E998-EE6C-47CD-BCE8-8475FA4366EA}"/>
+              </a:ext>
+            </a:extLst>
+          </p:cNvPr>
+          <p:cNvSpPr/>
+          <p:nvPr/>
+        </p:nvSpPr>
+        <p:spPr>
+          <a:xfrm>
+            <a:off x="9942286" y="0"/>
+            <a:ext cx="2249715" cy="6858000"/>
+          </a:xfrm>
+          <a:prstGeom prst="rect">
+            <a:avLst/>
+          </a:prstGeom>
+          <a:solidFill>
+            <a:srgbClr val="3843B3"/>
+          </a:solidFill>
+          <a:ln>
+            <a:noFill/>
+          </a:ln>
+        </p:spPr>
+        <p:style>
+          <a:lnRef idx="2">
+            <a:schemeClr val="accent1">
+              <a:shade val="50000"/>
+            </a:schemeClr>
+          </a:lnRef>
+          <a:fillRef idx="1">
+            <a:schemeClr val="accent1"/>
+          </a:fillRef>
+          <a:effectRef idx="0">
+            <a:schemeClr val="accent1"/>
+          </a:effectRef>
+          <a:fontRef idx="minor">
+            <a:schemeClr val="lt1"/>
+          </a:fontRef>
+        </p:style>
+        <p:txBody>
+          <a:bodyPr rtlCol="0" anchor="ctr"/>
+          <a:lstStyle/>
+          <a:p>
+            <a:pPr algn="ctr"/>
+            <a:endParaRPr lang="zh-CN" altLang="en-US" dirty="0">
+              <a:latin typeface="微软雅黑" panose="020B0503020204020204" pitchFamily="34" charset="-122"/>
+              <a:ea typeface="微软雅黑" panose="020B0503020204020204" pitchFamily="34" charset="-122"/>
+            </a:endParaRPr>
+          </a:p>
+        </p:txBody>
+      </p:sp>
+      <p:sp>
+        <p:nvSpPr>
+          <p:cNvPr id="3" name="文本框 2">
+            <a:extLst>
+              <a:ext uri="{FF2B5EF4-FFF2-40B4-BE49-F238E27FC236}">
+                <a16:creationId xmlns:a16="http://schemas.microsoft.com/office/drawing/2014/main" id="{2AA5B233-E157-4FDA-8A18-12B9A3EF6AE8}"/>
+              </a:ext>
+            </a:extLst>
+          </p:cNvPr>
+          <p:cNvSpPr txBox="1"/>
+          <p:nvPr/>
+        </p:nvSpPr>
+        <p:spPr>
+          <a:xfrm>
+            <a:off x="1425004" y="509861"/>
+            <a:ext cx="2656459" cy="461665"/>
+          </a:xfrm>
+          <a:prstGeom prst="rect">
+            <a:avLst/>
+          </a:prstGeom>
+          <a:noFill/>
+        </p:spPr>
+        <p:txBody>
+          <a:bodyPr wrap="square" rtlCol="0">
+            <a:spAutoFit/>
+          </a:bodyPr>
+          <a:lstStyle/>
+          <a:p>
+            <a:r>
+              <a:rPr lang="zh-CN" altLang="en-US" sz="2400" b="1" dirty="0">
+                <a:solidFill>
+                  <a:schemeClr val="bg2">
+                    <a:lumMod val="25000"/>
+                  </a:schemeClr>
+                </a:solidFill>
+                <a:latin typeface="微软雅黑" panose="020B0503020204020204" pitchFamily="34" charset="-122"/>
+                <a:ea typeface="微软雅黑" panose="020B0503020204020204" pitchFamily="34" charset="-122"/>
+              </a:rPr>
+              <a:t>详细功能</a:t>
+            </a:r>
+          </a:p>
+        </p:txBody>
+      </p:sp>
+      <p:pic>
+        <p:nvPicPr>
+          <p:cNvPr id="4" name="图形 3">
+            <a:extLst>
+              <a:ext uri="{FF2B5EF4-FFF2-40B4-BE49-F238E27FC236}">
+                <a16:creationId xmlns:a16="http://schemas.microsoft.com/office/drawing/2014/main" id="{D7375C23-E8C2-463F-85AA-6C2990B3E0A9}"/>
+              </a:ext>
+            </a:extLst>
+          </p:cNvPr>
+          <p:cNvPicPr>
+            <a:picLocks noChangeAspect="1"/>
+          </p:cNvPicPr>
+          <p:nvPr/>
+        </p:nvPicPr>
+        <p:blipFill>
+          <a:blip r:embed="rId2">
+            <a:extLst>
+              <a:ext uri="{28A0092B-C50C-407E-A947-70E740481C1C}">
+                <a14:useLocalDpi xmlns:a14="http://schemas.microsoft.com/office/drawing/2010/main" val="0"/>
+              </a:ext>
+              <a:ext uri="{96DAC541-7B7A-43D3-8B79-37D633B846F1}">
+                <asvg:svgBlip xmlns:asvg="http://schemas.microsoft.com/office/drawing/2016/SVG/main" r:embed="rId3"/>
+              </a:ext>
+            </a:extLst>
+          </a:blip>
+          <a:stretch>
+            <a:fillRect/>
+          </a:stretch>
+        </p:blipFill>
+        <p:spPr>
+          <a:xfrm>
+            <a:off x="10516998" y="420430"/>
+            <a:ext cx="1068278" cy="1102192"/>
+          </a:xfrm>
+          <a:prstGeom prst="rect">
+            <a:avLst/>
+          </a:prstGeom>
+        </p:spPr>
+      </p:pic>
+      <p:sp>
+        <p:nvSpPr>
+          <p:cNvPr id="6" name="椭圆 5">
+            <a:extLst>
+              <a:ext uri="{FF2B5EF4-FFF2-40B4-BE49-F238E27FC236}">
+                <a16:creationId xmlns:a16="http://schemas.microsoft.com/office/drawing/2014/main" id="{026480C1-9805-45D8-AF4C-D85340C0FD43}"/>
+              </a:ext>
+            </a:extLst>
+          </p:cNvPr>
+          <p:cNvSpPr/>
+          <p:nvPr/>
+        </p:nvSpPr>
+        <p:spPr>
+          <a:xfrm>
+            <a:off x="968457" y="577043"/>
+            <a:ext cx="327299" cy="327299"/>
+          </a:xfrm>
+          <a:prstGeom prst="ellipse">
+            <a:avLst/>
+          </a:prstGeom>
+          <a:solidFill>
+            <a:srgbClr val="3843B3"/>
+          </a:solidFill>
+          <a:ln w="53975">
+            <a:noFill/>
+          </a:ln>
+        </p:spPr>
+        <p:style>
+          <a:lnRef idx="2">
+            <a:schemeClr val="accent1">
+              <a:shade val="50000"/>
+            </a:schemeClr>
+          </a:lnRef>
+          <a:fillRef idx="1">
+            <a:schemeClr val="accent1"/>
+          </a:fillRef>
+          <a:effectRef idx="0">
+            <a:schemeClr val="accent1"/>
+          </a:effectRef>
+          <a:fontRef idx="minor">
+            <a:schemeClr val="lt1"/>
+          </a:fontRef>
+        </p:style>
+        <p:txBody>
+          <a:bodyPr rtlCol="0" anchor="ctr"/>
+          <a:lstStyle/>
+          <a:p>
+            <a:pPr algn="ctr"/>
+            <a:endParaRPr lang="zh-CN" altLang="en-US" sz="1400" b="1" dirty="0">
+              <a:latin typeface="微软雅黑" panose="020B0503020204020204" pitchFamily="34" charset="-122"/>
+              <a:ea typeface="微软雅黑" panose="020B0503020204020204" pitchFamily="34" charset="-122"/>
+            </a:endParaRPr>
+          </a:p>
+        </p:txBody>
+      </p:sp>
+      <p:sp>
+        <p:nvSpPr>
+          <p:cNvPr id="8" name="文本框 7">
+            <a:extLst>
+              <a:ext uri="{FF2B5EF4-FFF2-40B4-BE49-F238E27FC236}">
+                <a16:creationId xmlns:a16="http://schemas.microsoft.com/office/drawing/2014/main" id="{D0206158-DF7B-4715-9D35-EED15C62A64D}"/>
+              </a:ext>
+            </a:extLst>
+          </p:cNvPr>
+          <p:cNvSpPr txBox="1"/>
+          <p:nvPr/>
+        </p:nvSpPr>
+        <p:spPr>
+          <a:xfrm>
+            <a:off x="10152185" y="2001483"/>
+            <a:ext cx="1787029" cy="461665"/>
+          </a:xfrm>
+          <a:prstGeom prst="rect">
+            <a:avLst/>
+          </a:prstGeom>
+          <a:noFill/>
+        </p:spPr>
+        <p:txBody>
+          <a:bodyPr wrap="square" rtlCol="0">
+            <a:spAutoFit/>
+          </a:bodyPr>
+          <a:lstStyle/>
+          <a:p>
+            <a:r>
+              <a:rPr lang="zh-CN" altLang="en-US" sz="2400" dirty="0">
+                <a:solidFill>
+                  <a:schemeClr val="bg1">
+                    <a:lumMod val="65000"/>
+                  </a:schemeClr>
+                </a:solidFill>
+                <a:latin typeface="微软雅黑" panose="020B0503020204020204" pitchFamily="34" charset="-122"/>
+                <a:ea typeface="微软雅黑" panose="020B0503020204020204" pitchFamily="34" charset="-122"/>
+              </a:rPr>
+              <a:t>项目简介</a:t>
+            </a:r>
+          </a:p>
+        </p:txBody>
+      </p:sp>
+      <p:sp>
+        <p:nvSpPr>
+          <p:cNvPr id="9" name="文本框 8">
+            <a:extLst>
+              <a:ext uri="{FF2B5EF4-FFF2-40B4-BE49-F238E27FC236}">
+                <a16:creationId xmlns:a16="http://schemas.microsoft.com/office/drawing/2014/main" id="{BE8761C5-C3E5-48FD-9297-C7CE14A1FE79}"/>
+              </a:ext>
+            </a:extLst>
+          </p:cNvPr>
+          <p:cNvSpPr txBox="1"/>
+          <p:nvPr/>
+        </p:nvSpPr>
+        <p:spPr>
+          <a:xfrm>
+            <a:off x="10152184" y="3093063"/>
+            <a:ext cx="1787029" cy="461665"/>
+          </a:xfrm>
+          <a:prstGeom prst="rect">
+            <a:avLst/>
+          </a:prstGeom>
+          <a:noFill/>
+        </p:spPr>
+        <p:txBody>
+          <a:bodyPr wrap="square" rtlCol="0">
+            <a:spAutoFit/>
+          </a:bodyPr>
+          <a:lstStyle/>
+          <a:p>
+            <a:r>
+              <a:rPr lang="zh-CN" altLang="en-US" sz="2400" dirty="0">
+                <a:solidFill>
+                  <a:schemeClr val="bg1"/>
+                </a:solidFill>
+                <a:latin typeface="微软雅黑" panose="020B0503020204020204" pitchFamily="34" charset="-122"/>
+                <a:ea typeface="微软雅黑" panose="020B0503020204020204" pitchFamily="34" charset="-122"/>
+              </a:rPr>
+              <a:t>详细功能</a:t>
+            </a:r>
+          </a:p>
+        </p:txBody>
+      </p:sp>
+      <p:sp>
+        <p:nvSpPr>
+          <p:cNvPr id="10" name="文本框 9">
+            <a:extLst>
+              <a:ext uri="{FF2B5EF4-FFF2-40B4-BE49-F238E27FC236}">
+                <a16:creationId xmlns:a16="http://schemas.microsoft.com/office/drawing/2014/main" id="{27A0E5DB-D422-4E12-B8EB-7BB0D3CACBDE}"/>
+              </a:ext>
+            </a:extLst>
+          </p:cNvPr>
+          <p:cNvSpPr txBox="1"/>
+          <p:nvPr/>
+        </p:nvSpPr>
+        <p:spPr>
+          <a:xfrm>
+            <a:off x="10173628" y="2512197"/>
+            <a:ext cx="1787029" cy="461665"/>
+          </a:xfrm>
+          <a:prstGeom prst="rect">
+            <a:avLst/>
+          </a:prstGeom>
+          <a:noFill/>
+        </p:spPr>
+        <p:txBody>
+          <a:bodyPr wrap="square" rtlCol="0">
+            <a:spAutoFit/>
+          </a:bodyPr>
+          <a:lstStyle/>
+          <a:p>
+            <a:r>
+              <a:rPr lang="zh-CN" altLang="en-US" sz="2400" dirty="0">
+                <a:solidFill>
+                  <a:schemeClr val="bg1">
+                    <a:lumMod val="65000"/>
+                  </a:schemeClr>
+                </a:solidFill>
+                <a:latin typeface="微软雅黑" panose="020B0503020204020204" pitchFamily="34" charset="-122"/>
+                <a:ea typeface="微软雅黑" panose="020B0503020204020204" pitchFamily="34" charset="-122"/>
+              </a:rPr>
+              <a:t>设计思路</a:t>
+            </a:r>
+          </a:p>
+        </p:txBody>
+      </p:sp>
+      <p:sp>
+        <p:nvSpPr>
+          <p:cNvPr id="11" name="文本框 10">
+            <a:extLst>
+              <a:ext uri="{FF2B5EF4-FFF2-40B4-BE49-F238E27FC236}">
+                <a16:creationId xmlns:a16="http://schemas.microsoft.com/office/drawing/2014/main" id="{AB75D0CA-4431-4528-AF82-1AA4696E8E8B}"/>
+              </a:ext>
+            </a:extLst>
+          </p:cNvPr>
+          <p:cNvSpPr txBox="1"/>
+          <p:nvPr/>
+        </p:nvSpPr>
+        <p:spPr>
+          <a:xfrm>
+            <a:off x="10173628" y="3744081"/>
+            <a:ext cx="1787029" cy="461665"/>
+          </a:xfrm>
+          <a:prstGeom prst="rect">
+            <a:avLst/>
+          </a:prstGeom>
+          <a:noFill/>
+        </p:spPr>
+        <p:txBody>
+          <a:bodyPr wrap="square" rtlCol="0">
+            <a:spAutoFit/>
+          </a:bodyPr>
+          <a:lstStyle/>
+          <a:p>
+            <a:r>
+              <a:rPr lang="zh-CN" altLang="en-US" sz="2400" dirty="0">
+                <a:solidFill>
+                  <a:schemeClr val="bg1">
+                    <a:lumMod val="65000"/>
+                  </a:schemeClr>
+                </a:solidFill>
+                <a:latin typeface="微软雅黑" panose="020B0503020204020204" pitchFamily="34" charset="-122"/>
+                <a:ea typeface="微软雅黑" panose="020B0503020204020204" pitchFamily="34" charset="-122"/>
+              </a:rPr>
+              <a:t>项目亮点</a:t>
+            </a:r>
+          </a:p>
+        </p:txBody>
+      </p:sp>
+      <p:sp>
+        <p:nvSpPr>
+          <p:cNvPr id="12" name="文本框 11">
+            <a:extLst>
+              <a:ext uri="{FF2B5EF4-FFF2-40B4-BE49-F238E27FC236}">
+                <a16:creationId xmlns:a16="http://schemas.microsoft.com/office/drawing/2014/main" id="{80DF9AC0-A883-4B1E-B9D8-8FD4B7760045}"/>
+              </a:ext>
+            </a:extLst>
+          </p:cNvPr>
+          <p:cNvSpPr txBox="1"/>
+          <p:nvPr/>
+        </p:nvSpPr>
+        <p:spPr>
+          <a:xfrm>
+            <a:off x="10173628" y="4324947"/>
+            <a:ext cx="1787029" cy="461665"/>
+          </a:xfrm>
+          <a:prstGeom prst="rect">
+            <a:avLst/>
+          </a:prstGeom>
+          <a:noFill/>
+        </p:spPr>
+        <p:txBody>
+          <a:bodyPr wrap="square" rtlCol="0">
+            <a:spAutoFit/>
+          </a:bodyPr>
+          <a:lstStyle/>
+          <a:p>
+            <a:r>
+              <a:rPr lang="zh-CN" altLang="en-US" sz="2400" dirty="0">
+                <a:solidFill>
+                  <a:schemeClr val="bg1">
+                    <a:lumMod val="65000"/>
+                  </a:schemeClr>
+                </a:solidFill>
+                <a:latin typeface="微软雅黑" panose="020B0503020204020204" pitchFamily="34" charset="-122"/>
+                <a:ea typeface="微软雅黑" panose="020B0503020204020204" pitchFamily="34" charset="-122"/>
+              </a:rPr>
+              <a:t>心得体会</a:t>
+            </a:r>
+          </a:p>
+        </p:txBody>
+      </p:sp>
+      <p:sp>
+        <p:nvSpPr>
+          <p:cNvPr id="5" name="文本框 4">
+            <a:extLst>
+              <a:ext uri="{FF2B5EF4-FFF2-40B4-BE49-F238E27FC236}">
+                <a16:creationId xmlns:a16="http://schemas.microsoft.com/office/drawing/2014/main" id="{45D93B7D-8A09-EA2B-3D30-EBBEF7901A8D}"/>
+              </a:ext>
+            </a:extLst>
+          </p:cNvPr>
+          <p:cNvSpPr txBox="1"/>
+          <p:nvPr/>
+        </p:nvSpPr>
+        <p:spPr>
+          <a:xfrm>
+            <a:off x="968457" y="6165502"/>
+            <a:ext cx="8773352" cy="1384995"/>
+          </a:xfrm>
+          <a:prstGeom prst="rect">
+            <a:avLst/>
+          </a:prstGeom>
+          <a:noFill/>
+        </p:spPr>
+        <p:txBody>
+          <a:bodyPr wrap="square" rtlCol="0">
+            <a:spAutoFit/>
+          </a:bodyPr>
+          <a:lstStyle/>
+          <a:p>
+            <a:r>
+              <a:rPr lang="en-US" altLang="zh-CN" sz="2800" kern="100" dirty="0">
+                <a:effectLst/>
+                <a:latin typeface="等线" panose="02010600030101010101" pitchFamily="2" charset="-122"/>
+                <a:ea typeface="等线" panose="02010600030101010101" pitchFamily="2" charset="-122"/>
+                <a:cs typeface="Times New Roman" panose="02020603050405020304" pitchFamily="18" charset="0"/>
+              </a:rPr>
+              <a:t>2. </a:t>
+            </a:r>
+            <a:r>
+              <a:rPr lang="zh-CN" altLang="en-US" sz="2800" kern="100" dirty="0">
+                <a:effectLst/>
+                <a:latin typeface="等线" panose="02010600030101010101" pitchFamily="2" charset="-122"/>
+                <a:ea typeface="等线" panose="02010600030101010101" pitchFamily="2" charset="-122"/>
+                <a:cs typeface="Times New Roman" panose="02020603050405020304" pitchFamily="18" charset="0"/>
+              </a:rPr>
+              <a:t>小节练习：通过预留题目对已学习的知识进行巩固。</a:t>
+            </a:r>
+            <a:endParaRPr lang="en-US" altLang="zh-CN" sz="2800" kern="100" dirty="0">
+              <a:effectLst/>
+              <a:latin typeface="等线" panose="02010600030101010101" pitchFamily="2" charset="-122"/>
+              <a:ea typeface="等线" panose="02010600030101010101" pitchFamily="2" charset="-122"/>
+              <a:cs typeface="Times New Roman" panose="02020603050405020304" pitchFamily="18" charset="0"/>
+            </a:endParaRPr>
+          </a:p>
+          <a:p>
+            <a:endParaRPr lang="en-US" altLang="zh-CN" sz="2800" kern="100" dirty="0">
+              <a:effectLst/>
+              <a:latin typeface="等线" panose="02010600030101010101" pitchFamily="2" charset="-122"/>
+              <a:ea typeface="等线" panose="02010600030101010101" pitchFamily="2" charset="-122"/>
+              <a:cs typeface="Times New Roman" panose="02020603050405020304" pitchFamily="18" charset="0"/>
+            </a:endParaRPr>
+          </a:p>
+          <a:p>
+            <a:endParaRPr lang="en-US" altLang="zh-CN" sz="2800" kern="100" dirty="0">
+              <a:effectLst/>
+              <a:latin typeface="等线" panose="02010600030101010101" pitchFamily="2" charset="-122"/>
+              <a:ea typeface="等线" panose="02010600030101010101" pitchFamily="2" charset="-122"/>
+              <a:cs typeface="Times New Roman" panose="02020603050405020304" pitchFamily="18" charset="0"/>
+            </a:endParaRPr>
+          </a:p>
+        </p:txBody>
+      </p:sp>
+      <p:pic>
+        <p:nvPicPr>
+          <p:cNvPr id="17" name="图片 16">
+            <a:extLst>
+              <a:ext uri="{FF2B5EF4-FFF2-40B4-BE49-F238E27FC236}">
+                <a16:creationId xmlns:a16="http://schemas.microsoft.com/office/drawing/2014/main" id="{69218939-FCC8-D06F-A16F-D666FB154283}"/>
+              </a:ext>
+            </a:extLst>
+          </p:cNvPr>
+          <p:cNvPicPr>
+            <a:picLocks noChangeAspect="1"/>
+          </p:cNvPicPr>
+          <p:nvPr/>
+        </p:nvPicPr>
+        <p:blipFill>
+          <a:blip r:embed="rId4"/>
+          <a:stretch>
+            <a:fillRect/>
+          </a:stretch>
+        </p:blipFill>
+        <p:spPr>
+          <a:xfrm>
+            <a:off x="2489169" y="1090877"/>
+            <a:ext cx="5031563" cy="4676246"/>
+          </a:xfrm>
+          <a:prstGeom prst="rect">
+            <a:avLst/>
+          </a:prstGeom>
+          <a:effectLst>
+            <a:outerShdw blurRad="50800" dist="38100" dir="2700000" sx="105000" sy="105000" algn="tl" rotWithShape="0">
+              <a:prstClr val="black">
+                <a:alpha val="40000"/>
+              </a:prstClr>
+            </a:outerShdw>
+          </a:effectLst>
+        </p:spPr>
+      </p:pic>
+      <p:sp>
+        <p:nvSpPr>
+          <p:cNvPr id="14" name="文本框 13">
+            <a:extLst>
+              <a:ext uri="{FF2B5EF4-FFF2-40B4-BE49-F238E27FC236}">
+                <a16:creationId xmlns:a16="http://schemas.microsoft.com/office/drawing/2014/main" id="{50F4B790-0E59-E814-2E22-315769515C71}"/>
+              </a:ext>
+            </a:extLst>
+          </p:cNvPr>
+          <p:cNvSpPr txBox="1"/>
+          <p:nvPr/>
+        </p:nvSpPr>
+        <p:spPr>
+          <a:xfrm>
+            <a:off x="2845400" y="559770"/>
+            <a:ext cx="2656459" cy="369332"/>
+          </a:xfrm>
+          <a:prstGeom prst="rect">
+            <a:avLst/>
+          </a:prstGeom>
+          <a:noFill/>
+        </p:spPr>
+        <p:txBody>
+          <a:bodyPr wrap="square" rtlCol="0">
+            <a:spAutoFit/>
+          </a:bodyPr>
+          <a:lstStyle/>
+          <a:p>
+            <a:r>
+              <a:rPr lang="zh-CN" altLang="en-US" b="1" dirty="0">
+                <a:solidFill>
+                  <a:schemeClr val="tx1">
+                    <a:lumMod val="65000"/>
+                    <a:lumOff val="35000"/>
+                  </a:schemeClr>
+                </a:solidFill>
+                <a:latin typeface="微软雅黑" panose="020B0503020204020204" pitchFamily="34" charset="-122"/>
+                <a:ea typeface="微软雅黑" panose="020B0503020204020204" pitchFamily="34" charset="-122"/>
+              </a:rPr>
+              <a:t>学生</a:t>
+            </a:r>
+          </a:p>
+        </p:txBody>
+      </p:sp>
+    </p:spTree>
+    <p:extLst>
+      <p:ext uri="{BB962C8B-B14F-4D97-AF65-F5344CB8AC3E}">
+        <p14:creationId xmlns:p14="http://schemas.microsoft.com/office/powerpoint/2010/main" val="525789353"/>
+      </p:ext>
+    </p:extLst>
+  </p:cSld>
+  <p:clrMapOvr>
+    <a:masterClrMapping/>
+  </p:clrMapOvr>
+  <p:timing>
+    <p:tnLst>
+      <p:par>
+        <p:cTn id="1" dur="indefinite" restart="never" nodeType="tmRoot">
+          <p:childTnLst>
+            <p:seq concurrent="1" nextAc="seek">
+              <p:cTn id="2" dur="indefinite" nodeType="mainSeq">
+                <p:childTnLst>
+                  <p:par>
+                    <p:cTn id="3" fill="hold">
+                      <p:stCondLst>
+                        <p:cond delay="indefinite"/>
+                        <p:cond evt="onBegin" delay="0">
+                          <p:tn val="2"/>
+                        </p:cond>
+                      </p:stCondLst>
+                      <p:childTnLst>
+                        <p:par>
+                          <p:cTn id="4" fill="hold">
+                            <p:stCondLst>
+                              <p:cond delay="0"/>
+                            </p:stCondLst>
+                            <p:childTnLst>
+                              <p:par>
+                                <p:cTn id="5" presetID="42" presetClass="entr" presetSubtype="0" fill="hold" nodeType="withEffect">
+                                  <p:stCondLst>
+                                    <p:cond delay="0"/>
+                                  </p:stCondLst>
+                                  <p:childTnLst>
+                                    <p:set>
+                                      <p:cBhvr>
+                                        <p:cTn id="6" dur="1" fill="hold">
+                                          <p:stCondLst>
+                                            <p:cond delay="0"/>
+                                          </p:stCondLst>
+                                        </p:cTn>
+                                        <p:tgtEl>
+                                          <p:spTgt spid="17"/>
+                                        </p:tgtEl>
+                                        <p:attrNameLst>
+                                          <p:attrName>style.visibility</p:attrName>
+                                        </p:attrNameLst>
+                                      </p:cBhvr>
+                                      <p:to>
+                                        <p:strVal val="visible"/>
+                                      </p:to>
+                                    </p:set>
+                                    <p:animEffect transition="in" filter="fade">
+                                      <p:cBhvr>
+                                        <p:cTn id="7" dur="1000"/>
+                                        <p:tgtEl>
+                                          <p:spTgt spid="17"/>
+                                        </p:tgtEl>
+                                      </p:cBhvr>
+                                    </p:animEffect>
+                                    <p:anim calcmode="lin" valueType="num">
+                                      <p:cBhvr>
+                                        <p:cTn id="8" dur="1000" fill="hold"/>
+                                        <p:tgtEl>
+                                          <p:spTgt spid="17"/>
+                                        </p:tgtEl>
+                                        <p:attrNameLst>
+                                          <p:attrName>ppt_x</p:attrName>
+                                        </p:attrNameLst>
+                                      </p:cBhvr>
+                                      <p:tavLst>
+                                        <p:tav tm="0">
+                                          <p:val>
+                                            <p:strVal val="#ppt_x"/>
+                                          </p:val>
+                                        </p:tav>
+                                        <p:tav tm="100000">
+                                          <p:val>
+                                            <p:strVal val="#ppt_x"/>
+                                          </p:val>
+                                        </p:tav>
+                                      </p:tavLst>
+                                    </p:anim>
+                                    <p:anim calcmode="lin" valueType="num">
+                                      <p:cBhvr>
+                                        <p:cTn id="9" dur="1000" fill="hold"/>
+                                        <p:tgtEl>
+                                          <p:spTgt spid="17"/>
+                                        </p:tgtEl>
+                                        <p:attrNameLst>
+                                          <p:attrName>ppt_y</p:attrName>
+                                        </p:attrNameLst>
+                                      </p:cBhvr>
+                                      <p:tavLst>
+                                        <p:tav tm="0">
+                                          <p:val>
+                                            <p:strVal val="#ppt_y+.1"/>
+                                          </p:val>
+                                        </p:tav>
+                                        <p:tav tm="100000">
+                                          <p:val>
+                                            <p:strVal val="#ppt_y"/>
+                                          </p:val>
+                                        </p:tav>
+                                      </p:tavLst>
+                                    </p:anim>
+                                  </p:childTnLst>
+                                </p:cTn>
+                              </p:par>
+                            </p:childTnLst>
+                          </p:cTn>
+                        </p:par>
+                      </p:childTnLst>
+                    </p:cTn>
+                  </p:par>
+                </p:childTnLst>
+              </p:cTn>
+              <p:prevCondLst>
+                <p:cond evt="onPrev" delay="0">
+                  <p:tgtEl>
+                    <p:sldTgt/>
+                  </p:tgtEl>
+                </p:cond>
+              </p:prevCondLst>
+              <p:nextCondLst>
+                <p:cond evt="onNext" delay="0">
+                  <p:tgtEl>
+                    <p:sldTgt/>
+                  </p:tgtEl>
+                </p:cond>
+              </p:nextCondLst>
+            </p:seq>
+          </p:childTnLst>
+        </p:cTn>
+      </p:par>
+    </p:tnLst>
+  </p:timing>
+</p:sld>
+</file>
+
+<file path=ppt/slides/slide13.xml><?xml version="1.0" encoding="utf-8"?>
+<p:sld xmlns:a="http://schemas.openxmlformats.org/drawingml/2006/main" xmlns:r="http://schemas.openxmlformats.org/officeDocument/2006/relationships" xmlns:p="http://schemas.openxmlformats.org/presentationml/2006/main">
+  <p:cSld>
+    <p:spTree>
+      <p:nvGrpSpPr>
+        <p:cNvPr id="1" name=""/>
+        <p:cNvGrpSpPr/>
+        <p:nvPr/>
+      </p:nvGrpSpPr>
+      <p:grpSpPr>
+        <a:xfrm>
+          <a:off x="0" y="0"/>
+          <a:ext cx="0" cy="0"/>
+          <a:chOff x="0" y="0"/>
+          <a:chExt cx="0" cy="0"/>
+        </a:xfrm>
+      </p:grpSpPr>
+      <p:sp>
+        <p:nvSpPr>
+          <p:cNvPr id="2" name="矩形 1">
+            <a:extLst>
+              <a:ext uri="{FF2B5EF4-FFF2-40B4-BE49-F238E27FC236}">
+                <a16:creationId xmlns:a16="http://schemas.microsoft.com/office/drawing/2014/main" id="{23E6E998-EE6C-47CD-BCE8-8475FA4366EA}"/>
+              </a:ext>
+            </a:extLst>
+          </p:cNvPr>
+          <p:cNvSpPr/>
+          <p:nvPr/>
+        </p:nvSpPr>
+        <p:spPr>
+          <a:xfrm>
+            <a:off x="9942286" y="0"/>
+            <a:ext cx="2249715" cy="6858000"/>
+          </a:xfrm>
+          <a:prstGeom prst="rect">
+            <a:avLst/>
+          </a:prstGeom>
+          <a:solidFill>
+            <a:srgbClr val="3843B3"/>
+          </a:solidFill>
+          <a:ln>
+            <a:noFill/>
+          </a:ln>
+        </p:spPr>
+        <p:style>
+          <a:lnRef idx="2">
+            <a:schemeClr val="accent1">
+              <a:shade val="50000"/>
+            </a:schemeClr>
+          </a:lnRef>
+          <a:fillRef idx="1">
+            <a:schemeClr val="accent1"/>
+          </a:fillRef>
+          <a:effectRef idx="0">
+            <a:schemeClr val="accent1"/>
+          </a:effectRef>
+          <a:fontRef idx="minor">
+            <a:schemeClr val="lt1"/>
+          </a:fontRef>
+        </p:style>
+        <p:txBody>
+          <a:bodyPr rtlCol="0" anchor="ctr"/>
+          <a:lstStyle/>
+          <a:p>
+            <a:pPr algn="ctr"/>
+            <a:endParaRPr lang="zh-CN" altLang="en-US" dirty="0">
+              <a:latin typeface="微软雅黑" panose="020B0503020204020204" pitchFamily="34" charset="-122"/>
+              <a:ea typeface="微软雅黑" panose="020B0503020204020204" pitchFamily="34" charset="-122"/>
+            </a:endParaRPr>
+          </a:p>
+        </p:txBody>
+      </p:sp>
+      <p:sp>
+        <p:nvSpPr>
+          <p:cNvPr id="3" name="文本框 2">
+            <a:extLst>
+              <a:ext uri="{FF2B5EF4-FFF2-40B4-BE49-F238E27FC236}">
+                <a16:creationId xmlns:a16="http://schemas.microsoft.com/office/drawing/2014/main" id="{2AA5B233-E157-4FDA-8A18-12B9A3EF6AE8}"/>
+              </a:ext>
+            </a:extLst>
+          </p:cNvPr>
+          <p:cNvSpPr txBox="1"/>
+          <p:nvPr/>
+        </p:nvSpPr>
+        <p:spPr>
+          <a:xfrm>
+            <a:off x="1425004" y="509861"/>
+            <a:ext cx="2656459" cy="461665"/>
+          </a:xfrm>
+          <a:prstGeom prst="rect">
+            <a:avLst/>
+          </a:prstGeom>
+          <a:noFill/>
+        </p:spPr>
+        <p:txBody>
+          <a:bodyPr wrap="square" rtlCol="0">
+            <a:spAutoFit/>
+          </a:bodyPr>
+          <a:lstStyle/>
+          <a:p>
+            <a:r>
+              <a:rPr lang="zh-CN" altLang="en-US" sz="2400" b="1" dirty="0">
+                <a:solidFill>
+                  <a:schemeClr val="bg2">
+                    <a:lumMod val="25000"/>
+                  </a:schemeClr>
+                </a:solidFill>
+                <a:latin typeface="微软雅黑" panose="020B0503020204020204" pitchFamily="34" charset="-122"/>
+                <a:ea typeface="微软雅黑" panose="020B0503020204020204" pitchFamily="34" charset="-122"/>
+              </a:rPr>
+              <a:t>详细功能</a:t>
+            </a:r>
+          </a:p>
+        </p:txBody>
+      </p:sp>
+      <p:pic>
+        <p:nvPicPr>
+          <p:cNvPr id="4" name="图形 3">
+            <a:extLst>
+              <a:ext uri="{FF2B5EF4-FFF2-40B4-BE49-F238E27FC236}">
+                <a16:creationId xmlns:a16="http://schemas.microsoft.com/office/drawing/2014/main" id="{D7375C23-E8C2-463F-85AA-6C2990B3E0A9}"/>
+              </a:ext>
+            </a:extLst>
+          </p:cNvPr>
+          <p:cNvPicPr>
+            <a:picLocks noChangeAspect="1"/>
+          </p:cNvPicPr>
+          <p:nvPr/>
+        </p:nvPicPr>
+        <p:blipFill>
+          <a:blip r:embed="rId2">
+            <a:extLst>
+              <a:ext uri="{28A0092B-C50C-407E-A947-70E740481C1C}">
+                <a14:useLocalDpi xmlns:a14="http://schemas.microsoft.com/office/drawing/2010/main" val="0"/>
+              </a:ext>
+              <a:ext uri="{96DAC541-7B7A-43D3-8B79-37D633B846F1}">
+                <asvg:svgBlip xmlns:asvg="http://schemas.microsoft.com/office/drawing/2016/SVG/main" r:embed="rId3"/>
+              </a:ext>
+            </a:extLst>
+          </a:blip>
+          <a:stretch>
+            <a:fillRect/>
+          </a:stretch>
+        </p:blipFill>
+        <p:spPr>
+          <a:xfrm>
+            <a:off x="10516998" y="420430"/>
+            <a:ext cx="1068278" cy="1102192"/>
+          </a:xfrm>
+          <a:prstGeom prst="rect">
+            <a:avLst/>
+          </a:prstGeom>
+        </p:spPr>
+      </p:pic>
+      <p:sp>
+        <p:nvSpPr>
+          <p:cNvPr id="6" name="椭圆 5">
+            <a:extLst>
+              <a:ext uri="{FF2B5EF4-FFF2-40B4-BE49-F238E27FC236}">
+                <a16:creationId xmlns:a16="http://schemas.microsoft.com/office/drawing/2014/main" id="{026480C1-9805-45D8-AF4C-D85340C0FD43}"/>
+              </a:ext>
+            </a:extLst>
+          </p:cNvPr>
+          <p:cNvSpPr/>
+          <p:nvPr/>
+        </p:nvSpPr>
+        <p:spPr>
+          <a:xfrm>
+            <a:off x="968457" y="577043"/>
+            <a:ext cx="327299" cy="327299"/>
+          </a:xfrm>
+          <a:prstGeom prst="ellipse">
+            <a:avLst/>
+          </a:prstGeom>
+          <a:solidFill>
+            <a:srgbClr val="3843B3"/>
+          </a:solidFill>
+          <a:ln w="53975">
+            <a:noFill/>
+          </a:ln>
+        </p:spPr>
+        <p:style>
+          <a:lnRef idx="2">
+            <a:schemeClr val="accent1">
+              <a:shade val="50000"/>
+            </a:schemeClr>
+          </a:lnRef>
+          <a:fillRef idx="1">
+            <a:schemeClr val="accent1"/>
+          </a:fillRef>
+          <a:effectRef idx="0">
+            <a:schemeClr val="accent1"/>
+          </a:effectRef>
+          <a:fontRef idx="minor">
+            <a:schemeClr val="lt1"/>
+          </a:fontRef>
+        </p:style>
+        <p:txBody>
+          <a:bodyPr rtlCol="0" anchor="ctr"/>
+          <a:lstStyle/>
+          <a:p>
+            <a:pPr algn="ctr"/>
+            <a:endParaRPr lang="zh-CN" altLang="en-US" sz="1400" b="1" dirty="0">
+              <a:latin typeface="微软雅黑" panose="020B0503020204020204" pitchFamily="34" charset="-122"/>
+              <a:ea typeface="微软雅黑" panose="020B0503020204020204" pitchFamily="34" charset="-122"/>
+            </a:endParaRPr>
+          </a:p>
+        </p:txBody>
+      </p:sp>
+      <p:sp>
+        <p:nvSpPr>
+          <p:cNvPr id="8" name="文本框 7">
+            <a:extLst>
+              <a:ext uri="{FF2B5EF4-FFF2-40B4-BE49-F238E27FC236}">
+                <a16:creationId xmlns:a16="http://schemas.microsoft.com/office/drawing/2014/main" id="{D0206158-DF7B-4715-9D35-EED15C62A64D}"/>
+              </a:ext>
+            </a:extLst>
+          </p:cNvPr>
+          <p:cNvSpPr txBox="1"/>
+          <p:nvPr/>
+        </p:nvSpPr>
+        <p:spPr>
+          <a:xfrm>
+            <a:off x="10152185" y="2001483"/>
+            <a:ext cx="1787029" cy="461665"/>
+          </a:xfrm>
+          <a:prstGeom prst="rect">
+            <a:avLst/>
+          </a:prstGeom>
+          <a:noFill/>
+        </p:spPr>
+        <p:txBody>
+          <a:bodyPr wrap="square" rtlCol="0">
+            <a:spAutoFit/>
+          </a:bodyPr>
+          <a:lstStyle/>
+          <a:p>
+            <a:r>
+              <a:rPr lang="zh-CN" altLang="en-US" sz="2400" dirty="0">
+                <a:solidFill>
+                  <a:schemeClr val="bg1">
+                    <a:lumMod val="65000"/>
+                  </a:schemeClr>
+                </a:solidFill>
+                <a:latin typeface="微软雅黑" panose="020B0503020204020204" pitchFamily="34" charset="-122"/>
+                <a:ea typeface="微软雅黑" panose="020B0503020204020204" pitchFamily="34" charset="-122"/>
+              </a:rPr>
+              <a:t>项目简介</a:t>
+            </a:r>
+          </a:p>
+        </p:txBody>
+      </p:sp>
+      <p:sp>
+        <p:nvSpPr>
+          <p:cNvPr id="9" name="文本框 8">
+            <a:extLst>
+              <a:ext uri="{FF2B5EF4-FFF2-40B4-BE49-F238E27FC236}">
+                <a16:creationId xmlns:a16="http://schemas.microsoft.com/office/drawing/2014/main" id="{BE8761C5-C3E5-48FD-9297-C7CE14A1FE79}"/>
+              </a:ext>
+            </a:extLst>
+          </p:cNvPr>
+          <p:cNvSpPr txBox="1"/>
+          <p:nvPr/>
+        </p:nvSpPr>
+        <p:spPr>
+          <a:xfrm>
+            <a:off x="10152184" y="3093063"/>
+            <a:ext cx="1787029" cy="461665"/>
+          </a:xfrm>
+          <a:prstGeom prst="rect">
+            <a:avLst/>
+          </a:prstGeom>
+          <a:noFill/>
+        </p:spPr>
+        <p:txBody>
+          <a:bodyPr wrap="square" rtlCol="0">
+            <a:spAutoFit/>
+          </a:bodyPr>
+          <a:lstStyle/>
+          <a:p>
+            <a:r>
+              <a:rPr lang="zh-CN" altLang="en-US" sz="2400" dirty="0">
+                <a:solidFill>
+                  <a:schemeClr val="bg1"/>
+                </a:solidFill>
+                <a:latin typeface="微软雅黑" panose="020B0503020204020204" pitchFamily="34" charset="-122"/>
+                <a:ea typeface="微软雅黑" panose="020B0503020204020204" pitchFamily="34" charset="-122"/>
+              </a:rPr>
+              <a:t>详细功能</a:t>
+            </a:r>
+          </a:p>
+        </p:txBody>
+      </p:sp>
+      <p:sp>
+        <p:nvSpPr>
+          <p:cNvPr id="10" name="文本框 9">
+            <a:extLst>
+              <a:ext uri="{FF2B5EF4-FFF2-40B4-BE49-F238E27FC236}">
+                <a16:creationId xmlns:a16="http://schemas.microsoft.com/office/drawing/2014/main" id="{27A0E5DB-D422-4E12-B8EB-7BB0D3CACBDE}"/>
+              </a:ext>
+            </a:extLst>
+          </p:cNvPr>
+          <p:cNvSpPr txBox="1"/>
+          <p:nvPr/>
+        </p:nvSpPr>
+        <p:spPr>
+          <a:xfrm>
+            <a:off x="10173628" y="2512197"/>
+            <a:ext cx="1787029" cy="461665"/>
+          </a:xfrm>
+          <a:prstGeom prst="rect">
+            <a:avLst/>
+          </a:prstGeom>
+          <a:noFill/>
+        </p:spPr>
+        <p:txBody>
+          <a:bodyPr wrap="square" rtlCol="0">
+            <a:spAutoFit/>
+          </a:bodyPr>
+          <a:lstStyle/>
+          <a:p>
+            <a:r>
+              <a:rPr lang="zh-CN" altLang="en-US" sz="2400" dirty="0">
+                <a:solidFill>
+                  <a:schemeClr val="bg1">
+                    <a:lumMod val="65000"/>
+                  </a:schemeClr>
+                </a:solidFill>
+                <a:latin typeface="微软雅黑" panose="020B0503020204020204" pitchFamily="34" charset="-122"/>
+                <a:ea typeface="微软雅黑" panose="020B0503020204020204" pitchFamily="34" charset="-122"/>
+              </a:rPr>
+              <a:t>设计思路</a:t>
+            </a:r>
+          </a:p>
+        </p:txBody>
+      </p:sp>
+      <p:sp>
+        <p:nvSpPr>
+          <p:cNvPr id="11" name="文本框 10">
+            <a:extLst>
+              <a:ext uri="{FF2B5EF4-FFF2-40B4-BE49-F238E27FC236}">
+                <a16:creationId xmlns:a16="http://schemas.microsoft.com/office/drawing/2014/main" id="{AB75D0CA-4431-4528-AF82-1AA4696E8E8B}"/>
+              </a:ext>
+            </a:extLst>
+          </p:cNvPr>
+          <p:cNvSpPr txBox="1"/>
+          <p:nvPr/>
+        </p:nvSpPr>
+        <p:spPr>
+          <a:xfrm>
+            <a:off x="10173628" y="3744081"/>
+            <a:ext cx="1787029" cy="461665"/>
+          </a:xfrm>
+          <a:prstGeom prst="rect">
+            <a:avLst/>
+          </a:prstGeom>
+          <a:noFill/>
+        </p:spPr>
+        <p:txBody>
+          <a:bodyPr wrap="square" rtlCol="0">
+            <a:spAutoFit/>
+          </a:bodyPr>
+          <a:lstStyle/>
+          <a:p>
+            <a:r>
+              <a:rPr lang="zh-CN" altLang="en-US" sz="2400" dirty="0">
+                <a:solidFill>
+                  <a:schemeClr val="bg1">
+                    <a:lumMod val="65000"/>
+                  </a:schemeClr>
+                </a:solidFill>
+                <a:latin typeface="微软雅黑" panose="020B0503020204020204" pitchFamily="34" charset="-122"/>
+                <a:ea typeface="微软雅黑" panose="020B0503020204020204" pitchFamily="34" charset="-122"/>
+              </a:rPr>
+              <a:t>项目亮点</a:t>
+            </a:r>
+          </a:p>
+        </p:txBody>
+      </p:sp>
+      <p:sp>
+        <p:nvSpPr>
+          <p:cNvPr id="12" name="文本框 11">
+            <a:extLst>
+              <a:ext uri="{FF2B5EF4-FFF2-40B4-BE49-F238E27FC236}">
+                <a16:creationId xmlns:a16="http://schemas.microsoft.com/office/drawing/2014/main" id="{80DF9AC0-A883-4B1E-B9D8-8FD4B7760045}"/>
+              </a:ext>
+            </a:extLst>
+          </p:cNvPr>
+          <p:cNvSpPr txBox="1"/>
+          <p:nvPr/>
+        </p:nvSpPr>
+        <p:spPr>
+          <a:xfrm>
+            <a:off x="10173628" y="4324947"/>
+            <a:ext cx="1787029" cy="461665"/>
+          </a:xfrm>
+          <a:prstGeom prst="rect">
+            <a:avLst/>
+          </a:prstGeom>
+          <a:noFill/>
+        </p:spPr>
+        <p:txBody>
+          <a:bodyPr wrap="square" rtlCol="0">
+            <a:spAutoFit/>
+          </a:bodyPr>
+          <a:lstStyle/>
+          <a:p>
+            <a:r>
+              <a:rPr lang="zh-CN" altLang="en-US" sz="2400" dirty="0">
+                <a:solidFill>
+                  <a:schemeClr val="bg1">
+                    <a:lumMod val="65000"/>
+                  </a:schemeClr>
+                </a:solidFill>
+                <a:latin typeface="微软雅黑" panose="020B0503020204020204" pitchFamily="34" charset="-122"/>
+                <a:ea typeface="微软雅黑" panose="020B0503020204020204" pitchFamily="34" charset="-122"/>
+              </a:rPr>
+              <a:t>心得体会</a:t>
+            </a:r>
+          </a:p>
+        </p:txBody>
+      </p:sp>
+      <p:sp>
+        <p:nvSpPr>
+          <p:cNvPr id="5" name="文本框 4">
+            <a:extLst>
+              <a:ext uri="{FF2B5EF4-FFF2-40B4-BE49-F238E27FC236}">
+                <a16:creationId xmlns:a16="http://schemas.microsoft.com/office/drawing/2014/main" id="{45D93B7D-8A09-EA2B-3D30-EBBEF7901A8D}"/>
+              </a:ext>
+            </a:extLst>
+          </p:cNvPr>
+          <p:cNvSpPr txBox="1"/>
+          <p:nvPr/>
+        </p:nvSpPr>
+        <p:spPr>
+          <a:xfrm>
+            <a:off x="1295756" y="5747799"/>
+            <a:ext cx="8425973" cy="523220"/>
+          </a:xfrm>
+          <a:prstGeom prst="rect">
+            <a:avLst/>
+          </a:prstGeom>
+          <a:noFill/>
+        </p:spPr>
+        <p:txBody>
+          <a:bodyPr wrap="square" rtlCol="0">
+            <a:spAutoFit/>
+          </a:bodyPr>
+          <a:lstStyle/>
+          <a:p>
+            <a:r>
+              <a:rPr lang="en-US" altLang="zh-CN" sz="2800" kern="100" dirty="0">
+                <a:effectLst/>
+                <a:latin typeface="等线" panose="02010600030101010101" pitchFamily="2" charset="-122"/>
+                <a:ea typeface="等线" panose="02010600030101010101" pitchFamily="2" charset="-122"/>
+                <a:cs typeface="Times New Roman" panose="02020603050405020304" pitchFamily="18" charset="0"/>
+              </a:rPr>
+              <a:t>3. </a:t>
+            </a:r>
+            <a:r>
+              <a:rPr lang="zh-CN" altLang="en-US" sz="2800" kern="100" dirty="0">
+                <a:effectLst/>
+                <a:latin typeface="等线" panose="02010600030101010101" pitchFamily="2" charset="-122"/>
+                <a:ea typeface="等线" panose="02010600030101010101" pitchFamily="2" charset="-122"/>
+                <a:cs typeface="Times New Roman" panose="02020603050405020304" pitchFamily="18" charset="0"/>
+              </a:rPr>
+              <a:t>修改个人信息：便于提供联系方式和快速了解。</a:t>
+            </a:r>
+          </a:p>
+        </p:txBody>
+      </p:sp>
+      <p:pic>
+        <p:nvPicPr>
+          <p:cNvPr id="14" name="图片 13">
+            <a:extLst>
+              <a:ext uri="{FF2B5EF4-FFF2-40B4-BE49-F238E27FC236}">
+                <a16:creationId xmlns:a16="http://schemas.microsoft.com/office/drawing/2014/main" id="{5CDA778E-F727-9C97-161D-C1E8B816FC64}"/>
+              </a:ext>
+            </a:extLst>
+          </p:cNvPr>
+          <p:cNvPicPr>
+            <a:picLocks noChangeAspect="1"/>
+          </p:cNvPicPr>
+          <p:nvPr/>
+        </p:nvPicPr>
+        <p:blipFill rotWithShape="1">
+          <a:blip r:embed="rId4"/>
+          <a:srcRect r="7051"/>
+          <a:stretch/>
+        </p:blipFill>
+        <p:spPr>
+          <a:xfrm>
+            <a:off x="2845400" y="1845480"/>
+            <a:ext cx="4321390" cy="2883835"/>
+          </a:xfrm>
+          <a:prstGeom prst="rect">
+            <a:avLst/>
+          </a:prstGeom>
+          <a:effectLst>
+            <a:outerShdw blurRad="50800" dist="38100" dir="2700000" sx="105000" sy="105000" algn="tl" rotWithShape="0">
+              <a:prstClr val="black">
+                <a:alpha val="40000"/>
+              </a:prstClr>
+            </a:outerShdw>
+          </a:effectLst>
+        </p:spPr>
+      </p:pic>
+      <p:sp>
+        <p:nvSpPr>
+          <p:cNvPr id="15" name="文本框 14">
+            <a:extLst>
+              <a:ext uri="{FF2B5EF4-FFF2-40B4-BE49-F238E27FC236}">
+                <a16:creationId xmlns:a16="http://schemas.microsoft.com/office/drawing/2014/main" id="{A2F00C5D-C656-BDE6-9E71-858063C8D50B}"/>
+              </a:ext>
+            </a:extLst>
+          </p:cNvPr>
+          <p:cNvSpPr txBox="1"/>
+          <p:nvPr/>
+        </p:nvSpPr>
+        <p:spPr>
+          <a:xfrm>
+            <a:off x="2845400" y="559770"/>
+            <a:ext cx="2656459" cy="369332"/>
+          </a:xfrm>
+          <a:prstGeom prst="rect">
+            <a:avLst/>
+          </a:prstGeom>
+          <a:noFill/>
+        </p:spPr>
+        <p:txBody>
+          <a:bodyPr wrap="square" rtlCol="0">
+            <a:spAutoFit/>
+          </a:bodyPr>
+          <a:lstStyle/>
+          <a:p>
+            <a:r>
+              <a:rPr lang="zh-CN" altLang="en-US" b="1" dirty="0">
+                <a:solidFill>
+                  <a:schemeClr val="tx1">
+                    <a:lumMod val="65000"/>
+                    <a:lumOff val="35000"/>
+                  </a:schemeClr>
+                </a:solidFill>
+                <a:latin typeface="微软雅黑" panose="020B0503020204020204" pitchFamily="34" charset="-122"/>
+                <a:ea typeface="微软雅黑" panose="020B0503020204020204" pitchFamily="34" charset="-122"/>
+              </a:rPr>
+              <a:t>学生</a:t>
+            </a:r>
+          </a:p>
+        </p:txBody>
+      </p:sp>
+    </p:spTree>
+    <p:extLst>
+      <p:ext uri="{BB962C8B-B14F-4D97-AF65-F5344CB8AC3E}">
+        <p14:creationId xmlns:p14="http://schemas.microsoft.com/office/powerpoint/2010/main" val="2917917240"/>
+      </p:ext>
+    </p:extLst>
+  </p:cSld>
+  <p:clrMapOvr>
+    <a:masterClrMapping/>
+  </p:clrMapOvr>
+</p:sld>
+</file>
+
+<file path=ppt/slides/slide14.xml><?xml version="1.0" encoding="utf-8"?>
+<p:sld xmlns:a="http://schemas.openxmlformats.org/drawingml/2006/main" xmlns:r="http://schemas.openxmlformats.org/officeDocument/2006/relationships" xmlns:p="http://schemas.openxmlformats.org/presentationml/2006/main">
+  <p:cSld>
+    <p:spTree>
+      <p:nvGrpSpPr>
+        <p:cNvPr id="1" name=""/>
+        <p:cNvGrpSpPr/>
+        <p:nvPr/>
+      </p:nvGrpSpPr>
+      <p:grpSpPr>
+        <a:xfrm>
+          <a:off x="0" y="0"/>
+          <a:ext cx="0" cy="0"/>
+          <a:chOff x="0" y="0"/>
+          <a:chExt cx="0" cy="0"/>
+        </a:xfrm>
+      </p:grpSpPr>
+      <p:sp>
+        <p:nvSpPr>
+          <p:cNvPr id="2" name="矩形 1">
+            <a:extLst>
+              <a:ext uri="{FF2B5EF4-FFF2-40B4-BE49-F238E27FC236}">
+                <a16:creationId xmlns:a16="http://schemas.microsoft.com/office/drawing/2014/main" id="{23E6E998-EE6C-47CD-BCE8-8475FA4366EA}"/>
+              </a:ext>
+            </a:extLst>
+          </p:cNvPr>
+          <p:cNvSpPr/>
+          <p:nvPr/>
+        </p:nvSpPr>
+        <p:spPr>
+          <a:xfrm>
+            <a:off x="9942286" y="0"/>
+            <a:ext cx="2249715" cy="6858000"/>
+          </a:xfrm>
+          <a:prstGeom prst="rect">
+            <a:avLst/>
+          </a:prstGeom>
+          <a:solidFill>
+            <a:srgbClr val="3843B3"/>
+          </a:solidFill>
+          <a:ln>
+            <a:noFill/>
+          </a:ln>
+        </p:spPr>
+        <p:style>
+          <a:lnRef idx="2">
+            <a:schemeClr val="accent1">
+              <a:shade val="50000"/>
+            </a:schemeClr>
+          </a:lnRef>
+          <a:fillRef idx="1">
+            <a:schemeClr val="accent1"/>
+          </a:fillRef>
+          <a:effectRef idx="0">
+            <a:schemeClr val="accent1"/>
+          </a:effectRef>
+          <a:fontRef idx="minor">
+            <a:schemeClr val="lt1"/>
+          </a:fontRef>
+        </p:style>
+        <p:txBody>
+          <a:bodyPr rtlCol="0" anchor="ctr"/>
+          <a:lstStyle/>
+          <a:p>
+            <a:pPr algn="ctr"/>
+            <a:endParaRPr lang="zh-CN" altLang="en-US" dirty="0">
+              <a:latin typeface="微软雅黑" panose="020B0503020204020204" pitchFamily="34" charset="-122"/>
+              <a:ea typeface="微软雅黑" panose="020B0503020204020204" pitchFamily="34" charset="-122"/>
+            </a:endParaRPr>
+          </a:p>
+        </p:txBody>
+      </p:sp>
+      <p:sp>
+        <p:nvSpPr>
+          <p:cNvPr id="3" name="文本框 2">
+            <a:extLst>
+              <a:ext uri="{FF2B5EF4-FFF2-40B4-BE49-F238E27FC236}">
+                <a16:creationId xmlns:a16="http://schemas.microsoft.com/office/drawing/2014/main" id="{2AA5B233-E157-4FDA-8A18-12B9A3EF6AE8}"/>
+              </a:ext>
+            </a:extLst>
+          </p:cNvPr>
+          <p:cNvSpPr txBox="1"/>
+          <p:nvPr/>
+        </p:nvSpPr>
+        <p:spPr>
+          <a:xfrm>
+            <a:off x="1425004" y="509861"/>
+            <a:ext cx="2656459" cy="461665"/>
+          </a:xfrm>
+          <a:prstGeom prst="rect">
+            <a:avLst/>
+          </a:prstGeom>
+          <a:noFill/>
+        </p:spPr>
+        <p:txBody>
+          <a:bodyPr wrap="square" rtlCol="0">
+            <a:spAutoFit/>
+          </a:bodyPr>
+          <a:lstStyle/>
+          <a:p>
+            <a:r>
+              <a:rPr lang="zh-CN" altLang="en-US" sz="2400" b="1" dirty="0">
+                <a:solidFill>
+                  <a:schemeClr val="bg2">
+                    <a:lumMod val="25000"/>
+                  </a:schemeClr>
+                </a:solidFill>
+                <a:latin typeface="微软雅黑" panose="020B0503020204020204" pitchFamily="34" charset="-122"/>
+                <a:ea typeface="微软雅黑" panose="020B0503020204020204" pitchFamily="34" charset="-122"/>
+              </a:rPr>
+              <a:t>详细功能</a:t>
+            </a:r>
+          </a:p>
+        </p:txBody>
+      </p:sp>
+      <p:pic>
+        <p:nvPicPr>
+          <p:cNvPr id="4" name="图形 3">
+            <a:extLst>
+              <a:ext uri="{FF2B5EF4-FFF2-40B4-BE49-F238E27FC236}">
+                <a16:creationId xmlns:a16="http://schemas.microsoft.com/office/drawing/2014/main" id="{D7375C23-E8C2-463F-85AA-6C2990B3E0A9}"/>
+              </a:ext>
+            </a:extLst>
+          </p:cNvPr>
+          <p:cNvPicPr>
+            <a:picLocks noChangeAspect="1"/>
+          </p:cNvPicPr>
+          <p:nvPr/>
+        </p:nvPicPr>
+        <p:blipFill>
+          <a:blip r:embed="rId2">
+            <a:extLst>
+              <a:ext uri="{28A0092B-C50C-407E-A947-70E740481C1C}">
+                <a14:useLocalDpi xmlns:a14="http://schemas.microsoft.com/office/drawing/2010/main" val="0"/>
+              </a:ext>
+              <a:ext uri="{96DAC541-7B7A-43D3-8B79-37D633B846F1}">
+                <asvg:svgBlip xmlns:asvg="http://schemas.microsoft.com/office/drawing/2016/SVG/main" r:embed="rId3"/>
+              </a:ext>
+            </a:extLst>
+          </a:blip>
+          <a:stretch>
+            <a:fillRect/>
+          </a:stretch>
+        </p:blipFill>
+        <p:spPr>
+          <a:xfrm>
+            <a:off x="10516998" y="420430"/>
+            <a:ext cx="1068278" cy="1102192"/>
+          </a:xfrm>
+          <a:prstGeom prst="rect">
+            <a:avLst/>
+          </a:prstGeom>
+        </p:spPr>
+      </p:pic>
+      <p:sp>
+        <p:nvSpPr>
+          <p:cNvPr id="6" name="椭圆 5">
+            <a:extLst>
+              <a:ext uri="{FF2B5EF4-FFF2-40B4-BE49-F238E27FC236}">
+                <a16:creationId xmlns:a16="http://schemas.microsoft.com/office/drawing/2014/main" id="{026480C1-9805-45D8-AF4C-D85340C0FD43}"/>
+              </a:ext>
+            </a:extLst>
+          </p:cNvPr>
+          <p:cNvSpPr/>
+          <p:nvPr/>
+        </p:nvSpPr>
+        <p:spPr>
+          <a:xfrm>
+            <a:off x="968457" y="577043"/>
+            <a:ext cx="327299" cy="327299"/>
+          </a:xfrm>
+          <a:prstGeom prst="ellipse">
+            <a:avLst/>
+          </a:prstGeom>
+          <a:solidFill>
+            <a:srgbClr val="3843B3"/>
+          </a:solidFill>
+          <a:ln w="53975">
+            <a:noFill/>
+          </a:ln>
+        </p:spPr>
+        <p:style>
+          <a:lnRef idx="2">
+            <a:schemeClr val="accent1">
+              <a:shade val="50000"/>
+            </a:schemeClr>
+          </a:lnRef>
+          <a:fillRef idx="1">
+            <a:schemeClr val="accent1"/>
+          </a:fillRef>
+          <a:effectRef idx="0">
+            <a:schemeClr val="accent1"/>
+          </a:effectRef>
+          <a:fontRef idx="minor">
+            <a:schemeClr val="lt1"/>
+          </a:fontRef>
+        </p:style>
+        <p:txBody>
+          <a:bodyPr rtlCol="0" anchor="ctr"/>
+          <a:lstStyle/>
+          <a:p>
+            <a:pPr algn="ctr"/>
+            <a:endParaRPr lang="zh-CN" altLang="en-US" sz="1400" b="1" dirty="0">
+              <a:latin typeface="微软雅黑" panose="020B0503020204020204" pitchFamily="34" charset="-122"/>
+              <a:ea typeface="微软雅黑" panose="020B0503020204020204" pitchFamily="34" charset="-122"/>
+            </a:endParaRPr>
+          </a:p>
+        </p:txBody>
+      </p:sp>
+      <p:sp>
+        <p:nvSpPr>
+          <p:cNvPr id="8" name="文本框 7">
+            <a:extLst>
+              <a:ext uri="{FF2B5EF4-FFF2-40B4-BE49-F238E27FC236}">
+                <a16:creationId xmlns:a16="http://schemas.microsoft.com/office/drawing/2014/main" id="{D0206158-DF7B-4715-9D35-EED15C62A64D}"/>
+              </a:ext>
+            </a:extLst>
+          </p:cNvPr>
+          <p:cNvSpPr txBox="1"/>
+          <p:nvPr/>
+        </p:nvSpPr>
+        <p:spPr>
+          <a:xfrm>
+            <a:off x="10152185" y="2001483"/>
+            <a:ext cx="1787029" cy="461665"/>
+          </a:xfrm>
+          <a:prstGeom prst="rect">
+            <a:avLst/>
+          </a:prstGeom>
+          <a:noFill/>
+        </p:spPr>
+        <p:txBody>
+          <a:bodyPr wrap="square" rtlCol="0">
+            <a:spAutoFit/>
+          </a:bodyPr>
+          <a:lstStyle/>
+          <a:p>
+            <a:r>
+              <a:rPr lang="zh-CN" altLang="en-US" sz="2400" dirty="0">
+                <a:solidFill>
+                  <a:schemeClr val="bg1">
+                    <a:lumMod val="65000"/>
+                  </a:schemeClr>
+                </a:solidFill>
+                <a:latin typeface="微软雅黑" panose="020B0503020204020204" pitchFamily="34" charset="-122"/>
+                <a:ea typeface="微软雅黑" panose="020B0503020204020204" pitchFamily="34" charset="-122"/>
+              </a:rPr>
+              <a:t>项目简介</a:t>
+            </a:r>
+          </a:p>
+        </p:txBody>
+      </p:sp>
+      <p:sp>
+        <p:nvSpPr>
+          <p:cNvPr id="9" name="文本框 8">
+            <a:extLst>
+              <a:ext uri="{FF2B5EF4-FFF2-40B4-BE49-F238E27FC236}">
+                <a16:creationId xmlns:a16="http://schemas.microsoft.com/office/drawing/2014/main" id="{BE8761C5-C3E5-48FD-9297-C7CE14A1FE79}"/>
+              </a:ext>
+            </a:extLst>
+          </p:cNvPr>
+          <p:cNvSpPr txBox="1"/>
+          <p:nvPr/>
+        </p:nvSpPr>
+        <p:spPr>
+          <a:xfrm>
+            <a:off x="10152184" y="3093063"/>
+            <a:ext cx="1787029" cy="461665"/>
+          </a:xfrm>
+          <a:prstGeom prst="rect">
+            <a:avLst/>
+          </a:prstGeom>
+          <a:noFill/>
+        </p:spPr>
+        <p:txBody>
+          <a:bodyPr wrap="square" rtlCol="0">
+            <a:spAutoFit/>
+          </a:bodyPr>
+          <a:lstStyle/>
+          <a:p>
+            <a:r>
+              <a:rPr lang="zh-CN" altLang="en-US" sz="2400" dirty="0">
+                <a:solidFill>
+                  <a:schemeClr val="bg1"/>
+                </a:solidFill>
+                <a:latin typeface="微软雅黑" panose="020B0503020204020204" pitchFamily="34" charset="-122"/>
+                <a:ea typeface="微软雅黑" panose="020B0503020204020204" pitchFamily="34" charset="-122"/>
+              </a:rPr>
+              <a:t>详细功能</a:t>
+            </a:r>
+          </a:p>
+        </p:txBody>
+      </p:sp>
+      <p:sp>
+        <p:nvSpPr>
+          <p:cNvPr id="10" name="文本框 9">
+            <a:extLst>
+              <a:ext uri="{FF2B5EF4-FFF2-40B4-BE49-F238E27FC236}">
+                <a16:creationId xmlns:a16="http://schemas.microsoft.com/office/drawing/2014/main" id="{27A0E5DB-D422-4E12-B8EB-7BB0D3CACBDE}"/>
+              </a:ext>
+            </a:extLst>
+          </p:cNvPr>
+          <p:cNvSpPr txBox="1"/>
+          <p:nvPr/>
+        </p:nvSpPr>
+        <p:spPr>
+          <a:xfrm>
+            <a:off x="10173628" y="2512197"/>
+            <a:ext cx="1787029" cy="461665"/>
+          </a:xfrm>
+          <a:prstGeom prst="rect">
+            <a:avLst/>
+          </a:prstGeom>
+          <a:noFill/>
+        </p:spPr>
+        <p:txBody>
+          <a:bodyPr wrap="square" rtlCol="0">
+            <a:spAutoFit/>
+          </a:bodyPr>
+          <a:lstStyle/>
+          <a:p>
+            <a:r>
+              <a:rPr lang="zh-CN" altLang="en-US" sz="2400" dirty="0">
+                <a:solidFill>
+                  <a:schemeClr val="bg1">
+                    <a:lumMod val="65000"/>
+                  </a:schemeClr>
+                </a:solidFill>
+                <a:latin typeface="微软雅黑" panose="020B0503020204020204" pitchFamily="34" charset="-122"/>
+                <a:ea typeface="微软雅黑" panose="020B0503020204020204" pitchFamily="34" charset="-122"/>
+              </a:rPr>
+              <a:t>设计思路</a:t>
+            </a:r>
+          </a:p>
+        </p:txBody>
+      </p:sp>
+      <p:sp>
+        <p:nvSpPr>
+          <p:cNvPr id="11" name="文本框 10">
+            <a:extLst>
+              <a:ext uri="{FF2B5EF4-FFF2-40B4-BE49-F238E27FC236}">
+                <a16:creationId xmlns:a16="http://schemas.microsoft.com/office/drawing/2014/main" id="{AB75D0CA-4431-4528-AF82-1AA4696E8E8B}"/>
+              </a:ext>
+            </a:extLst>
+          </p:cNvPr>
+          <p:cNvSpPr txBox="1"/>
+          <p:nvPr/>
+        </p:nvSpPr>
+        <p:spPr>
+          <a:xfrm>
+            <a:off x="10173628" y="3744081"/>
+            <a:ext cx="1787029" cy="461665"/>
+          </a:xfrm>
+          <a:prstGeom prst="rect">
+            <a:avLst/>
+          </a:prstGeom>
+          <a:noFill/>
+        </p:spPr>
+        <p:txBody>
+          <a:bodyPr wrap="square" rtlCol="0">
+            <a:spAutoFit/>
+          </a:bodyPr>
+          <a:lstStyle/>
+          <a:p>
+            <a:r>
+              <a:rPr lang="zh-CN" altLang="en-US" sz="2400" dirty="0">
+                <a:solidFill>
+                  <a:schemeClr val="bg1">
+                    <a:lumMod val="65000"/>
+                  </a:schemeClr>
+                </a:solidFill>
+                <a:latin typeface="微软雅黑" panose="020B0503020204020204" pitchFamily="34" charset="-122"/>
+                <a:ea typeface="微软雅黑" panose="020B0503020204020204" pitchFamily="34" charset="-122"/>
+              </a:rPr>
+              <a:t>项目亮点</a:t>
+            </a:r>
+          </a:p>
+        </p:txBody>
+      </p:sp>
+      <p:sp>
+        <p:nvSpPr>
+          <p:cNvPr id="12" name="文本框 11">
+            <a:extLst>
+              <a:ext uri="{FF2B5EF4-FFF2-40B4-BE49-F238E27FC236}">
+                <a16:creationId xmlns:a16="http://schemas.microsoft.com/office/drawing/2014/main" id="{80DF9AC0-A883-4B1E-B9D8-8FD4B7760045}"/>
+              </a:ext>
+            </a:extLst>
+          </p:cNvPr>
+          <p:cNvSpPr txBox="1"/>
+          <p:nvPr/>
+        </p:nvSpPr>
+        <p:spPr>
+          <a:xfrm>
+            <a:off x="10173628" y="4324947"/>
+            <a:ext cx="1787029" cy="461665"/>
+          </a:xfrm>
+          <a:prstGeom prst="rect">
+            <a:avLst/>
+          </a:prstGeom>
+          <a:noFill/>
+        </p:spPr>
+        <p:txBody>
+          <a:bodyPr wrap="square" rtlCol="0">
+            <a:spAutoFit/>
+          </a:bodyPr>
+          <a:lstStyle/>
+          <a:p>
+            <a:r>
+              <a:rPr lang="zh-CN" altLang="en-US" sz="2400" dirty="0">
+                <a:solidFill>
+                  <a:schemeClr val="bg1">
+                    <a:lumMod val="65000"/>
+                  </a:schemeClr>
+                </a:solidFill>
+                <a:latin typeface="微软雅黑" panose="020B0503020204020204" pitchFamily="34" charset="-122"/>
+                <a:ea typeface="微软雅黑" panose="020B0503020204020204" pitchFamily="34" charset="-122"/>
+              </a:rPr>
+              <a:t>心得体会</a:t>
+            </a:r>
+          </a:p>
+        </p:txBody>
+      </p:sp>
+      <p:sp>
+        <p:nvSpPr>
+          <p:cNvPr id="5" name="文本框 4">
+            <a:extLst>
+              <a:ext uri="{FF2B5EF4-FFF2-40B4-BE49-F238E27FC236}">
+                <a16:creationId xmlns:a16="http://schemas.microsoft.com/office/drawing/2014/main" id="{45D93B7D-8A09-EA2B-3D30-EBBEF7901A8D}"/>
+              </a:ext>
+            </a:extLst>
+          </p:cNvPr>
+          <p:cNvSpPr txBox="1"/>
+          <p:nvPr/>
+        </p:nvSpPr>
+        <p:spPr>
+          <a:xfrm>
+            <a:off x="607977" y="2108956"/>
+            <a:ext cx="2920601" cy="2677656"/>
+          </a:xfrm>
+          <a:prstGeom prst="rect">
+            <a:avLst/>
+          </a:prstGeom>
+          <a:noFill/>
+        </p:spPr>
+        <p:txBody>
+          <a:bodyPr wrap="square" rtlCol="0">
+            <a:spAutoFit/>
+          </a:bodyPr>
+          <a:lstStyle/>
+          <a:p>
+            <a:r>
+              <a:rPr lang="en-US" altLang="zh-CN" sz="2800" kern="100" dirty="0">
+                <a:effectLst/>
+                <a:latin typeface="等线" panose="02010600030101010101" pitchFamily="2" charset="-122"/>
+                <a:ea typeface="等线" panose="02010600030101010101" pitchFamily="2" charset="-122"/>
+                <a:cs typeface="Times New Roman" panose="02020603050405020304" pitchFamily="18" charset="0"/>
+              </a:rPr>
+              <a:t>4. </a:t>
+            </a:r>
+            <a:r>
+              <a:rPr lang="zh-CN" altLang="en-US" sz="2800" kern="100" dirty="0">
+                <a:effectLst/>
+                <a:latin typeface="等线" panose="02010600030101010101" pitchFamily="2" charset="-122"/>
+                <a:ea typeface="等线" panose="02010600030101010101" pitchFamily="2" charset="-122"/>
+                <a:cs typeface="Times New Roman" panose="02020603050405020304" pitchFamily="18" charset="0"/>
+              </a:rPr>
+              <a:t>查看学习轨迹：回顾学习记录，包括课程内容学习、答题记录及正确率，便于复习。</a:t>
+            </a:r>
+          </a:p>
+        </p:txBody>
+      </p:sp>
+      <p:pic>
+        <p:nvPicPr>
+          <p:cNvPr id="13" name="图片 12">
+            <a:extLst>
+              <a:ext uri="{FF2B5EF4-FFF2-40B4-BE49-F238E27FC236}">
+                <a16:creationId xmlns:a16="http://schemas.microsoft.com/office/drawing/2014/main" id="{1F9BB691-1B8A-31DD-54F0-A39552A86247}"/>
+              </a:ext>
+            </a:extLst>
+          </p:cNvPr>
+          <p:cNvPicPr>
+            <a:picLocks noChangeAspect="1"/>
+          </p:cNvPicPr>
+          <p:nvPr/>
+        </p:nvPicPr>
+        <p:blipFill>
+          <a:blip r:embed="rId4"/>
+          <a:stretch>
+            <a:fillRect/>
+          </a:stretch>
+        </p:blipFill>
+        <p:spPr>
+          <a:xfrm>
+            <a:off x="3726992" y="888284"/>
+            <a:ext cx="5818467" cy="5195302"/>
+          </a:xfrm>
+          <a:prstGeom prst="rect">
+            <a:avLst/>
+          </a:prstGeom>
+          <a:effectLst>
+            <a:outerShdw blurRad="50800" dist="38100" dir="2700000" sx="105000" sy="105000" algn="tl" rotWithShape="0">
+              <a:prstClr val="black">
+                <a:alpha val="40000"/>
+              </a:prstClr>
+            </a:outerShdw>
+          </a:effectLst>
+        </p:spPr>
+      </p:pic>
+      <p:sp>
+        <p:nvSpPr>
+          <p:cNvPr id="7" name="文本框 6">
+            <a:extLst>
+              <a:ext uri="{FF2B5EF4-FFF2-40B4-BE49-F238E27FC236}">
+                <a16:creationId xmlns:a16="http://schemas.microsoft.com/office/drawing/2014/main" id="{FFB49E10-CBE3-BDA1-3F7A-E59BDDCE31D8}"/>
+              </a:ext>
+            </a:extLst>
+          </p:cNvPr>
+          <p:cNvSpPr txBox="1"/>
+          <p:nvPr/>
+        </p:nvSpPr>
+        <p:spPr>
+          <a:xfrm>
+            <a:off x="2845400" y="559770"/>
+            <a:ext cx="2656459" cy="369332"/>
+          </a:xfrm>
+          <a:prstGeom prst="rect">
+            <a:avLst/>
+          </a:prstGeom>
+          <a:noFill/>
+        </p:spPr>
+        <p:txBody>
+          <a:bodyPr wrap="square" rtlCol="0">
+            <a:spAutoFit/>
+          </a:bodyPr>
+          <a:lstStyle/>
+          <a:p>
+            <a:r>
+              <a:rPr lang="zh-CN" altLang="en-US" b="1" dirty="0">
+                <a:solidFill>
+                  <a:schemeClr val="tx1">
+                    <a:lumMod val="65000"/>
+                    <a:lumOff val="35000"/>
+                  </a:schemeClr>
+                </a:solidFill>
+                <a:latin typeface="微软雅黑" panose="020B0503020204020204" pitchFamily="34" charset="-122"/>
+                <a:ea typeface="微软雅黑" panose="020B0503020204020204" pitchFamily="34" charset="-122"/>
+              </a:rPr>
+              <a:t>学生</a:t>
+            </a:r>
+          </a:p>
+        </p:txBody>
+      </p:sp>
+    </p:spTree>
+    <p:extLst>
+      <p:ext uri="{BB962C8B-B14F-4D97-AF65-F5344CB8AC3E}">
+        <p14:creationId xmlns:p14="http://schemas.microsoft.com/office/powerpoint/2010/main" val="3034458904"/>
+      </p:ext>
+    </p:extLst>
+  </p:cSld>
+  <p:clrMapOvr>
+    <a:masterClrMapping/>
+  </p:clrMapOvr>
+</p:sld>
+</file>
+
+<file path=ppt/slides/slide15.xml><?xml version="1.0" encoding="utf-8"?>
 <p:sld xmlns:a="http://schemas.openxmlformats.org/drawingml/2006/main" xmlns:r="http://schemas.openxmlformats.org/officeDocument/2006/relationships" xmlns:p="http://schemas.openxmlformats.org/presentationml/2006/main">
   <p:cSld>
     <p:spTree>
@@ -5440,7 +7954,7 @@
                 <a:latin typeface="微软雅黑" panose="020B0503020204020204" pitchFamily="34" charset="-122"/>
                 <a:ea typeface="微软雅黑" panose="020B0503020204020204" pitchFamily="34" charset="-122"/>
               </a:rPr>
-              <a:t>程序测试</a:t>
+              <a:t>项目亮点</a:t>
             </a:r>
           </a:p>
         </p:txBody>
@@ -5543,7 +8057,1181 @@
 </p:sld>
 </file>
 
-<file path=ppt/slides/slide12.xml><?xml version="1.0" encoding="utf-8"?>
+<file path=ppt/slides/slide16.xml><?xml version="1.0" encoding="utf-8"?>
+<p:sld xmlns:a="http://schemas.openxmlformats.org/drawingml/2006/main" xmlns:r="http://schemas.openxmlformats.org/officeDocument/2006/relationships" xmlns:p="http://schemas.openxmlformats.org/presentationml/2006/main">
+  <p:cSld>
+    <p:spTree>
+      <p:nvGrpSpPr>
+        <p:cNvPr id="1" name=""/>
+        <p:cNvGrpSpPr/>
+        <p:nvPr/>
+      </p:nvGrpSpPr>
+      <p:grpSpPr>
+        <a:xfrm>
+          <a:off x="0" y="0"/>
+          <a:ext cx="0" cy="0"/>
+          <a:chOff x="0" y="0"/>
+          <a:chExt cx="0" cy="0"/>
+        </a:xfrm>
+      </p:grpSpPr>
+      <p:sp>
+        <p:nvSpPr>
+          <p:cNvPr id="2" name="矩形 1">
+            <a:extLst>
+              <a:ext uri="{FF2B5EF4-FFF2-40B4-BE49-F238E27FC236}">
+                <a16:creationId xmlns:a16="http://schemas.microsoft.com/office/drawing/2014/main" id="{23E6E998-EE6C-47CD-BCE8-8475FA4366EA}"/>
+              </a:ext>
+            </a:extLst>
+          </p:cNvPr>
+          <p:cNvSpPr/>
+          <p:nvPr/>
+        </p:nvSpPr>
+        <p:spPr>
+          <a:xfrm>
+            <a:off x="9942286" y="0"/>
+            <a:ext cx="2249715" cy="6858000"/>
+          </a:xfrm>
+          <a:prstGeom prst="rect">
+            <a:avLst/>
+          </a:prstGeom>
+          <a:solidFill>
+            <a:srgbClr val="3843B3"/>
+          </a:solidFill>
+          <a:ln>
+            <a:noFill/>
+          </a:ln>
+        </p:spPr>
+        <p:style>
+          <a:lnRef idx="2">
+            <a:schemeClr val="accent1">
+              <a:shade val="50000"/>
+            </a:schemeClr>
+          </a:lnRef>
+          <a:fillRef idx="1">
+            <a:schemeClr val="accent1"/>
+          </a:fillRef>
+          <a:effectRef idx="0">
+            <a:schemeClr val="accent1"/>
+          </a:effectRef>
+          <a:fontRef idx="minor">
+            <a:schemeClr val="lt1"/>
+          </a:fontRef>
+        </p:style>
+        <p:txBody>
+          <a:bodyPr rtlCol="0" anchor="ctr"/>
+          <a:lstStyle/>
+          <a:p>
+            <a:pPr algn="ctr"/>
+            <a:endParaRPr lang="zh-CN" altLang="en-US" dirty="0">
+              <a:latin typeface="微软雅黑" panose="020B0503020204020204" pitchFamily="34" charset="-122"/>
+              <a:ea typeface="微软雅黑" panose="020B0503020204020204" pitchFamily="34" charset="-122"/>
+            </a:endParaRPr>
+          </a:p>
+        </p:txBody>
+      </p:sp>
+      <p:sp>
+        <p:nvSpPr>
+          <p:cNvPr id="3" name="文本框 2">
+            <a:extLst>
+              <a:ext uri="{FF2B5EF4-FFF2-40B4-BE49-F238E27FC236}">
+                <a16:creationId xmlns:a16="http://schemas.microsoft.com/office/drawing/2014/main" id="{2AA5B233-E157-4FDA-8A18-12B9A3EF6AE8}"/>
+              </a:ext>
+            </a:extLst>
+          </p:cNvPr>
+          <p:cNvSpPr txBox="1"/>
+          <p:nvPr/>
+        </p:nvSpPr>
+        <p:spPr>
+          <a:xfrm>
+            <a:off x="1425004" y="509861"/>
+            <a:ext cx="2656459" cy="461665"/>
+          </a:xfrm>
+          <a:prstGeom prst="rect">
+            <a:avLst/>
+          </a:prstGeom>
+          <a:noFill/>
+        </p:spPr>
+        <p:txBody>
+          <a:bodyPr wrap="square" rtlCol="0">
+            <a:spAutoFit/>
+          </a:bodyPr>
+          <a:lstStyle/>
+          <a:p>
+            <a:r>
+              <a:rPr lang="zh-CN" altLang="en-US" sz="2400" b="1" dirty="0">
+                <a:solidFill>
+                  <a:schemeClr val="bg2">
+                    <a:lumMod val="25000"/>
+                  </a:schemeClr>
+                </a:solidFill>
+                <a:latin typeface="微软雅黑" panose="020B0503020204020204" pitchFamily="34" charset="-122"/>
+                <a:ea typeface="微软雅黑" panose="020B0503020204020204" pitchFamily="34" charset="-122"/>
+              </a:rPr>
+              <a:t>项目亮点</a:t>
+            </a:r>
+          </a:p>
+        </p:txBody>
+      </p:sp>
+      <p:pic>
+        <p:nvPicPr>
+          <p:cNvPr id="4" name="图形 3">
+            <a:extLst>
+              <a:ext uri="{FF2B5EF4-FFF2-40B4-BE49-F238E27FC236}">
+                <a16:creationId xmlns:a16="http://schemas.microsoft.com/office/drawing/2014/main" id="{D7375C23-E8C2-463F-85AA-6C2990B3E0A9}"/>
+              </a:ext>
+            </a:extLst>
+          </p:cNvPr>
+          <p:cNvPicPr>
+            <a:picLocks noChangeAspect="1"/>
+          </p:cNvPicPr>
+          <p:nvPr/>
+        </p:nvPicPr>
+        <p:blipFill>
+          <a:blip r:embed="rId2">
+            <a:extLst>
+              <a:ext uri="{28A0092B-C50C-407E-A947-70E740481C1C}">
+                <a14:useLocalDpi xmlns:a14="http://schemas.microsoft.com/office/drawing/2010/main" val="0"/>
+              </a:ext>
+              <a:ext uri="{96DAC541-7B7A-43D3-8B79-37D633B846F1}">
+                <asvg:svgBlip xmlns:asvg="http://schemas.microsoft.com/office/drawing/2016/SVG/main" r:embed="rId3"/>
+              </a:ext>
+            </a:extLst>
+          </a:blip>
+          <a:stretch>
+            <a:fillRect/>
+          </a:stretch>
+        </p:blipFill>
+        <p:spPr>
+          <a:xfrm>
+            <a:off x="10516998" y="420430"/>
+            <a:ext cx="1068278" cy="1102192"/>
+          </a:xfrm>
+          <a:prstGeom prst="rect">
+            <a:avLst/>
+          </a:prstGeom>
+        </p:spPr>
+      </p:pic>
+      <p:sp>
+        <p:nvSpPr>
+          <p:cNvPr id="6" name="椭圆 5">
+            <a:extLst>
+              <a:ext uri="{FF2B5EF4-FFF2-40B4-BE49-F238E27FC236}">
+                <a16:creationId xmlns:a16="http://schemas.microsoft.com/office/drawing/2014/main" id="{026480C1-9805-45D8-AF4C-D85340C0FD43}"/>
+              </a:ext>
+            </a:extLst>
+          </p:cNvPr>
+          <p:cNvSpPr/>
+          <p:nvPr/>
+        </p:nvSpPr>
+        <p:spPr>
+          <a:xfrm>
+            <a:off x="968457" y="577043"/>
+            <a:ext cx="327299" cy="327299"/>
+          </a:xfrm>
+          <a:prstGeom prst="ellipse">
+            <a:avLst/>
+          </a:prstGeom>
+          <a:solidFill>
+            <a:srgbClr val="3843B3"/>
+          </a:solidFill>
+          <a:ln w="53975">
+            <a:noFill/>
+          </a:ln>
+        </p:spPr>
+        <p:style>
+          <a:lnRef idx="2">
+            <a:schemeClr val="accent1">
+              <a:shade val="50000"/>
+            </a:schemeClr>
+          </a:lnRef>
+          <a:fillRef idx="1">
+            <a:schemeClr val="accent1"/>
+          </a:fillRef>
+          <a:effectRef idx="0">
+            <a:schemeClr val="accent1"/>
+          </a:effectRef>
+          <a:fontRef idx="minor">
+            <a:schemeClr val="lt1"/>
+          </a:fontRef>
+        </p:style>
+        <p:txBody>
+          <a:bodyPr rtlCol="0" anchor="ctr"/>
+          <a:lstStyle/>
+          <a:p>
+            <a:pPr algn="ctr"/>
+            <a:endParaRPr lang="zh-CN" altLang="en-US" sz="1400" b="1" dirty="0">
+              <a:latin typeface="微软雅黑" panose="020B0503020204020204" pitchFamily="34" charset="-122"/>
+              <a:ea typeface="微软雅黑" panose="020B0503020204020204" pitchFamily="34" charset="-122"/>
+            </a:endParaRPr>
+          </a:p>
+        </p:txBody>
+      </p:sp>
+      <p:sp>
+        <p:nvSpPr>
+          <p:cNvPr id="8" name="文本框 7">
+            <a:extLst>
+              <a:ext uri="{FF2B5EF4-FFF2-40B4-BE49-F238E27FC236}">
+                <a16:creationId xmlns:a16="http://schemas.microsoft.com/office/drawing/2014/main" id="{D0206158-DF7B-4715-9D35-EED15C62A64D}"/>
+              </a:ext>
+            </a:extLst>
+          </p:cNvPr>
+          <p:cNvSpPr txBox="1"/>
+          <p:nvPr/>
+        </p:nvSpPr>
+        <p:spPr>
+          <a:xfrm>
+            <a:off x="10152185" y="2001483"/>
+            <a:ext cx="1787029" cy="461665"/>
+          </a:xfrm>
+          <a:prstGeom prst="rect">
+            <a:avLst/>
+          </a:prstGeom>
+          <a:noFill/>
+        </p:spPr>
+        <p:txBody>
+          <a:bodyPr wrap="square" rtlCol="0">
+            <a:spAutoFit/>
+          </a:bodyPr>
+          <a:lstStyle/>
+          <a:p>
+            <a:r>
+              <a:rPr lang="zh-CN" altLang="en-US" sz="2400" dirty="0">
+                <a:solidFill>
+                  <a:schemeClr val="bg1">
+                    <a:lumMod val="65000"/>
+                  </a:schemeClr>
+                </a:solidFill>
+                <a:latin typeface="微软雅黑" panose="020B0503020204020204" pitchFamily="34" charset="-122"/>
+                <a:ea typeface="微软雅黑" panose="020B0503020204020204" pitchFamily="34" charset="-122"/>
+              </a:rPr>
+              <a:t>项目简介</a:t>
+            </a:r>
+          </a:p>
+        </p:txBody>
+      </p:sp>
+      <p:sp>
+        <p:nvSpPr>
+          <p:cNvPr id="9" name="文本框 8">
+            <a:extLst>
+              <a:ext uri="{FF2B5EF4-FFF2-40B4-BE49-F238E27FC236}">
+                <a16:creationId xmlns:a16="http://schemas.microsoft.com/office/drawing/2014/main" id="{BE8761C5-C3E5-48FD-9297-C7CE14A1FE79}"/>
+              </a:ext>
+            </a:extLst>
+          </p:cNvPr>
+          <p:cNvSpPr txBox="1"/>
+          <p:nvPr/>
+        </p:nvSpPr>
+        <p:spPr>
+          <a:xfrm>
+            <a:off x="10173628" y="3653306"/>
+            <a:ext cx="1787029" cy="461665"/>
+          </a:xfrm>
+          <a:prstGeom prst="rect">
+            <a:avLst/>
+          </a:prstGeom>
+          <a:noFill/>
+        </p:spPr>
+        <p:txBody>
+          <a:bodyPr wrap="square" rtlCol="0">
+            <a:spAutoFit/>
+          </a:bodyPr>
+          <a:lstStyle/>
+          <a:p>
+            <a:r>
+              <a:rPr lang="zh-CN" altLang="en-US" sz="2400" dirty="0">
+                <a:solidFill>
+                  <a:schemeClr val="bg1"/>
+                </a:solidFill>
+                <a:latin typeface="微软雅黑" panose="020B0503020204020204" pitchFamily="34" charset="-122"/>
+                <a:ea typeface="微软雅黑" panose="020B0503020204020204" pitchFamily="34" charset="-122"/>
+              </a:rPr>
+              <a:t>项目亮点</a:t>
+            </a:r>
+          </a:p>
+        </p:txBody>
+      </p:sp>
+      <p:sp>
+        <p:nvSpPr>
+          <p:cNvPr id="10" name="文本框 9">
+            <a:extLst>
+              <a:ext uri="{FF2B5EF4-FFF2-40B4-BE49-F238E27FC236}">
+                <a16:creationId xmlns:a16="http://schemas.microsoft.com/office/drawing/2014/main" id="{27A0E5DB-D422-4E12-B8EB-7BB0D3CACBDE}"/>
+              </a:ext>
+            </a:extLst>
+          </p:cNvPr>
+          <p:cNvSpPr txBox="1"/>
+          <p:nvPr/>
+        </p:nvSpPr>
+        <p:spPr>
+          <a:xfrm>
+            <a:off x="10173628" y="2512197"/>
+            <a:ext cx="1787029" cy="461665"/>
+          </a:xfrm>
+          <a:prstGeom prst="rect">
+            <a:avLst/>
+          </a:prstGeom>
+          <a:noFill/>
+        </p:spPr>
+        <p:txBody>
+          <a:bodyPr wrap="square" rtlCol="0">
+            <a:spAutoFit/>
+          </a:bodyPr>
+          <a:lstStyle/>
+          <a:p>
+            <a:r>
+              <a:rPr lang="zh-CN" altLang="en-US" sz="2400" dirty="0">
+                <a:solidFill>
+                  <a:schemeClr val="bg1">
+                    <a:lumMod val="65000"/>
+                  </a:schemeClr>
+                </a:solidFill>
+                <a:latin typeface="微软雅黑" panose="020B0503020204020204" pitchFamily="34" charset="-122"/>
+                <a:ea typeface="微软雅黑" panose="020B0503020204020204" pitchFamily="34" charset="-122"/>
+              </a:rPr>
+              <a:t>设计思路</a:t>
+            </a:r>
+          </a:p>
+        </p:txBody>
+      </p:sp>
+      <p:sp>
+        <p:nvSpPr>
+          <p:cNvPr id="11" name="文本框 10">
+            <a:extLst>
+              <a:ext uri="{FF2B5EF4-FFF2-40B4-BE49-F238E27FC236}">
+                <a16:creationId xmlns:a16="http://schemas.microsoft.com/office/drawing/2014/main" id="{AB75D0CA-4431-4528-AF82-1AA4696E8E8B}"/>
+              </a:ext>
+            </a:extLst>
+          </p:cNvPr>
+          <p:cNvSpPr txBox="1"/>
+          <p:nvPr/>
+        </p:nvSpPr>
+        <p:spPr>
+          <a:xfrm>
+            <a:off x="10173628" y="3088795"/>
+            <a:ext cx="1787029" cy="461665"/>
+          </a:xfrm>
+          <a:prstGeom prst="rect">
+            <a:avLst/>
+          </a:prstGeom>
+          <a:noFill/>
+        </p:spPr>
+        <p:txBody>
+          <a:bodyPr wrap="square" rtlCol="0">
+            <a:spAutoFit/>
+          </a:bodyPr>
+          <a:lstStyle/>
+          <a:p>
+            <a:r>
+              <a:rPr lang="zh-CN" altLang="en-US" sz="2400" dirty="0">
+                <a:solidFill>
+                  <a:schemeClr val="bg1">
+                    <a:lumMod val="65000"/>
+                  </a:schemeClr>
+                </a:solidFill>
+                <a:latin typeface="微软雅黑" panose="020B0503020204020204" pitchFamily="34" charset="-122"/>
+                <a:ea typeface="微软雅黑" panose="020B0503020204020204" pitchFamily="34" charset="-122"/>
+              </a:rPr>
+              <a:t>详细功能</a:t>
+            </a:r>
+          </a:p>
+        </p:txBody>
+      </p:sp>
+      <p:sp>
+        <p:nvSpPr>
+          <p:cNvPr id="12" name="文本框 11">
+            <a:extLst>
+              <a:ext uri="{FF2B5EF4-FFF2-40B4-BE49-F238E27FC236}">
+                <a16:creationId xmlns:a16="http://schemas.microsoft.com/office/drawing/2014/main" id="{80DF9AC0-A883-4B1E-B9D8-8FD4B7760045}"/>
+              </a:ext>
+            </a:extLst>
+          </p:cNvPr>
+          <p:cNvSpPr txBox="1"/>
+          <p:nvPr/>
+        </p:nvSpPr>
+        <p:spPr>
+          <a:xfrm>
+            <a:off x="10152184" y="4183556"/>
+            <a:ext cx="1787029" cy="461665"/>
+          </a:xfrm>
+          <a:prstGeom prst="rect">
+            <a:avLst/>
+          </a:prstGeom>
+          <a:noFill/>
+        </p:spPr>
+        <p:txBody>
+          <a:bodyPr wrap="square" rtlCol="0">
+            <a:spAutoFit/>
+          </a:bodyPr>
+          <a:lstStyle/>
+          <a:p>
+            <a:r>
+              <a:rPr lang="zh-CN" altLang="en-US" sz="2400" dirty="0">
+                <a:solidFill>
+                  <a:schemeClr val="bg1">
+                    <a:lumMod val="65000"/>
+                  </a:schemeClr>
+                </a:solidFill>
+                <a:latin typeface="微软雅黑" panose="020B0503020204020204" pitchFamily="34" charset="-122"/>
+                <a:ea typeface="微软雅黑" panose="020B0503020204020204" pitchFamily="34" charset="-122"/>
+              </a:rPr>
+              <a:t>心得体会</a:t>
+            </a:r>
+          </a:p>
+        </p:txBody>
+      </p:sp>
+      <p:sp>
+        <p:nvSpPr>
+          <p:cNvPr id="5" name="文本框 4">
+            <a:extLst>
+              <a:ext uri="{FF2B5EF4-FFF2-40B4-BE49-F238E27FC236}">
+                <a16:creationId xmlns:a16="http://schemas.microsoft.com/office/drawing/2014/main" id="{45D93B7D-8A09-EA2B-3D30-EBBEF7901A8D}"/>
+              </a:ext>
+            </a:extLst>
+          </p:cNvPr>
+          <p:cNvSpPr txBox="1"/>
+          <p:nvPr/>
+        </p:nvSpPr>
+        <p:spPr>
+          <a:xfrm>
+            <a:off x="894946" y="6019347"/>
+            <a:ext cx="8541597" cy="523220"/>
+          </a:xfrm>
+          <a:prstGeom prst="rect">
+            <a:avLst/>
+          </a:prstGeom>
+          <a:noFill/>
+        </p:spPr>
+        <p:txBody>
+          <a:bodyPr wrap="square" rtlCol="0">
+            <a:spAutoFit/>
+          </a:bodyPr>
+          <a:lstStyle/>
+          <a:p>
+            <a:r>
+              <a:rPr lang="en-US" altLang="zh-CN" sz="2800" kern="100" dirty="0">
+                <a:effectLst/>
+                <a:latin typeface="等线" panose="02010600030101010101" pitchFamily="2" charset="-122"/>
+                <a:ea typeface="等线" panose="02010600030101010101" pitchFamily="2" charset="-122"/>
+                <a:cs typeface="Times New Roman" panose="02020603050405020304" pitchFamily="18" charset="0"/>
+              </a:rPr>
+              <a:t>1.</a:t>
+            </a:r>
+            <a:r>
+              <a:rPr lang="zh-CN" altLang="en-US" sz="2800" kern="100" dirty="0">
+                <a:effectLst/>
+                <a:latin typeface="等线" panose="02010600030101010101" pitchFamily="2" charset="-122"/>
+                <a:ea typeface="等线" panose="02010600030101010101" pitchFamily="2" charset="-122"/>
+                <a:cs typeface="Times New Roman" panose="02020603050405020304" pitchFamily="18" charset="0"/>
+              </a:rPr>
+              <a:t>视频形式课程，使线上学习更生动真实，易于接受。</a:t>
+            </a:r>
+          </a:p>
+        </p:txBody>
+      </p:sp>
+      <p:pic>
+        <p:nvPicPr>
+          <p:cNvPr id="14" name="图片 13">
+            <a:extLst>
+              <a:ext uri="{FF2B5EF4-FFF2-40B4-BE49-F238E27FC236}">
+                <a16:creationId xmlns:a16="http://schemas.microsoft.com/office/drawing/2014/main" id="{326FA619-C2F3-E1BA-E294-4C584DDBC259}"/>
+              </a:ext>
+            </a:extLst>
+          </p:cNvPr>
+          <p:cNvPicPr>
+            <a:picLocks noChangeAspect="1"/>
+          </p:cNvPicPr>
+          <p:nvPr/>
+        </p:nvPicPr>
+        <p:blipFill rotWithShape="1">
+          <a:blip r:embed="rId4"/>
+          <a:srcRect t="12084" b="1725"/>
+          <a:stretch/>
+        </p:blipFill>
+        <p:spPr>
+          <a:xfrm>
+            <a:off x="2550988" y="1083321"/>
+            <a:ext cx="5046314" cy="4243551"/>
+          </a:xfrm>
+          <a:prstGeom prst="rect">
+            <a:avLst/>
+          </a:prstGeom>
+          <a:effectLst>
+            <a:outerShdw blurRad="50800" dist="38100" dir="2700000" sx="105000" sy="105000" algn="tl" rotWithShape="0">
+              <a:prstClr val="black">
+                <a:alpha val="40000"/>
+              </a:prstClr>
+            </a:outerShdw>
+          </a:effectLst>
+        </p:spPr>
+      </p:pic>
+    </p:spTree>
+    <p:extLst>
+      <p:ext uri="{BB962C8B-B14F-4D97-AF65-F5344CB8AC3E}">
+        <p14:creationId xmlns:p14="http://schemas.microsoft.com/office/powerpoint/2010/main" val="186883231"/>
+      </p:ext>
+    </p:extLst>
+  </p:cSld>
+  <p:clrMapOvr>
+    <a:masterClrMapping/>
+  </p:clrMapOvr>
+</p:sld>
+</file>
+
+<file path=ppt/slides/slide17.xml><?xml version="1.0" encoding="utf-8"?>
+<p:sld xmlns:a="http://schemas.openxmlformats.org/drawingml/2006/main" xmlns:r="http://schemas.openxmlformats.org/officeDocument/2006/relationships" xmlns:p="http://schemas.openxmlformats.org/presentationml/2006/main">
+  <p:cSld>
+    <p:spTree>
+      <p:nvGrpSpPr>
+        <p:cNvPr id="1" name=""/>
+        <p:cNvGrpSpPr/>
+        <p:nvPr/>
+      </p:nvGrpSpPr>
+      <p:grpSpPr>
+        <a:xfrm>
+          <a:off x="0" y="0"/>
+          <a:ext cx="0" cy="0"/>
+          <a:chOff x="0" y="0"/>
+          <a:chExt cx="0" cy="0"/>
+        </a:xfrm>
+      </p:grpSpPr>
+      <p:sp>
+        <p:nvSpPr>
+          <p:cNvPr id="2" name="矩形 1">
+            <a:extLst>
+              <a:ext uri="{FF2B5EF4-FFF2-40B4-BE49-F238E27FC236}">
+                <a16:creationId xmlns:a16="http://schemas.microsoft.com/office/drawing/2014/main" id="{23E6E998-EE6C-47CD-BCE8-8475FA4366EA}"/>
+              </a:ext>
+            </a:extLst>
+          </p:cNvPr>
+          <p:cNvSpPr/>
+          <p:nvPr/>
+        </p:nvSpPr>
+        <p:spPr>
+          <a:xfrm>
+            <a:off x="9942286" y="0"/>
+            <a:ext cx="2249715" cy="6858000"/>
+          </a:xfrm>
+          <a:prstGeom prst="rect">
+            <a:avLst/>
+          </a:prstGeom>
+          <a:solidFill>
+            <a:srgbClr val="3843B3"/>
+          </a:solidFill>
+          <a:ln>
+            <a:noFill/>
+          </a:ln>
+        </p:spPr>
+        <p:style>
+          <a:lnRef idx="2">
+            <a:schemeClr val="accent1">
+              <a:shade val="50000"/>
+            </a:schemeClr>
+          </a:lnRef>
+          <a:fillRef idx="1">
+            <a:schemeClr val="accent1"/>
+          </a:fillRef>
+          <a:effectRef idx="0">
+            <a:schemeClr val="accent1"/>
+          </a:effectRef>
+          <a:fontRef idx="minor">
+            <a:schemeClr val="lt1"/>
+          </a:fontRef>
+        </p:style>
+        <p:txBody>
+          <a:bodyPr rtlCol="0" anchor="ctr"/>
+          <a:lstStyle/>
+          <a:p>
+            <a:pPr algn="ctr"/>
+            <a:endParaRPr lang="zh-CN" altLang="en-US" dirty="0">
+              <a:latin typeface="微软雅黑" panose="020B0503020204020204" pitchFamily="34" charset="-122"/>
+              <a:ea typeface="微软雅黑" panose="020B0503020204020204" pitchFamily="34" charset="-122"/>
+            </a:endParaRPr>
+          </a:p>
+        </p:txBody>
+      </p:sp>
+      <p:sp>
+        <p:nvSpPr>
+          <p:cNvPr id="3" name="文本框 2">
+            <a:extLst>
+              <a:ext uri="{FF2B5EF4-FFF2-40B4-BE49-F238E27FC236}">
+                <a16:creationId xmlns:a16="http://schemas.microsoft.com/office/drawing/2014/main" id="{2AA5B233-E157-4FDA-8A18-12B9A3EF6AE8}"/>
+              </a:ext>
+            </a:extLst>
+          </p:cNvPr>
+          <p:cNvSpPr txBox="1"/>
+          <p:nvPr/>
+        </p:nvSpPr>
+        <p:spPr>
+          <a:xfrm>
+            <a:off x="1425004" y="509861"/>
+            <a:ext cx="2656459" cy="461665"/>
+          </a:xfrm>
+          <a:prstGeom prst="rect">
+            <a:avLst/>
+          </a:prstGeom>
+          <a:noFill/>
+        </p:spPr>
+        <p:txBody>
+          <a:bodyPr wrap="square" rtlCol="0">
+            <a:spAutoFit/>
+          </a:bodyPr>
+          <a:lstStyle/>
+          <a:p>
+            <a:r>
+              <a:rPr lang="zh-CN" altLang="en-US" sz="2400" b="1" dirty="0">
+                <a:solidFill>
+                  <a:schemeClr val="bg2">
+                    <a:lumMod val="25000"/>
+                  </a:schemeClr>
+                </a:solidFill>
+                <a:latin typeface="微软雅黑" panose="020B0503020204020204" pitchFamily="34" charset="-122"/>
+                <a:ea typeface="微软雅黑" panose="020B0503020204020204" pitchFamily="34" charset="-122"/>
+              </a:rPr>
+              <a:t>项目亮点</a:t>
+            </a:r>
+          </a:p>
+        </p:txBody>
+      </p:sp>
+      <p:pic>
+        <p:nvPicPr>
+          <p:cNvPr id="4" name="图形 3">
+            <a:extLst>
+              <a:ext uri="{FF2B5EF4-FFF2-40B4-BE49-F238E27FC236}">
+                <a16:creationId xmlns:a16="http://schemas.microsoft.com/office/drawing/2014/main" id="{D7375C23-E8C2-463F-85AA-6C2990B3E0A9}"/>
+              </a:ext>
+            </a:extLst>
+          </p:cNvPr>
+          <p:cNvPicPr>
+            <a:picLocks noChangeAspect="1"/>
+          </p:cNvPicPr>
+          <p:nvPr/>
+        </p:nvPicPr>
+        <p:blipFill>
+          <a:blip r:embed="rId2">
+            <a:extLst>
+              <a:ext uri="{28A0092B-C50C-407E-A947-70E740481C1C}">
+                <a14:useLocalDpi xmlns:a14="http://schemas.microsoft.com/office/drawing/2010/main" val="0"/>
+              </a:ext>
+              <a:ext uri="{96DAC541-7B7A-43D3-8B79-37D633B846F1}">
+                <asvg:svgBlip xmlns:asvg="http://schemas.microsoft.com/office/drawing/2016/SVG/main" r:embed="rId3"/>
+              </a:ext>
+            </a:extLst>
+          </a:blip>
+          <a:stretch>
+            <a:fillRect/>
+          </a:stretch>
+        </p:blipFill>
+        <p:spPr>
+          <a:xfrm>
+            <a:off x="10516998" y="420430"/>
+            <a:ext cx="1068278" cy="1102192"/>
+          </a:xfrm>
+          <a:prstGeom prst="rect">
+            <a:avLst/>
+          </a:prstGeom>
+        </p:spPr>
+      </p:pic>
+      <p:sp>
+        <p:nvSpPr>
+          <p:cNvPr id="6" name="椭圆 5">
+            <a:extLst>
+              <a:ext uri="{FF2B5EF4-FFF2-40B4-BE49-F238E27FC236}">
+                <a16:creationId xmlns:a16="http://schemas.microsoft.com/office/drawing/2014/main" id="{026480C1-9805-45D8-AF4C-D85340C0FD43}"/>
+              </a:ext>
+            </a:extLst>
+          </p:cNvPr>
+          <p:cNvSpPr/>
+          <p:nvPr/>
+        </p:nvSpPr>
+        <p:spPr>
+          <a:xfrm>
+            <a:off x="968457" y="577043"/>
+            <a:ext cx="327299" cy="327299"/>
+          </a:xfrm>
+          <a:prstGeom prst="ellipse">
+            <a:avLst/>
+          </a:prstGeom>
+          <a:solidFill>
+            <a:srgbClr val="3843B3"/>
+          </a:solidFill>
+          <a:ln w="53975">
+            <a:noFill/>
+          </a:ln>
+        </p:spPr>
+        <p:style>
+          <a:lnRef idx="2">
+            <a:schemeClr val="accent1">
+              <a:shade val="50000"/>
+            </a:schemeClr>
+          </a:lnRef>
+          <a:fillRef idx="1">
+            <a:schemeClr val="accent1"/>
+          </a:fillRef>
+          <a:effectRef idx="0">
+            <a:schemeClr val="accent1"/>
+          </a:effectRef>
+          <a:fontRef idx="minor">
+            <a:schemeClr val="lt1"/>
+          </a:fontRef>
+        </p:style>
+        <p:txBody>
+          <a:bodyPr rtlCol="0" anchor="ctr"/>
+          <a:lstStyle/>
+          <a:p>
+            <a:pPr algn="ctr"/>
+            <a:endParaRPr lang="zh-CN" altLang="en-US" sz="1400" b="1" dirty="0">
+              <a:latin typeface="微软雅黑" panose="020B0503020204020204" pitchFamily="34" charset="-122"/>
+              <a:ea typeface="微软雅黑" panose="020B0503020204020204" pitchFamily="34" charset="-122"/>
+            </a:endParaRPr>
+          </a:p>
+        </p:txBody>
+      </p:sp>
+      <p:sp>
+        <p:nvSpPr>
+          <p:cNvPr id="8" name="文本框 7">
+            <a:extLst>
+              <a:ext uri="{FF2B5EF4-FFF2-40B4-BE49-F238E27FC236}">
+                <a16:creationId xmlns:a16="http://schemas.microsoft.com/office/drawing/2014/main" id="{D0206158-DF7B-4715-9D35-EED15C62A64D}"/>
+              </a:ext>
+            </a:extLst>
+          </p:cNvPr>
+          <p:cNvSpPr txBox="1"/>
+          <p:nvPr/>
+        </p:nvSpPr>
+        <p:spPr>
+          <a:xfrm>
+            <a:off x="10152185" y="2001483"/>
+            <a:ext cx="1787029" cy="461665"/>
+          </a:xfrm>
+          <a:prstGeom prst="rect">
+            <a:avLst/>
+          </a:prstGeom>
+          <a:noFill/>
+        </p:spPr>
+        <p:txBody>
+          <a:bodyPr wrap="square" rtlCol="0">
+            <a:spAutoFit/>
+          </a:bodyPr>
+          <a:lstStyle/>
+          <a:p>
+            <a:r>
+              <a:rPr lang="zh-CN" altLang="en-US" sz="2400" dirty="0">
+                <a:solidFill>
+                  <a:schemeClr val="bg1">
+                    <a:lumMod val="65000"/>
+                  </a:schemeClr>
+                </a:solidFill>
+                <a:latin typeface="微软雅黑" panose="020B0503020204020204" pitchFamily="34" charset="-122"/>
+                <a:ea typeface="微软雅黑" panose="020B0503020204020204" pitchFamily="34" charset="-122"/>
+              </a:rPr>
+              <a:t>项目简介</a:t>
+            </a:r>
+          </a:p>
+        </p:txBody>
+      </p:sp>
+      <p:sp>
+        <p:nvSpPr>
+          <p:cNvPr id="9" name="文本框 8">
+            <a:extLst>
+              <a:ext uri="{FF2B5EF4-FFF2-40B4-BE49-F238E27FC236}">
+                <a16:creationId xmlns:a16="http://schemas.microsoft.com/office/drawing/2014/main" id="{BE8761C5-C3E5-48FD-9297-C7CE14A1FE79}"/>
+              </a:ext>
+            </a:extLst>
+          </p:cNvPr>
+          <p:cNvSpPr txBox="1"/>
+          <p:nvPr/>
+        </p:nvSpPr>
+        <p:spPr>
+          <a:xfrm>
+            <a:off x="10152184" y="3093063"/>
+            <a:ext cx="1787029" cy="461665"/>
+          </a:xfrm>
+          <a:prstGeom prst="rect">
+            <a:avLst/>
+          </a:prstGeom>
+          <a:noFill/>
+        </p:spPr>
+        <p:txBody>
+          <a:bodyPr wrap="square" rtlCol="0">
+            <a:spAutoFit/>
+          </a:bodyPr>
+          <a:lstStyle/>
+          <a:p>
+            <a:r>
+              <a:rPr lang="zh-CN" altLang="en-US" sz="2400" dirty="0">
+                <a:solidFill>
+                  <a:schemeClr val="bg1"/>
+                </a:solidFill>
+                <a:latin typeface="微软雅黑" panose="020B0503020204020204" pitchFamily="34" charset="-122"/>
+                <a:ea typeface="微软雅黑" panose="020B0503020204020204" pitchFamily="34" charset="-122"/>
+              </a:rPr>
+              <a:t>详细功能</a:t>
+            </a:r>
+          </a:p>
+        </p:txBody>
+      </p:sp>
+      <p:sp>
+        <p:nvSpPr>
+          <p:cNvPr id="10" name="文本框 9">
+            <a:extLst>
+              <a:ext uri="{FF2B5EF4-FFF2-40B4-BE49-F238E27FC236}">
+                <a16:creationId xmlns:a16="http://schemas.microsoft.com/office/drawing/2014/main" id="{27A0E5DB-D422-4E12-B8EB-7BB0D3CACBDE}"/>
+              </a:ext>
+            </a:extLst>
+          </p:cNvPr>
+          <p:cNvSpPr txBox="1"/>
+          <p:nvPr/>
+        </p:nvSpPr>
+        <p:spPr>
+          <a:xfrm>
+            <a:off x="10173628" y="2512197"/>
+            <a:ext cx="1787029" cy="461665"/>
+          </a:xfrm>
+          <a:prstGeom prst="rect">
+            <a:avLst/>
+          </a:prstGeom>
+          <a:noFill/>
+        </p:spPr>
+        <p:txBody>
+          <a:bodyPr wrap="square" rtlCol="0">
+            <a:spAutoFit/>
+          </a:bodyPr>
+          <a:lstStyle/>
+          <a:p>
+            <a:r>
+              <a:rPr lang="zh-CN" altLang="en-US" sz="2400" dirty="0">
+                <a:solidFill>
+                  <a:schemeClr val="bg1">
+                    <a:lumMod val="65000"/>
+                  </a:schemeClr>
+                </a:solidFill>
+                <a:latin typeface="微软雅黑" panose="020B0503020204020204" pitchFamily="34" charset="-122"/>
+                <a:ea typeface="微软雅黑" panose="020B0503020204020204" pitchFamily="34" charset="-122"/>
+              </a:rPr>
+              <a:t>设计思路</a:t>
+            </a:r>
+          </a:p>
+        </p:txBody>
+      </p:sp>
+      <p:sp>
+        <p:nvSpPr>
+          <p:cNvPr id="11" name="文本框 10">
+            <a:extLst>
+              <a:ext uri="{FF2B5EF4-FFF2-40B4-BE49-F238E27FC236}">
+                <a16:creationId xmlns:a16="http://schemas.microsoft.com/office/drawing/2014/main" id="{AB75D0CA-4431-4528-AF82-1AA4696E8E8B}"/>
+              </a:ext>
+            </a:extLst>
+          </p:cNvPr>
+          <p:cNvSpPr txBox="1"/>
+          <p:nvPr/>
+        </p:nvSpPr>
+        <p:spPr>
+          <a:xfrm>
+            <a:off x="10173628" y="3744081"/>
+            <a:ext cx="1787029" cy="461665"/>
+          </a:xfrm>
+          <a:prstGeom prst="rect">
+            <a:avLst/>
+          </a:prstGeom>
+          <a:noFill/>
+        </p:spPr>
+        <p:txBody>
+          <a:bodyPr wrap="square" rtlCol="0">
+            <a:spAutoFit/>
+          </a:bodyPr>
+          <a:lstStyle/>
+          <a:p>
+            <a:r>
+              <a:rPr lang="zh-CN" altLang="en-US" sz="2400" dirty="0">
+                <a:solidFill>
+                  <a:schemeClr val="bg1">
+                    <a:lumMod val="65000"/>
+                  </a:schemeClr>
+                </a:solidFill>
+                <a:latin typeface="微软雅黑" panose="020B0503020204020204" pitchFamily="34" charset="-122"/>
+                <a:ea typeface="微软雅黑" panose="020B0503020204020204" pitchFamily="34" charset="-122"/>
+              </a:rPr>
+              <a:t>项目亮点</a:t>
+            </a:r>
+          </a:p>
+        </p:txBody>
+      </p:sp>
+      <p:sp>
+        <p:nvSpPr>
+          <p:cNvPr id="12" name="文本框 11">
+            <a:extLst>
+              <a:ext uri="{FF2B5EF4-FFF2-40B4-BE49-F238E27FC236}">
+                <a16:creationId xmlns:a16="http://schemas.microsoft.com/office/drawing/2014/main" id="{80DF9AC0-A883-4B1E-B9D8-8FD4B7760045}"/>
+              </a:ext>
+            </a:extLst>
+          </p:cNvPr>
+          <p:cNvSpPr txBox="1"/>
+          <p:nvPr/>
+        </p:nvSpPr>
+        <p:spPr>
+          <a:xfrm>
+            <a:off x="10173628" y="4324947"/>
+            <a:ext cx="1787029" cy="461665"/>
+          </a:xfrm>
+          <a:prstGeom prst="rect">
+            <a:avLst/>
+          </a:prstGeom>
+          <a:noFill/>
+        </p:spPr>
+        <p:txBody>
+          <a:bodyPr wrap="square" rtlCol="0">
+            <a:spAutoFit/>
+          </a:bodyPr>
+          <a:lstStyle/>
+          <a:p>
+            <a:r>
+              <a:rPr lang="zh-CN" altLang="en-US" sz="2400" dirty="0">
+                <a:solidFill>
+                  <a:schemeClr val="bg1">
+                    <a:lumMod val="65000"/>
+                  </a:schemeClr>
+                </a:solidFill>
+                <a:latin typeface="微软雅黑" panose="020B0503020204020204" pitchFamily="34" charset="-122"/>
+                <a:ea typeface="微软雅黑" panose="020B0503020204020204" pitchFamily="34" charset="-122"/>
+              </a:rPr>
+              <a:t>心得体会</a:t>
+            </a:r>
+          </a:p>
+        </p:txBody>
+      </p:sp>
+      <p:sp>
+        <p:nvSpPr>
+          <p:cNvPr id="5" name="文本框 4">
+            <a:extLst>
+              <a:ext uri="{FF2B5EF4-FFF2-40B4-BE49-F238E27FC236}">
+                <a16:creationId xmlns:a16="http://schemas.microsoft.com/office/drawing/2014/main" id="{45D93B7D-8A09-EA2B-3D30-EBBEF7901A8D}"/>
+              </a:ext>
+            </a:extLst>
+          </p:cNvPr>
+          <p:cNvSpPr txBox="1"/>
+          <p:nvPr/>
+        </p:nvSpPr>
+        <p:spPr>
+          <a:xfrm>
+            <a:off x="968457" y="5967691"/>
+            <a:ext cx="8461870" cy="523220"/>
+          </a:xfrm>
+          <a:prstGeom prst="rect">
+            <a:avLst/>
+          </a:prstGeom>
+          <a:noFill/>
+        </p:spPr>
+        <p:txBody>
+          <a:bodyPr wrap="square" rtlCol="0">
+            <a:spAutoFit/>
+          </a:bodyPr>
+          <a:lstStyle/>
+          <a:p>
+            <a:r>
+              <a:rPr lang="en-US" altLang="zh-CN" sz="2800" kern="100" dirty="0">
+                <a:latin typeface="等线" panose="02010600030101010101" pitchFamily="2" charset="-122"/>
+                <a:ea typeface="等线" panose="02010600030101010101" pitchFamily="2" charset="-122"/>
+                <a:cs typeface="Times New Roman" panose="02020603050405020304" pitchFamily="18" charset="0"/>
+              </a:rPr>
+              <a:t>2. </a:t>
+            </a:r>
+            <a:r>
+              <a:rPr lang="zh-CN" altLang="en-US" sz="2800" kern="100" dirty="0">
+                <a:latin typeface="等线" panose="02010600030101010101" pitchFamily="2" charset="-122"/>
+                <a:ea typeface="等线" panose="02010600030101010101" pitchFamily="2" charset="-122"/>
+                <a:cs typeface="Times New Roman" panose="02020603050405020304" pitchFamily="18" charset="0"/>
+              </a:rPr>
+              <a:t>课程讨论区留言板，促进交流学习，营造互助氛围。</a:t>
+            </a:r>
+            <a:endParaRPr lang="zh-CN" altLang="en-US" sz="2800" kern="100" dirty="0">
+              <a:effectLst/>
+              <a:latin typeface="等线" panose="02010600030101010101" pitchFamily="2" charset="-122"/>
+              <a:ea typeface="等线" panose="02010600030101010101" pitchFamily="2" charset="-122"/>
+              <a:cs typeface="Times New Roman" panose="02020603050405020304" pitchFamily="18" charset="0"/>
+            </a:endParaRPr>
+          </a:p>
+        </p:txBody>
+      </p:sp>
+      <p:pic>
+        <p:nvPicPr>
+          <p:cNvPr id="19" name="图片 18">
+            <a:extLst>
+              <a:ext uri="{FF2B5EF4-FFF2-40B4-BE49-F238E27FC236}">
+                <a16:creationId xmlns:a16="http://schemas.microsoft.com/office/drawing/2014/main" id="{21181825-0412-E4C7-7DEF-A0C950CE2F06}"/>
+              </a:ext>
+            </a:extLst>
+          </p:cNvPr>
+          <p:cNvPicPr>
+            <a:picLocks noChangeAspect="1"/>
+          </p:cNvPicPr>
+          <p:nvPr/>
+        </p:nvPicPr>
+        <p:blipFill>
+          <a:blip r:embed="rId4"/>
+          <a:stretch>
+            <a:fillRect/>
+          </a:stretch>
+        </p:blipFill>
+        <p:spPr>
+          <a:xfrm>
+            <a:off x="2501808" y="1128410"/>
+            <a:ext cx="5177152" cy="4390969"/>
+          </a:xfrm>
+          <a:prstGeom prst="rect">
+            <a:avLst/>
+          </a:prstGeom>
+          <a:effectLst>
+            <a:outerShdw blurRad="50800" dist="38100" dir="2700000" sx="105000" sy="105000" algn="tl" rotWithShape="0">
+              <a:prstClr val="black">
+                <a:alpha val="40000"/>
+              </a:prstClr>
+            </a:outerShdw>
+          </a:effectLst>
+        </p:spPr>
+      </p:pic>
+    </p:spTree>
+    <p:extLst>
+      <p:ext uri="{BB962C8B-B14F-4D97-AF65-F5344CB8AC3E}">
+        <p14:creationId xmlns:p14="http://schemas.microsoft.com/office/powerpoint/2010/main" val="71292838"/>
+      </p:ext>
+    </p:extLst>
+  </p:cSld>
+  <p:clrMapOvr>
+    <a:masterClrMapping/>
+  </p:clrMapOvr>
+  <p:timing>
+    <p:tnLst>
+      <p:par>
+        <p:cTn id="1" dur="indefinite" restart="never" nodeType="tmRoot">
+          <p:childTnLst>
+            <p:seq concurrent="1" nextAc="seek">
+              <p:cTn id="2" dur="indefinite" nodeType="mainSeq">
+                <p:childTnLst>
+                  <p:par>
+                    <p:cTn id="3" fill="hold">
+                      <p:stCondLst>
+                        <p:cond delay="indefinite"/>
+                      </p:stCondLst>
+                      <p:childTnLst>
+                        <p:par>
+                          <p:cTn id="4" fill="hold">
+                            <p:stCondLst>
+                              <p:cond delay="0"/>
+                            </p:stCondLst>
+                            <p:childTnLst>
+                              <p:par>
+                                <p:cTn id="5" presetID="42" presetClass="entr" presetSubtype="0" fill="hold" nodeType="clickEffect">
+                                  <p:stCondLst>
+                                    <p:cond delay="0"/>
+                                  </p:stCondLst>
+                                  <p:childTnLst>
+                                    <p:set>
+                                      <p:cBhvr>
+                                        <p:cTn id="6" dur="1" fill="hold">
+                                          <p:stCondLst>
+                                            <p:cond delay="0"/>
+                                          </p:stCondLst>
+                                        </p:cTn>
+                                        <p:tgtEl>
+                                          <p:spTgt spid="19"/>
+                                        </p:tgtEl>
+                                        <p:attrNameLst>
+                                          <p:attrName>style.visibility</p:attrName>
+                                        </p:attrNameLst>
+                                      </p:cBhvr>
+                                      <p:to>
+                                        <p:strVal val="visible"/>
+                                      </p:to>
+                                    </p:set>
+                                    <p:animEffect transition="in" filter="fade">
+                                      <p:cBhvr>
+                                        <p:cTn id="7" dur="1000"/>
+                                        <p:tgtEl>
+                                          <p:spTgt spid="19"/>
+                                        </p:tgtEl>
+                                      </p:cBhvr>
+                                    </p:animEffect>
+                                    <p:anim calcmode="lin" valueType="num">
+                                      <p:cBhvr>
+                                        <p:cTn id="8" dur="1000" fill="hold"/>
+                                        <p:tgtEl>
+                                          <p:spTgt spid="19"/>
+                                        </p:tgtEl>
+                                        <p:attrNameLst>
+                                          <p:attrName>ppt_x</p:attrName>
+                                        </p:attrNameLst>
+                                      </p:cBhvr>
+                                      <p:tavLst>
+                                        <p:tav tm="0">
+                                          <p:val>
+                                            <p:strVal val="#ppt_x"/>
+                                          </p:val>
+                                        </p:tav>
+                                        <p:tav tm="100000">
+                                          <p:val>
+                                            <p:strVal val="#ppt_x"/>
+                                          </p:val>
+                                        </p:tav>
+                                      </p:tavLst>
+                                    </p:anim>
+                                    <p:anim calcmode="lin" valueType="num">
+                                      <p:cBhvr>
+                                        <p:cTn id="9" dur="1000" fill="hold"/>
+                                        <p:tgtEl>
+                                          <p:spTgt spid="19"/>
+                                        </p:tgtEl>
+                                        <p:attrNameLst>
+                                          <p:attrName>ppt_y</p:attrName>
+                                        </p:attrNameLst>
+                                      </p:cBhvr>
+                                      <p:tavLst>
+                                        <p:tav tm="0">
+                                          <p:val>
+                                            <p:strVal val="#ppt_y+.1"/>
+                                          </p:val>
+                                        </p:tav>
+                                        <p:tav tm="100000">
+                                          <p:val>
+                                            <p:strVal val="#ppt_y"/>
+                                          </p:val>
+                                        </p:tav>
+                                      </p:tavLst>
+                                    </p:anim>
+                                  </p:childTnLst>
+                                </p:cTn>
+                              </p:par>
+                            </p:childTnLst>
+                          </p:cTn>
+                        </p:par>
+                      </p:childTnLst>
+                    </p:cTn>
+                  </p:par>
+                </p:childTnLst>
+              </p:cTn>
+              <p:prevCondLst>
+                <p:cond evt="onPrev" delay="0">
+                  <p:tgtEl>
+                    <p:sldTgt/>
+                  </p:tgtEl>
+                </p:cond>
+              </p:prevCondLst>
+              <p:nextCondLst>
+                <p:cond evt="onNext" delay="0">
+                  <p:tgtEl>
+                    <p:sldTgt/>
+                  </p:tgtEl>
+                </p:cond>
+              </p:nextCondLst>
+            </p:seq>
+          </p:childTnLst>
+        </p:cTn>
+      </p:par>
+    </p:tnLst>
+  </p:timing>
+</p:sld>
+</file>
+
+<file path=ppt/slides/slide18.xml><?xml version="1.0" encoding="utf-8"?>
 <p:sld xmlns:a="http://schemas.openxmlformats.org/drawingml/2006/main" xmlns:r="http://schemas.openxmlformats.org/officeDocument/2006/relationships" xmlns:p="http://schemas.openxmlformats.org/presentationml/2006/main">
   <p:cSld>
     <p:spTree>
@@ -6058,7 +9746,7 @@
 </p:sld>
 </file>
 
-<file path=ppt/slides/slide13.xml><?xml version="1.0" encoding="utf-8"?>
+<file path=ppt/slides/slide19.xml><?xml version="1.0" encoding="utf-8"?>
 <p:sld xmlns:a="http://schemas.openxmlformats.org/drawingml/2006/main" xmlns:r="http://schemas.openxmlformats.org/officeDocument/2006/relationships" xmlns:p="http://schemas.openxmlformats.org/presentationml/2006/main">
   <p:cSld>
     <p:spTree>
@@ -6432,7 +10120,7 @@
                 <a:latin typeface="微软雅黑" panose="020B0503020204020204" pitchFamily="34" charset="-122"/>
                 <a:ea typeface="微软雅黑" panose="020B0503020204020204" pitchFamily="34" charset="-122"/>
               </a:rPr>
-              <a:t>程序测试</a:t>
+              <a:t>项目亮点</a:t>
             </a:r>
           </a:p>
         </p:txBody>
@@ -6526,7 +10214,7 @@
                 <a:ea typeface="等线" panose="02010600030101010101" pitchFamily="2" charset="-122"/>
                 <a:cs typeface="Times New Roman" panose="02020603050405020304" pitchFamily="18" charset="0"/>
               </a:rPr>
-              <a:t>1.	</a:t>
+              <a:t>1. </a:t>
             </a:r>
             <a:r>
               <a:rPr lang="zh-CN" altLang="en-US" sz="2800" kern="100" dirty="0">
@@ -6546,7 +10234,7 @@
                 <a:ea typeface="等线" panose="02010600030101010101" pitchFamily="2" charset="-122"/>
                 <a:cs typeface="Times New Roman" panose="02020603050405020304" pitchFamily="18" charset="0"/>
               </a:rPr>
-              <a:t>2.	</a:t>
+              <a:t>2. </a:t>
             </a:r>
             <a:r>
               <a:rPr lang="zh-CN" altLang="en-US" sz="2800" kern="100" dirty="0">
@@ -6566,7 +10254,7 @@
                 <a:ea typeface="等线" panose="02010600030101010101" pitchFamily="2" charset="-122"/>
                 <a:cs typeface="Times New Roman" panose="02020603050405020304" pitchFamily="18" charset="0"/>
               </a:rPr>
-              <a:t>3.	html</a:t>
+              <a:t>3. html</a:t>
             </a:r>
             <a:r>
               <a:rPr lang="zh-CN" altLang="en-US" sz="2800" kern="100" dirty="0">
@@ -6586,7 +10274,7 @@
                 <a:ea typeface="等线" panose="02010600030101010101" pitchFamily="2" charset="-122"/>
                 <a:cs typeface="Times New Roman" panose="02020603050405020304" pitchFamily="18" charset="0"/>
               </a:rPr>
-              <a:t>4.	</a:t>
+              <a:t>4. </a:t>
             </a:r>
             <a:r>
               <a:rPr lang="zh-CN" altLang="en-US" sz="2800" kern="100" dirty="0">
@@ -6606,7 +10294,7 @@
                 <a:ea typeface="等线" panose="02010600030101010101" pitchFamily="2" charset="-122"/>
                 <a:cs typeface="Times New Roman" panose="02020603050405020304" pitchFamily="18" charset="0"/>
               </a:rPr>
-              <a:t>5.	</a:t>
+              <a:t>5. </a:t>
             </a:r>
             <a:r>
               <a:rPr lang="zh-CN" altLang="en-US" sz="2800" kern="100" dirty="0">
@@ -6626,7 +10314,7 @@
                 <a:ea typeface="等线" panose="02010600030101010101" pitchFamily="2" charset="-122"/>
                 <a:cs typeface="Times New Roman" panose="02020603050405020304" pitchFamily="18" charset="0"/>
               </a:rPr>
-              <a:t>6.	</a:t>
+              <a:t>6. </a:t>
             </a:r>
             <a:r>
               <a:rPr lang="zh-CN" altLang="en-US" sz="2800" kern="100" dirty="0">
@@ -6664,7 +10352,7 @@
                 <a:ea typeface="等线" panose="02010600030101010101" pitchFamily="2" charset="-122"/>
                 <a:cs typeface="Times New Roman" panose="02020603050405020304" pitchFamily="18" charset="0"/>
               </a:rPr>
-              <a:t>7.	</a:t>
+              <a:t>7. </a:t>
             </a:r>
             <a:r>
               <a:rPr lang="zh-CN" altLang="en-US" sz="2800" kern="100" dirty="0">
@@ -6711,292 +10399,6 @@
     <p:extLst>
       <p:ext uri="{BB962C8B-B14F-4D97-AF65-F5344CB8AC3E}">
         <p14:creationId xmlns:p14="http://schemas.microsoft.com/office/powerpoint/2010/main" val="327565317"/>
-      </p:ext>
-    </p:extLst>
-  </p:cSld>
-  <p:clrMapOvr>
-    <a:masterClrMapping/>
-  </p:clrMapOvr>
-</p:sld>
-</file>
-
-<file path=ppt/slides/slide14.xml><?xml version="1.0" encoding="utf-8"?>
-<p:sld xmlns:a="http://schemas.openxmlformats.org/drawingml/2006/main" xmlns:r="http://schemas.openxmlformats.org/officeDocument/2006/relationships" xmlns:p="http://schemas.openxmlformats.org/presentationml/2006/main">
-  <p:cSld>
-    <p:spTree>
-      <p:nvGrpSpPr>
-        <p:cNvPr id="1" name=""/>
-        <p:cNvGrpSpPr/>
-        <p:nvPr/>
-      </p:nvGrpSpPr>
-      <p:grpSpPr>
-        <a:xfrm>
-          <a:off x="0" y="0"/>
-          <a:ext cx="0" cy="0"/>
-          <a:chOff x="0" y="0"/>
-          <a:chExt cx="0" cy="0"/>
-        </a:xfrm>
-      </p:grpSpPr>
-      <p:pic>
-        <p:nvPicPr>
-          <p:cNvPr id="11" name="图形 10">
-            <a:extLst>
-              <a:ext uri="{FF2B5EF4-FFF2-40B4-BE49-F238E27FC236}">
-                <a16:creationId xmlns:a16="http://schemas.microsoft.com/office/drawing/2014/main" id="{581902B6-01BB-4415-B0CE-7125A3AB47FD}"/>
-              </a:ext>
-            </a:extLst>
-          </p:cNvPr>
-          <p:cNvPicPr>
-            <a:picLocks noChangeAspect="1"/>
-          </p:cNvPicPr>
-          <p:nvPr/>
-        </p:nvPicPr>
-        <p:blipFill>
-          <a:blip r:embed="rId3">
-            <a:extLst>
-              <a:ext uri="{28A0092B-C50C-407E-A947-70E740481C1C}">
-                <a14:useLocalDpi xmlns:a14="http://schemas.microsoft.com/office/drawing/2010/main" val="0"/>
-              </a:ext>
-              <a:ext uri="{96DAC541-7B7A-43D3-8B79-37D633B846F1}">
-                <asvg:svgBlip xmlns:asvg="http://schemas.microsoft.com/office/drawing/2016/SVG/main" r:embed="rId4"/>
-              </a:ext>
-            </a:extLst>
-          </a:blip>
-          <a:stretch>
-            <a:fillRect/>
-          </a:stretch>
-        </p:blipFill>
-        <p:spPr>
-          <a:xfrm>
-            <a:off x="3457074" y="629136"/>
-            <a:ext cx="5277852" cy="5445404"/>
-          </a:xfrm>
-          <a:prstGeom prst="rect">
-            <a:avLst/>
-          </a:prstGeom>
-        </p:spPr>
-      </p:pic>
-      <p:sp>
-        <p:nvSpPr>
-          <p:cNvPr id="3" name="矩形 2">
-            <a:extLst>
-              <a:ext uri="{FF2B5EF4-FFF2-40B4-BE49-F238E27FC236}">
-                <a16:creationId xmlns:a16="http://schemas.microsoft.com/office/drawing/2014/main" id="{BA8A364C-FA08-47AA-BD76-0C6E8ED0C094}"/>
-              </a:ext>
-            </a:extLst>
-          </p:cNvPr>
-          <p:cNvSpPr/>
-          <p:nvPr/>
-        </p:nvSpPr>
-        <p:spPr>
-          <a:xfrm flipV="1">
-            <a:off x="0" y="3667956"/>
-            <a:ext cx="12192000" cy="3190043"/>
-          </a:xfrm>
-          <a:prstGeom prst="rect">
-            <a:avLst/>
-          </a:prstGeom>
-          <a:solidFill>
-            <a:srgbClr val="3843B3"/>
-          </a:solidFill>
-          <a:ln>
-            <a:noFill/>
-          </a:ln>
-        </p:spPr>
-        <p:style>
-          <a:lnRef idx="2">
-            <a:schemeClr val="accent1">
-              <a:shade val="50000"/>
-            </a:schemeClr>
-          </a:lnRef>
-          <a:fillRef idx="1">
-            <a:schemeClr val="accent1"/>
-          </a:fillRef>
-          <a:effectRef idx="0">
-            <a:schemeClr val="accent1"/>
-          </a:effectRef>
-          <a:fontRef idx="minor">
-            <a:schemeClr val="lt1"/>
-          </a:fontRef>
-        </p:style>
-        <p:txBody>
-          <a:bodyPr rtlCol="0" anchor="ctr"/>
-          <a:lstStyle/>
-          <a:p>
-            <a:pPr marL="0" marR="0" lvl="0" indent="0" algn="ctr" defTabSz="914400" rtl="0" eaLnBrk="1" fontAlgn="auto" latinLnBrk="0" hangingPunct="1">
-              <a:lnSpc>
-                <a:spcPct val="100000"/>
-              </a:lnSpc>
-              <a:spcBef>
-                <a:spcPts val="0"/>
-              </a:spcBef>
-              <a:spcAft>
-                <a:spcPts val="0"/>
-              </a:spcAft>
-              <a:buClrTx/>
-              <a:buSzTx/>
-              <a:buFontTx/>
-              <a:buNone/>
-              <a:tabLst/>
-              <a:defRPr/>
-            </a:pPr>
-            <a:endParaRPr kumimoji="0" lang="zh-CN" altLang="en-US" sz="1800" b="0" i="0" u="none" strike="noStrike" kern="1200" cap="none" spc="0" normalizeH="0" baseline="0" noProof="0">
-              <a:ln>
-                <a:noFill/>
-              </a:ln>
-              <a:solidFill>
-                <a:prstClr val="white"/>
-              </a:solidFill>
-              <a:effectLst/>
-              <a:uLnTx/>
-              <a:uFillTx/>
-              <a:latin typeface="Sitka Text"/>
-              <a:ea typeface="微软雅黑 Light"/>
-              <a:cs typeface="+mn-cs"/>
-            </a:endParaRPr>
-          </a:p>
-        </p:txBody>
-      </p:sp>
-      <p:pic>
-        <p:nvPicPr>
-          <p:cNvPr id="13" name="图形 12">
-            <a:extLst>
-              <a:ext uri="{FF2B5EF4-FFF2-40B4-BE49-F238E27FC236}">
-                <a16:creationId xmlns:a16="http://schemas.microsoft.com/office/drawing/2014/main" id="{CBFF470B-826F-42F8-BE99-0C03C589CFD6}"/>
-              </a:ext>
-            </a:extLst>
-          </p:cNvPr>
-          <p:cNvPicPr>
-            <a:picLocks noChangeAspect="1"/>
-          </p:cNvPicPr>
-          <p:nvPr/>
-        </p:nvPicPr>
-        <p:blipFill>
-          <a:blip r:embed="rId5">
-            <a:extLst>
-              <a:ext uri="{28A0092B-C50C-407E-A947-70E740481C1C}">
-                <a14:useLocalDpi xmlns:a14="http://schemas.microsoft.com/office/drawing/2010/main" val="0"/>
-              </a:ext>
-              <a:ext uri="{96DAC541-7B7A-43D3-8B79-37D633B846F1}">
-                <asvg:svgBlip xmlns:asvg="http://schemas.microsoft.com/office/drawing/2016/SVG/main" r:embed="rId6"/>
-              </a:ext>
-            </a:extLst>
-          </a:blip>
-          <a:stretch>
-            <a:fillRect/>
-          </a:stretch>
-        </p:blipFill>
-        <p:spPr>
-          <a:xfrm>
-            <a:off x="3457074" y="680577"/>
-            <a:ext cx="5277852" cy="5445404"/>
-          </a:xfrm>
-          <a:prstGeom prst="rect">
-            <a:avLst/>
-          </a:prstGeom>
-        </p:spPr>
-      </p:pic>
-      <p:sp>
-        <p:nvSpPr>
-          <p:cNvPr id="2" name="文本框 1">
-            <a:extLst>
-              <a:ext uri="{FF2B5EF4-FFF2-40B4-BE49-F238E27FC236}">
-                <a16:creationId xmlns:a16="http://schemas.microsoft.com/office/drawing/2014/main" id="{807646AB-D820-4F65-A736-C7F6C0D343B5}"/>
-              </a:ext>
-            </a:extLst>
-          </p:cNvPr>
-          <p:cNvSpPr txBox="1"/>
-          <p:nvPr/>
-        </p:nvSpPr>
-        <p:spPr>
-          <a:xfrm>
-            <a:off x="4341809" y="2836949"/>
-            <a:ext cx="3508381" cy="923330"/>
-          </a:xfrm>
-          <a:prstGeom prst="rect">
-            <a:avLst/>
-          </a:prstGeom>
-          <a:noFill/>
-        </p:spPr>
-        <p:txBody>
-          <a:bodyPr wrap="square" rtlCol="0">
-            <a:spAutoFit/>
-          </a:bodyPr>
-          <a:lstStyle/>
-          <a:p>
-            <a:pPr algn="dist"/>
-            <a:r>
-              <a:rPr lang="zh-CN" altLang="en-US" sz="5400" b="1" dirty="0">
-                <a:solidFill>
-                  <a:srgbClr val="3843B3"/>
-                </a:solidFill>
-                <a:latin typeface="微软雅黑" panose="020B0503020204020204" pitchFamily="34" charset="-122"/>
-                <a:ea typeface="微软雅黑" panose="020B0503020204020204" pitchFamily="34" charset="-122"/>
-              </a:rPr>
-              <a:t>感谢聆听</a:t>
-            </a:r>
-          </a:p>
-        </p:txBody>
-      </p:sp>
-      <p:sp>
-        <p:nvSpPr>
-          <p:cNvPr id="12" name="文本框 11">
-            <a:extLst>
-              <a:ext uri="{FF2B5EF4-FFF2-40B4-BE49-F238E27FC236}">
-                <a16:creationId xmlns:a16="http://schemas.microsoft.com/office/drawing/2014/main" id="{36B348A0-E2B4-4838-9262-54ACCE0FC586}"/>
-              </a:ext>
-            </a:extLst>
-          </p:cNvPr>
-          <p:cNvSpPr txBox="1"/>
-          <p:nvPr/>
-        </p:nvSpPr>
-        <p:spPr>
-          <a:xfrm>
-            <a:off x="4341809" y="3707963"/>
-            <a:ext cx="3508381" cy="400110"/>
-          </a:xfrm>
-          <a:prstGeom prst="rect">
-            <a:avLst/>
-          </a:prstGeom>
-          <a:noFill/>
-        </p:spPr>
-        <p:txBody>
-          <a:bodyPr wrap="square" rtlCol="0">
-            <a:spAutoFit/>
-          </a:bodyPr>
-          <a:lstStyle/>
-          <a:p>
-            <a:pPr algn="dist"/>
-            <a:r>
-              <a:rPr lang="en-US" altLang="zh-CN" sz="2000" b="1" dirty="0">
-                <a:ln>
-                  <a:solidFill>
-                    <a:schemeClr val="bg1"/>
-                  </a:solidFill>
-                </a:ln>
-                <a:noFill/>
-                <a:latin typeface="Novecento wide Bold" panose="00000805000000000000" pitchFamily="50" charset="0"/>
-                <a:ea typeface="思源黑体 Medium" panose="020B0600000000000000" pitchFamily="34" charset="-122"/>
-              </a:rPr>
-              <a:t>Thanks for listening</a:t>
-            </a:r>
-            <a:endParaRPr lang="zh-CN" altLang="en-US" sz="2000" b="1" dirty="0">
-              <a:ln>
-                <a:solidFill>
-                  <a:schemeClr val="bg1"/>
-                </a:solidFill>
-              </a:ln>
-              <a:noFill/>
-              <a:latin typeface="Novecento wide Bold" panose="00000805000000000000" pitchFamily="50" charset="0"/>
-              <a:ea typeface="思源黑体 Medium" panose="020B0600000000000000" pitchFamily="34" charset="-122"/>
-            </a:endParaRPr>
-          </a:p>
-        </p:txBody>
-      </p:sp>
-    </p:spTree>
-    <p:extLst>
-      <p:ext uri="{BB962C8B-B14F-4D97-AF65-F5344CB8AC3E}">
-        <p14:creationId xmlns:p14="http://schemas.microsoft.com/office/powerpoint/2010/main" val="1616680486"/>
       </p:ext>
     </p:extLst>
   </p:cSld>
@@ -8229,7 +11631,7 @@
                 <a:latin typeface="微软雅黑" panose="020B0503020204020204" pitchFamily="34" charset="-122"/>
                 <a:ea typeface="微软雅黑" panose="020B0503020204020204" pitchFamily="34" charset="-122"/>
               </a:rPr>
-              <a:t>详细功能设计</a:t>
+              <a:t>详细功能</a:t>
             </a:r>
           </a:p>
         </p:txBody>
@@ -8272,7 +11674,7 @@
                 <a:latin typeface="微软雅黑" panose="020B0503020204020204" pitchFamily="34" charset="-122"/>
                 <a:ea typeface="微软雅黑" panose="020B0503020204020204" pitchFamily="34" charset="-122"/>
               </a:rPr>
-              <a:t>程序测试</a:t>
+              <a:t>项目亮点</a:t>
             </a:r>
           </a:p>
         </p:txBody>
@@ -8594,6 +11996,292 @@
     <p:extLst>
       <p:ext uri="{BB962C8B-B14F-4D97-AF65-F5344CB8AC3E}">
         <p14:creationId xmlns:p14="http://schemas.microsoft.com/office/powerpoint/2010/main" val="496080086"/>
+      </p:ext>
+    </p:extLst>
+  </p:cSld>
+  <p:clrMapOvr>
+    <a:masterClrMapping/>
+  </p:clrMapOvr>
+</p:sld>
+</file>
+
+<file path=ppt/slides/slide20.xml><?xml version="1.0" encoding="utf-8"?>
+<p:sld xmlns:a="http://schemas.openxmlformats.org/drawingml/2006/main" xmlns:r="http://schemas.openxmlformats.org/officeDocument/2006/relationships" xmlns:p="http://schemas.openxmlformats.org/presentationml/2006/main">
+  <p:cSld>
+    <p:spTree>
+      <p:nvGrpSpPr>
+        <p:cNvPr id="1" name=""/>
+        <p:cNvGrpSpPr/>
+        <p:nvPr/>
+      </p:nvGrpSpPr>
+      <p:grpSpPr>
+        <a:xfrm>
+          <a:off x="0" y="0"/>
+          <a:ext cx="0" cy="0"/>
+          <a:chOff x="0" y="0"/>
+          <a:chExt cx="0" cy="0"/>
+        </a:xfrm>
+      </p:grpSpPr>
+      <p:pic>
+        <p:nvPicPr>
+          <p:cNvPr id="11" name="图形 10">
+            <a:extLst>
+              <a:ext uri="{FF2B5EF4-FFF2-40B4-BE49-F238E27FC236}">
+                <a16:creationId xmlns:a16="http://schemas.microsoft.com/office/drawing/2014/main" id="{581902B6-01BB-4415-B0CE-7125A3AB47FD}"/>
+              </a:ext>
+            </a:extLst>
+          </p:cNvPr>
+          <p:cNvPicPr>
+            <a:picLocks noChangeAspect="1"/>
+          </p:cNvPicPr>
+          <p:nvPr/>
+        </p:nvPicPr>
+        <p:blipFill>
+          <a:blip r:embed="rId3">
+            <a:extLst>
+              <a:ext uri="{28A0092B-C50C-407E-A947-70E740481C1C}">
+                <a14:useLocalDpi xmlns:a14="http://schemas.microsoft.com/office/drawing/2010/main" val="0"/>
+              </a:ext>
+              <a:ext uri="{96DAC541-7B7A-43D3-8B79-37D633B846F1}">
+                <asvg:svgBlip xmlns:asvg="http://schemas.microsoft.com/office/drawing/2016/SVG/main" r:embed="rId4"/>
+              </a:ext>
+            </a:extLst>
+          </a:blip>
+          <a:stretch>
+            <a:fillRect/>
+          </a:stretch>
+        </p:blipFill>
+        <p:spPr>
+          <a:xfrm>
+            <a:off x="3457074" y="629136"/>
+            <a:ext cx="5277852" cy="5445404"/>
+          </a:xfrm>
+          <a:prstGeom prst="rect">
+            <a:avLst/>
+          </a:prstGeom>
+        </p:spPr>
+      </p:pic>
+      <p:sp>
+        <p:nvSpPr>
+          <p:cNvPr id="3" name="矩形 2">
+            <a:extLst>
+              <a:ext uri="{FF2B5EF4-FFF2-40B4-BE49-F238E27FC236}">
+                <a16:creationId xmlns:a16="http://schemas.microsoft.com/office/drawing/2014/main" id="{BA8A364C-FA08-47AA-BD76-0C6E8ED0C094}"/>
+              </a:ext>
+            </a:extLst>
+          </p:cNvPr>
+          <p:cNvSpPr/>
+          <p:nvPr/>
+        </p:nvSpPr>
+        <p:spPr>
+          <a:xfrm flipV="1">
+            <a:off x="0" y="3667956"/>
+            <a:ext cx="12192000" cy="3190043"/>
+          </a:xfrm>
+          <a:prstGeom prst="rect">
+            <a:avLst/>
+          </a:prstGeom>
+          <a:solidFill>
+            <a:srgbClr val="3843B3"/>
+          </a:solidFill>
+          <a:ln>
+            <a:noFill/>
+          </a:ln>
+        </p:spPr>
+        <p:style>
+          <a:lnRef idx="2">
+            <a:schemeClr val="accent1">
+              <a:shade val="50000"/>
+            </a:schemeClr>
+          </a:lnRef>
+          <a:fillRef idx="1">
+            <a:schemeClr val="accent1"/>
+          </a:fillRef>
+          <a:effectRef idx="0">
+            <a:schemeClr val="accent1"/>
+          </a:effectRef>
+          <a:fontRef idx="minor">
+            <a:schemeClr val="lt1"/>
+          </a:fontRef>
+        </p:style>
+        <p:txBody>
+          <a:bodyPr rtlCol="0" anchor="ctr"/>
+          <a:lstStyle/>
+          <a:p>
+            <a:pPr marL="0" marR="0" lvl="0" indent="0" algn="ctr" defTabSz="914400" rtl="0" eaLnBrk="1" fontAlgn="auto" latinLnBrk="0" hangingPunct="1">
+              <a:lnSpc>
+                <a:spcPct val="100000"/>
+              </a:lnSpc>
+              <a:spcBef>
+                <a:spcPts val="0"/>
+              </a:spcBef>
+              <a:spcAft>
+                <a:spcPts val="0"/>
+              </a:spcAft>
+              <a:buClrTx/>
+              <a:buSzTx/>
+              <a:buFontTx/>
+              <a:buNone/>
+              <a:tabLst/>
+              <a:defRPr/>
+            </a:pPr>
+            <a:endParaRPr kumimoji="0" lang="zh-CN" altLang="en-US" sz="1800" b="0" i="0" u="none" strike="noStrike" kern="1200" cap="none" spc="0" normalizeH="0" baseline="0" noProof="0">
+              <a:ln>
+                <a:noFill/>
+              </a:ln>
+              <a:solidFill>
+                <a:prstClr val="white"/>
+              </a:solidFill>
+              <a:effectLst/>
+              <a:uLnTx/>
+              <a:uFillTx/>
+              <a:latin typeface="Sitka Text"/>
+              <a:ea typeface="微软雅黑 Light"/>
+              <a:cs typeface="+mn-cs"/>
+            </a:endParaRPr>
+          </a:p>
+        </p:txBody>
+      </p:sp>
+      <p:pic>
+        <p:nvPicPr>
+          <p:cNvPr id="13" name="图形 12">
+            <a:extLst>
+              <a:ext uri="{FF2B5EF4-FFF2-40B4-BE49-F238E27FC236}">
+                <a16:creationId xmlns:a16="http://schemas.microsoft.com/office/drawing/2014/main" id="{CBFF470B-826F-42F8-BE99-0C03C589CFD6}"/>
+              </a:ext>
+            </a:extLst>
+          </p:cNvPr>
+          <p:cNvPicPr>
+            <a:picLocks noChangeAspect="1"/>
+          </p:cNvPicPr>
+          <p:nvPr/>
+        </p:nvPicPr>
+        <p:blipFill>
+          <a:blip r:embed="rId5">
+            <a:extLst>
+              <a:ext uri="{28A0092B-C50C-407E-A947-70E740481C1C}">
+                <a14:useLocalDpi xmlns:a14="http://schemas.microsoft.com/office/drawing/2010/main" val="0"/>
+              </a:ext>
+              <a:ext uri="{96DAC541-7B7A-43D3-8B79-37D633B846F1}">
+                <asvg:svgBlip xmlns:asvg="http://schemas.microsoft.com/office/drawing/2016/SVG/main" r:embed="rId6"/>
+              </a:ext>
+            </a:extLst>
+          </a:blip>
+          <a:stretch>
+            <a:fillRect/>
+          </a:stretch>
+        </p:blipFill>
+        <p:spPr>
+          <a:xfrm>
+            <a:off x="3457074" y="680577"/>
+            <a:ext cx="5277852" cy="5445404"/>
+          </a:xfrm>
+          <a:prstGeom prst="rect">
+            <a:avLst/>
+          </a:prstGeom>
+        </p:spPr>
+      </p:pic>
+      <p:sp>
+        <p:nvSpPr>
+          <p:cNvPr id="2" name="文本框 1">
+            <a:extLst>
+              <a:ext uri="{FF2B5EF4-FFF2-40B4-BE49-F238E27FC236}">
+                <a16:creationId xmlns:a16="http://schemas.microsoft.com/office/drawing/2014/main" id="{807646AB-D820-4F65-A736-C7F6C0D343B5}"/>
+              </a:ext>
+            </a:extLst>
+          </p:cNvPr>
+          <p:cNvSpPr txBox="1"/>
+          <p:nvPr/>
+        </p:nvSpPr>
+        <p:spPr>
+          <a:xfrm>
+            <a:off x="4341809" y="2836949"/>
+            <a:ext cx="3508381" cy="923330"/>
+          </a:xfrm>
+          <a:prstGeom prst="rect">
+            <a:avLst/>
+          </a:prstGeom>
+          <a:noFill/>
+        </p:spPr>
+        <p:txBody>
+          <a:bodyPr wrap="square" rtlCol="0">
+            <a:spAutoFit/>
+          </a:bodyPr>
+          <a:lstStyle/>
+          <a:p>
+            <a:pPr algn="dist"/>
+            <a:r>
+              <a:rPr lang="zh-CN" altLang="en-US" sz="5400" b="1" dirty="0">
+                <a:solidFill>
+                  <a:srgbClr val="3843B3"/>
+                </a:solidFill>
+                <a:latin typeface="微软雅黑" panose="020B0503020204020204" pitchFamily="34" charset="-122"/>
+                <a:ea typeface="微软雅黑" panose="020B0503020204020204" pitchFamily="34" charset="-122"/>
+              </a:rPr>
+              <a:t>感谢聆听</a:t>
+            </a:r>
+          </a:p>
+        </p:txBody>
+      </p:sp>
+      <p:sp>
+        <p:nvSpPr>
+          <p:cNvPr id="12" name="文本框 11">
+            <a:extLst>
+              <a:ext uri="{FF2B5EF4-FFF2-40B4-BE49-F238E27FC236}">
+                <a16:creationId xmlns:a16="http://schemas.microsoft.com/office/drawing/2014/main" id="{36B348A0-E2B4-4838-9262-54ACCE0FC586}"/>
+              </a:ext>
+            </a:extLst>
+          </p:cNvPr>
+          <p:cNvSpPr txBox="1"/>
+          <p:nvPr/>
+        </p:nvSpPr>
+        <p:spPr>
+          <a:xfrm>
+            <a:off x="4341809" y="3707963"/>
+            <a:ext cx="3508381" cy="400110"/>
+          </a:xfrm>
+          <a:prstGeom prst="rect">
+            <a:avLst/>
+          </a:prstGeom>
+          <a:noFill/>
+        </p:spPr>
+        <p:txBody>
+          <a:bodyPr wrap="square" rtlCol="0">
+            <a:spAutoFit/>
+          </a:bodyPr>
+          <a:lstStyle/>
+          <a:p>
+            <a:pPr algn="dist"/>
+            <a:r>
+              <a:rPr lang="en-US" altLang="zh-CN" sz="2000" b="1" dirty="0">
+                <a:ln>
+                  <a:solidFill>
+                    <a:schemeClr val="bg1"/>
+                  </a:solidFill>
+                </a:ln>
+                <a:noFill/>
+                <a:latin typeface="Novecento wide Bold" panose="00000805000000000000" pitchFamily="50" charset="0"/>
+                <a:ea typeface="思源黑体 Medium" panose="020B0600000000000000" pitchFamily="34" charset="-122"/>
+              </a:rPr>
+              <a:t>Thanks for listening</a:t>
+            </a:r>
+            <a:endParaRPr lang="zh-CN" altLang="en-US" sz="2000" b="1" dirty="0">
+              <a:ln>
+                <a:solidFill>
+                  <a:schemeClr val="bg1"/>
+                </a:solidFill>
+              </a:ln>
+              <a:noFill/>
+              <a:latin typeface="Novecento wide Bold" panose="00000805000000000000" pitchFamily="50" charset="0"/>
+              <a:ea typeface="思源黑体 Medium" panose="020B0600000000000000" pitchFamily="34" charset="-122"/>
+            </a:endParaRPr>
+          </a:p>
+        </p:txBody>
+      </p:sp>
+    </p:spTree>
+    <p:extLst>
+      <p:ext uri="{BB962C8B-B14F-4D97-AF65-F5344CB8AC3E}">
+        <p14:creationId xmlns:p14="http://schemas.microsoft.com/office/powerpoint/2010/main" val="1616680486"/>
       </p:ext>
     </p:extLst>
   </p:cSld>
@@ -9492,7 +13180,7 @@
                 <a:latin typeface="微软雅黑" panose="020B0503020204020204" pitchFamily="34" charset="-122"/>
                 <a:ea typeface="微软雅黑" panose="020B0503020204020204" pitchFamily="34" charset="-122"/>
               </a:rPr>
-              <a:t>程序测试</a:t>
+              <a:t>项目亮点</a:t>
             </a:r>
           </a:p>
         </p:txBody>
@@ -10485,7 +14173,7 @@
                 <a:latin typeface="微软雅黑" panose="020B0503020204020204" pitchFamily="34" charset="-122"/>
                 <a:ea typeface="微软雅黑" panose="020B0503020204020204" pitchFamily="34" charset="-122"/>
               </a:rPr>
-              <a:t>程序测试</a:t>
+              <a:t>项目亮点</a:t>
             </a:r>
           </a:p>
         </p:txBody>
@@ -11532,7 +15220,7 @@
                 <a:latin typeface="微软雅黑" panose="020B0503020204020204" pitchFamily="34" charset="-122"/>
                 <a:ea typeface="微软雅黑" panose="020B0503020204020204" pitchFamily="34" charset="-122"/>
               </a:rPr>
-              <a:t>程序测试</a:t>
+              <a:t>项目亮点</a:t>
             </a:r>
           </a:p>
         </p:txBody>
@@ -11594,8 +15282,8 @@
         </p:nvSpPr>
         <p:spPr>
           <a:xfrm>
-            <a:off x="1593733" y="1878123"/>
-            <a:ext cx="6662057" cy="2677656"/>
+            <a:off x="943772" y="1404201"/>
+            <a:ext cx="3803256" cy="3539430"/>
           </a:xfrm>
           <a:prstGeom prst="rect">
             <a:avLst/>
@@ -11685,6 +15373,123 @@
           </a:p>
         </p:txBody>
       </p:sp>
+      <p:pic>
+        <p:nvPicPr>
+          <p:cNvPr id="13" name="图片 12">
+            <a:extLst>
+              <a:ext uri="{FF2B5EF4-FFF2-40B4-BE49-F238E27FC236}">
+                <a16:creationId xmlns:a16="http://schemas.microsoft.com/office/drawing/2014/main" id="{9EAE1479-ED1F-E407-DBED-FB78A7FF9646}"/>
+              </a:ext>
+            </a:extLst>
+          </p:cNvPr>
+          <p:cNvPicPr>
+            <a:picLocks noChangeAspect="1"/>
+          </p:cNvPicPr>
+          <p:nvPr/>
+        </p:nvPicPr>
+        <p:blipFill rotWithShape="1">
+          <a:blip r:embed="rId4"/>
+          <a:srcRect l="1365"/>
+          <a:stretch/>
+        </p:blipFill>
+        <p:spPr>
+          <a:xfrm>
+            <a:off x="4954846" y="1259940"/>
+            <a:ext cx="4352193" cy="1713922"/>
+          </a:xfrm>
+          <a:prstGeom prst="rect">
+            <a:avLst/>
+          </a:prstGeom>
+          <a:effectLst>
+            <a:outerShdw blurRad="50800" dist="38100" dir="2700000" sx="105000" sy="105000" algn="tl" rotWithShape="0">
+              <a:prstClr val="black">
+                <a:alpha val="40000"/>
+              </a:prstClr>
+            </a:outerShdw>
+          </a:effectLst>
+        </p:spPr>
+      </p:pic>
+      <p:sp>
+        <p:nvSpPr>
+          <p:cNvPr id="14" name="文本框 13">
+            <a:extLst>
+              <a:ext uri="{FF2B5EF4-FFF2-40B4-BE49-F238E27FC236}">
+                <a16:creationId xmlns:a16="http://schemas.microsoft.com/office/drawing/2014/main" id="{B8983517-B721-023F-05C6-11CAD0D25B46}"/>
+              </a:ext>
+            </a:extLst>
+          </p:cNvPr>
+          <p:cNvSpPr txBox="1"/>
+          <p:nvPr/>
+        </p:nvSpPr>
+        <p:spPr>
+          <a:xfrm>
+            <a:off x="2845400" y="559770"/>
+            <a:ext cx="2656459" cy="369332"/>
+          </a:xfrm>
+          <a:prstGeom prst="rect">
+            <a:avLst/>
+          </a:prstGeom>
+          <a:noFill/>
+        </p:spPr>
+        <p:txBody>
+          <a:bodyPr wrap="square" rtlCol="0">
+            <a:spAutoFit/>
+          </a:bodyPr>
+          <a:lstStyle/>
+          <a:p>
+            <a:r>
+              <a:rPr lang="zh-CN" altLang="en-US" b="1" dirty="0">
+                <a:solidFill>
+                  <a:schemeClr val="tx1">
+                    <a:lumMod val="65000"/>
+                    <a:lumOff val="35000"/>
+                  </a:schemeClr>
+                </a:solidFill>
+                <a:latin typeface="微软雅黑" panose="020B0503020204020204" pitchFamily="34" charset="-122"/>
+                <a:ea typeface="微软雅黑" panose="020B0503020204020204" pitchFamily="34" charset="-122"/>
+              </a:rPr>
+              <a:t>通用</a:t>
+            </a:r>
+          </a:p>
+        </p:txBody>
+      </p:sp>
+      <p:pic>
+        <p:nvPicPr>
+          <p:cNvPr id="16" name="图片 15">
+            <a:extLst>
+              <a:ext uri="{FF2B5EF4-FFF2-40B4-BE49-F238E27FC236}">
+                <a16:creationId xmlns:a16="http://schemas.microsoft.com/office/drawing/2014/main" id="{40D0544B-90E5-E9E0-FF22-681894FA432C}"/>
+              </a:ext>
+            </a:extLst>
+          </p:cNvPr>
+          <p:cNvPicPr>
+            <a:picLocks noChangeAspect="1"/>
+          </p:cNvPicPr>
+          <p:nvPr/>
+        </p:nvPicPr>
+        <p:blipFill>
+          <a:blip r:embed="rId5"/>
+          <a:stretch>
+            <a:fillRect/>
+          </a:stretch>
+        </p:blipFill>
+        <p:spPr>
+          <a:xfrm>
+            <a:off x="4978370" y="3554728"/>
+            <a:ext cx="4328669" cy="2485417"/>
+          </a:xfrm>
+          <a:prstGeom prst="rect">
+            <a:avLst/>
+          </a:prstGeom>
+          <a:effectLst>
+            <a:outerShdw blurRad="50800" dist="38100" dir="2700000" sx="105000" sy="105000" algn="tl" rotWithShape="0">
+              <a:prstClr val="black">
+                <a:alpha val="40000"/>
+              </a:prstClr>
+            </a:outerShdw>
+          </a:effectLst>
+        </p:spPr>
+      </p:pic>
     </p:spTree>
     <p:extLst>
       <p:ext uri="{BB962C8B-B14F-4D97-AF65-F5344CB8AC3E}">
@@ -12072,7 +15877,7 @@
                 <a:latin typeface="微软雅黑" panose="020B0503020204020204" pitchFamily="34" charset="-122"/>
                 <a:ea typeface="微软雅黑" panose="020B0503020204020204" pitchFamily="34" charset="-122"/>
               </a:rPr>
-              <a:t>程序测试</a:t>
+              <a:t>项目亮点</a:t>
             </a:r>
           </a:p>
         </p:txBody>
@@ -12134,8 +15939,8 @@
         </p:nvSpPr>
         <p:spPr>
           <a:xfrm>
-            <a:off x="968457" y="1522622"/>
-            <a:ext cx="8308676" cy="3970318"/>
+            <a:off x="639403" y="2165317"/>
+            <a:ext cx="4411993" cy="3046988"/>
           </a:xfrm>
           <a:prstGeom prst="rect">
             <a:avLst/>
@@ -12149,36 +15954,16 @@
           <a:lstStyle/>
           <a:p>
             <a:r>
-              <a:rPr lang="en-US" altLang="zh-CN" sz="2800" kern="100" dirty="0">
+              <a:rPr lang="en-US" altLang="zh-CN" sz="2400" kern="100" dirty="0">
                 <a:effectLst/>
                 <a:latin typeface="等线" panose="02010600030101010101" pitchFamily="2" charset="-122"/>
                 <a:ea typeface="等线" panose="02010600030101010101" pitchFamily="2" charset="-122"/>
                 <a:cs typeface="Times New Roman" panose="02020603050405020304" pitchFamily="18" charset="0"/>
               </a:rPr>
-              <a:t>3.	</a:t>
-            </a:r>
-            <a:r>
-              <a:rPr lang="zh-CN" altLang="en-US" sz="2800" kern="100" dirty="0">
-                <a:effectLst/>
-                <a:latin typeface="等线" panose="02010600030101010101" pitchFamily="2" charset="-122"/>
-                <a:ea typeface="等线" panose="02010600030101010101" pitchFamily="2" charset="-122"/>
-                <a:cs typeface="Times New Roman" panose="02020603050405020304" pitchFamily="18" charset="0"/>
-              </a:rPr>
-              <a:t>教师：</a:t>
-            </a:r>
-          </a:p>
-          <a:p>
-            <a:r>
-              <a:rPr lang="en-US" altLang="zh-CN" sz="2800" kern="100" dirty="0">
-                <a:effectLst/>
-                <a:latin typeface="等线" panose="02010600030101010101" pitchFamily="2" charset="-122"/>
-                <a:ea typeface="等线" panose="02010600030101010101" pitchFamily="2" charset="-122"/>
-                <a:cs typeface="Times New Roman" panose="02020603050405020304" pitchFamily="18" charset="0"/>
-              </a:rPr>
-              <a:t>3.1.	</a:t>
-            </a:r>
-            <a:r>
-              <a:rPr lang="zh-CN" altLang="en-US" sz="2800" kern="100" dirty="0">
+              <a:t>1.</a:t>
+            </a:r>
+            <a:r>
+              <a:rPr lang="zh-CN" altLang="en-US" sz="2400" kern="100" dirty="0">
                 <a:effectLst/>
                 <a:latin typeface="等线" panose="02010600030101010101" pitchFamily="2" charset="-122"/>
                 <a:ea typeface="等线" panose="02010600030101010101" pitchFamily="2" charset="-122"/>
@@ -12186,19 +15971,49 @@
               </a:rPr>
               <a:t>创建课程：输入课程信息创建新的共享课程。</a:t>
             </a:r>
-          </a:p>
-          <a:p>
-            <a:r>
-              <a:rPr lang="en-US" altLang="zh-CN" sz="2800" kern="100" dirty="0">
+            <a:endParaRPr lang="en-US" altLang="zh-CN" sz="2400" kern="100" dirty="0">
+              <a:effectLst/>
+              <a:latin typeface="等线" panose="02010600030101010101" pitchFamily="2" charset="-122"/>
+              <a:ea typeface="等线" panose="02010600030101010101" pitchFamily="2" charset="-122"/>
+              <a:cs typeface="Times New Roman" panose="02020603050405020304" pitchFamily="18" charset="0"/>
+            </a:endParaRPr>
+          </a:p>
+          <a:p>
+            <a:endParaRPr lang="en-US" altLang="zh-CN" sz="2400" kern="100" dirty="0">
+              <a:effectLst/>
+              <a:latin typeface="等线" panose="02010600030101010101" pitchFamily="2" charset="-122"/>
+              <a:ea typeface="等线" panose="02010600030101010101" pitchFamily="2" charset="-122"/>
+              <a:cs typeface="Times New Roman" panose="02020603050405020304" pitchFamily="18" charset="0"/>
+            </a:endParaRPr>
+          </a:p>
+          <a:p>
+            <a:endParaRPr lang="en-US" altLang="zh-CN" sz="2400" kern="100" dirty="0">
+              <a:effectLst/>
+              <a:latin typeface="等线" panose="02010600030101010101" pitchFamily="2" charset="-122"/>
+              <a:ea typeface="等线" panose="02010600030101010101" pitchFamily="2" charset="-122"/>
+              <a:cs typeface="Times New Roman" panose="02020603050405020304" pitchFamily="18" charset="0"/>
+            </a:endParaRPr>
+          </a:p>
+          <a:p>
+            <a:endParaRPr lang="zh-CN" altLang="en-US" sz="2400" kern="100" dirty="0">
+              <a:effectLst/>
+              <a:latin typeface="等线" panose="02010600030101010101" pitchFamily="2" charset="-122"/>
+              <a:ea typeface="等线" panose="02010600030101010101" pitchFamily="2" charset="-122"/>
+              <a:cs typeface="Times New Roman" panose="02020603050405020304" pitchFamily="18" charset="0"/>
+            </a:endParaRPr>
+          </a:p>
+          <a:p>
+            <a:r>
+              <a:rPr lang="en-US" altLang="zh-CN" sz="2400" kern="100" dirty="0">
                 <a:effectLst/>
                 <a:latin typeface="等线" panose="02010600030101010101" pitchFamily="2" charset="-122"/>
                 <a:ea typeface="等线" panose="02010600030101010101" pitchFamily="2" charset="-122"/>
                 <a:cs typeface="Times New Roman" panose="02020603050405020304" pitchFamily="18" charset="0"/>
               </a:rPr>
-              <a:t>3.2.	</a:t>
-            </a:r>
-            <a:r>
-              <a:rPr lang="zh-CN" altLang="en-US" sz="2800" kern="100" dirty="0">
+              <a:t>2. </a:t>
+            </a:r>
+            <a:r>
+              <a:rPr lang="zh-CN" altLang="en-US" sz="2400" kern="100" dirty="0">
                 <a:effectLst/>
                 <a:latin typeface="等线" panose="02010600030101010101" pitchFamily="2" charset="-122"/>
                 <a:ea typeface="等线" panose="02010600030101010101" pitchFamily="2" charset="-122"/>
@@ -12207,62 +16022,120 @@
               <a:t>管理课程：为已有课程添加章节以及视频内容，为小节内容添加相应的选择题和简答题。</a:t>
             </a:r>
           </a:p>
-          <a:p>
-            <a:r>
-              <a:rPr lang="en-US" altLang="zh-CN" sz="2800" kern="100" dirty="0">
-                <a:effectLst/>
-                <a:latin typeface="等线" panose="02010600030101010101" pitchFamily="2" charset="-122"/>
-                <a:ea typeface="等线" panose="02010600030101010101" pitchFamily="2" charset="-122"/>
-                <a:cs typeface="Times New Roman" panose="02020603050405020304" pitchFamily="18" charset="0"/>
+        </p:txBody>
+      </p:sp>
+      <p:pic>
+        <p:nvPicPr>
+          <p:cNvPr id="13" name="图片 12">
+            <a:extLst>
+              <a:ext uri="{FF2B5EF4-FFF2-40B4-BE49-F238E27FC236}">
+                <a16:creationId xmlns:a16="http://schemas.microsoft.com/office/drawing/2014/main" id="{C58FA261-B777-C091-0145-9F218090CF21}"/>
+              </a:ext>
+            </a:extLst>
+          </p:cNvPr>
+          <p:cNvPicPr>
+            <a:picLocks noChangeAspect="1"/>
+          </p:cNvPicPr>
+          <p:nvPr/>
+        </p:nvPicPr>
+        <p:blipFill rotWithShape="1">
+          <a:blip r:embed="rId4"/>
+          <a:srcRect l="1711" r="13295"/>
+          <a:stretch/>
+        </p:blipFill>
+        <p:spPr>
+          <a:xfrm>
+            <a:off x="5626108" y="1457960"/>
+            <a:ext cx="3396890" cy="1414714"/>
+          </a:xfrm>
+          <a:prstGeom prst="rect">
+            <a:avLst/>
+          </a:prstGeom>
+          <a:effectLst>
+            <a:outerShdw blurRad="50800" dist="38100" dir="2700000" sx="105000" sy="105000" algn="tl" rotWithShape="0">
+              <a:prstClr val="black">
+                <a:alpha val="40000"/>
+              </a:prstClr>
+            </a:outerShdw>
+          </a:effectLst>
+        </p:spPr>
+      </p:pic>
+      <p:pic>
+        <p:nvPicPr>
+          <p:cNvPr id="15" name="图片 14">
+            <a:extLst>
+              <a:ext uri="{FF2B5EF4-FFF2-40B4-BE49-F238E27FC236}">
+                <a16:creationId xmlns:a16="http://schemas.microsoft.com/office/drawing/2014/main" id="{D8113979-95E1-1938-628C-E2ABD962BE39}"/>
+              </a:ext>
+            </a:extLst>
+          </p:cNvPr>
+          <p:cNvPicPr>
+            <a:picLocks noChangeAspect="1"/>
+          </p:cNvPicPr>
+          <p:nvPr/>
+        </p:nvPicPr>
+        <p:blipFill rotWithShape="1">
+          <a:blip r:embed="rId5"/>
+          <a:srcRect b="11886"/>
+          <a:stretch/>
+        </p:blipFill>
+        <p:spPr>
+          <a:xfrm>
+            <a:off x="5626108" y="3137484"/>
+            <a:ext cx="3538661" cy="2463736"/>
+          </a:xfrm>
+          <a:prstGeom prst="rect">
+            <a:avLst/>
+          </a:prstGeom>
+          <a:effectLst>
+            <a:outerShdw blurRad="50800" dist="38100" dir="2700000" sx="105000" sy="105000" algn="tl" rotWithShape="0">
+              <a:prstClr val="black">
+                <a:alpha val="40000"/>
+              </a:prstClr>
+            </a:outerShdw>
+          </a:effectLst>
+        </p:spPr>
+      </p:pic>
+      <p:sp>
+        <p:nvSpPr>
+          <p:cNvPr id="19" name="文本框 18">
+            <a:extLst>
+              <a:ext uri="{FF2B5EF4-FFF2-40B4-BE49-F238E27FC236}">
+                <a16:creationId xmlns:a16="http://schemas.microsoft.com/office/drawing/2014/main" id="{184F9CB1-9002-FC2B-9AF3-7D9E16952F52}"/>
+              </a:ext>
+            </a:extLst>
+          </p:cNvPr>
+          <p:cNvSpPr txBox="1"/>
+          <p:nvPr/>
+        </p:nvSpPr>
+        <p:spPr>
+          <a:xfrm>
+            <a:off x="2845400" y="559770"/>
+            <a:ext cx="2656459" cy="369332"/>
+          </a:xfrm>
+          <a:prstGeom prst="rect">
+            <a:avLst/>
+          </a:prstGeom>
+          <a:noFill/>
+        </p:spPr>
+        <p:txBody>
+          <a:bodyPr wrap="square" rtlCol="0">
+            <a:spAutoFit/>
+          </a:bodyPr>
+          <a:lstStyle/>
+          <a:p>
+            <a:r>
+              <a:rPr lang="zh-CN" altLang="en-US" b="1" dirty="0">
+                <a:solidFill>
+                  <a:schemeClr val="tx1">
+                    <a:lumMod val="65000"/>
+                    <a:lumOff val="35000"/>
+                  </a:schemeClr>
+                </a:solidFill>
+                <a:latin typeface="微软雅黑" panose="020B0503020204020204" pitchFamily="34" charset="-122"/>
+                <a:ea typeface="微软雅黑" panose="020B0503020204020204" pitchFamily="34" charset="-122"/>
               </a:rPr>
-              <a:t>3.3.	</a:t>
-            </a:r>
-            <a:r>
-              <a:rPr lang="zh-CN" altLang="en-US" sz="2800" kern="100" dirty="0">
-                <a:effectLst/>
-                <a:latin typeface="等线" panose="02010600030101010101" pitchFamily="2" charset="-122"/>
-                <a:ea typeface="等线" panose="02010600030101010101" pitchFamily="2" charset="-122"/>
-                <a:cs typeface="Times New Roman" panose="02020603050405020304" pitchFamily="18" charset="0"/>
-              </a:rPr>
-              <a:t>查看学习情况：查看课程的报名名单、小节内容的完成学习名单，以及题目的完成名单和正确率。</a:t>
-            </a:r>
-          </a:p>
-          <a:p>
-            <a:r>
-              <a:rPr lang="en-US" altLang="zh-CN" sz="2800" kern="100" dirty="0">
-                <a:effectLst/>
-                <a:latin typeface="等线" panose="02010600030101010101" pitchFamily="2" charset="-122"/>
-                <a:ea typeface="等线" panose="02010600030101010101" pitchFamily="2" charset="-122"/>
-                <a:cs typeface="Times New Roman" panose="02020603050405020304" pitchFamily="18" charset="0"/>
-              </a:rPr>
-              <a:t>3.4.	</a:t>
-            </a:r>
-            <a:r>
-              <a:rPr lang="zh-CN" altLang="en-US" sz="2800" kern="100" dirty="0">
-                <a:effectLst/>
-                <a:latin typeface="等线" panose="02010600030101010101" pitchFamily="2" charset="-122"/>
-                <a:ea typeface="等线" panose="02010600030101010101" pitchFamily="2" charset="-122"/>
-                <a:cs typeface="Times New Roman" panose="02020603050405020304" pitchFamily="18" charset="0"/>
-              </a:rPr>
-              <a:t>修改个人信息：修改资料中的姓名、介绍、邮箱、</a:t>
-            </a:r>
-            <a:r>
-              <a:rPr lang="en-US" altLang="zh-CN" sz="2800" kern="100" dirty="0">
-                <a:effectLst/>
-                <a:latin typeface="等线" panose="02010600030101010101" pitchFamily="2" charset="-122"/>
-                <a:ea typeface="等线" panose="02010600030101010101" pitchFamily="2" charset="-122"/>
-                <a:cs typeface="Times New Roman" panose="02020603050405020304" pitchFamily="18" charset="0"/>
-              </a:rPr>
-              <a:t>QQ</a:t>
-            </a:r>
-            <a:r>
-              <a:rPr lang="zh-CN" altLang="en-US" sz="2800" kern="100" dirty="0">
-                <a:effectLst/>
-                <a:latin typeface="等线" panose="02010600030101010101" pitchFamily="2" charset="-122"/>
-                <a:ea typeface="等线" panose="02010600030101010101" pitchFamily="2" charset="-122"/>
-                <a:cs typeface="Times New Roman" panose="02020603050405020304" pitchFamily="18" charset="0"/>
-              </a:rPr>
-              <a:t>等个人信息，便于提供学术概况、联系方式等。</a:t>
+              <a:t>教师</a:t>
             </a:r>
           </a:p>
         </p:txBody>
